--- a/PPT.pptx
+++ b/PPT.pptx
@@ -2,17 +2,20 @@
 <file path=ppt/presentation.xml><?xml version="1.0" encoding="utf-8"?>
 <p:presentation xmlns:a="http://schemas.openxmlformats.org/drawingml/2006/main" xmlns:r="http://schemas.openxmlformats.org/officeDocument/2006/relationships" xmlns:p="http://schemas.openxmlformats.org/presentationml/2006/main">
   <p:sldMasterIdLst>
-    <p:sldMasterId id="2147483648" r:id="rId5"/>
+    <p:sldMasterId id="2147483648" r:id="rId1"/>
   </p:sldMasterIdLst>
   <p:notesMasterIdLst>
-    <p:notesMasterId r:id="rId7"/>
+    <p:notesMasterId r:id="rId10"/>
   </p:notesMasterIdLst>
   <p:sldIdLst>
-    <p:sldId id="256" r:id="rId8"/>
-    <p:sldId id="257" r:id="rId9"/>
-    <p:sldId id="258" r:id="rId10"/>
-    <p:sldId id="259" r:id="rId11"/>
-    <p:sldId id="260" r:id="rId12"/>
+    <p:sldId id="256" r:id="rId2"/>
+    <p:sldId id="257" r:id="rId3"/>
+    <p:sldId id="261" r:id="rId4"/>
+    <p:sldId id="262" r:id="rId5"/>
+    <p:sldId id="263" r:id="rId6"/>
+    <p:sldId id="258" r:id="rId7"/>
+    <p:sldId id="259" r:id="rId8"/>
+    <p:sldId id="260" r:id="rId9"/>
   </p:sldIdLst>
   <p:sldSz cx="13004800" cy="9753600"/>
   <p:notesSz cx="6858000" cy="9144000"/>
@@ -32,7 +35,7 @@
       <a:buFontTx/>
       <a:buNone/>
       <a:tabLst/>
-      <a:defRPr b="0" baseline="0" cap="none" i="0" spc="0" strike="noStrike" sz="1800" u="none" kumimoji="0" normalizeH="0">
+      <a:defRPr kumimoji="0" sz="1800" b="0" i="0" u="none" strike="noStrike" cap="none" spc="0" normalizeH="0" baseline="0">
         <a:ln>
           <a:noFill/>
         </a:ln>
@@ -58,7 +61,7 @@
       <a:buFontTx/>
       <a:buNone/>
       <a:tabLst/>
-      <a:defRPr b="0" baseline="0" cap="none" i="0" spc="0" strike="noStrike" sz="3600" u="none" kumimoji="0" normalizeH="0">
+      <a:defRPr kumimoji="0" sz="3600" b="0" i="0" u="none" strike="noStrike" cap="none" spc="0" normalizeH="0" baseline="0">
         <a:ln>
           <a:noFill/>
         </a:ln>
@@ -88,7 +91,7 @@
       <a:buFontTx/>
       <a:buNone/>
       <a:tabLst/>
-      <a:defRPr b="0" baseline="0" cap="none" i="0" spc="0" strike="noStrike" sz="3600" u="none" kumimoji="0" normalizeH="0">
+      <a:defRPr kumimoji="0" sz="3600" b="0" i="0" u="none" strike="noStrike" cap="none" spc="0" normalizeH="0" baseline="0">
         <a:ln>
           <a:noFill/>
         </a:ln>
@@ -118,7 +121,7 @@
       <a:buFontTx/>
       <a:buNone/>
       <a:tabLst/>
-      <a:defRPr b="0" baseline="0" cap="none" i="0" spc="0" strike="noStrike" sz="3600" u="none" kumimoji="0" normalizeH="0">
+      <a:defRPr kumimoji="0" sz="3600" b="0" i="0" u="none" strike="noStrike" cap="none" spc="0" normalizeH="0" baseline="0">
         <a:ln>
           <a:noFill/>
         </a:ln>
@@ -148,7 +151,7 @@
       <a:buFontTx/>
       <a:buNone/>
       <a:tabLst/>
-      <a:defRPr b="0" baseline="0" cap="none" i="0" spc="0" strike="noStrike" sz="3600" u="none" kumimoji="0" normalizeH="0">
+      <a:defRPr kumimoji="0" sz="3600" b="0" i="0" u="none" strike="noStrike" cap="none" spc="0" normalizeH="0" baseline="0">
         <a:ln>
           <a:noFill/>
         </a:ln>
@@ -178,7 +181,7 @@
       <a:buFontTx/>
       <a:buNone/>
       <a:tabLst/>
-      <a:defRPr b="0" baseline="0" cap="none" i="0" spc="0" strike="noStrike" sz="3600" u="none" kumimoji="0" normalizeH="0">
+      <a:defRPr kumimoji="0" sz="3600" b="0" i="0" u="none" strike="noStrike" cap="none" spc="0" normalizeH="0" baseline="0">
         <a:ln>
           <a:noFill/>
         </a:ln>
@@ -208,7 +211,7 @@
       <a:buFontTx/>
       <a:buNone/>
       <a:tabLst/>
-      <a:defRPr b="0" baseline="0" cap="none" i="0" spc="0" strike="noStrike" sz="3600" u="none" kumimoji="0" normalizeH="0">
+      <a:defRPr kumimoji="0" sz="3600" b="0" i="0" u="none" strike="noStrike" cap="none" spc="0" normalizeH="0" baseline="0">
         <a:ln>
           <a:noFill/>
         </a:ln>
@@ -238,7 +241,7 @@
       <a:buFontTx/>
       <a:buNone/>
       <a:tabLst/>
-      <a:defRPr b="0" baseline="0" cap="none" i="0" spc="0" strike="noStrike" sz="3600" u="none" kumimoji="0" normalizeH="0">
+      <a:defRPr kumimoji="0" sz="3600" b="0" i="0" u="none" strike="noStrike" cap="none" spc="0" normalizeH="0" baseline="0">
         <a:ln>
           <a:noFill/>
         </a:ln>
@@ -268,7 +271,7 @@
       <a:buFontTx/>
       <a:buNone/>
       <a:tabLst/>
-      <a:defRPr b="0" baseline="0" cap="none" i="0" spc="0" strike="noStrike" sz="3600" u="none" kumimoji="0" normalizeH="0">
+      <a:defRPr kumimoji="0" sz="3600" b="0" i="0" u="none" strike="noStrike" cap="none" spc="0" normalizeH="0" baseline="0">
         <a:ln>
           <a:noFill/>
         </a:ln>
@@ -298,7 +301,7 @@
       <a:buFontTx/>
       <a:buNone/>
       <a:tabLst/>
-      <a:defRPr b="0" baseline="0" cap="none" i="0" spc="0" strike="noStrike" sz="3600" u="none" kumimoji="0" normalizeH="0">
+      <a:defRPr kumimoji="0" sz="3600" b="0" i="0" u="none" strike="noStrike" cap="none" spc="0" normalizeH="0" baseline="0">
         <a:ln>
           <a:noFill/>
         </a:ln>
@@ -317,13 +320,14 @@
 </p:presentation>
 </file>
 
-<file path=ppt/commentAuthors.xml><?xml version="1.0" encoding="utf-8"?>
-<p:cmAuthorLst xmlns:a="http://schemas.openxmlformats.org/drawingml/2006/main" xmlns:r="http://schemas.openxmlformats.org/officeDocument/2006/relationships" xmlns:p="http://schemas.openxmlformats.org/presentationml/2006/main"/>
-</file>
-
 <file path=ppt/notesMasters/notesMaster1.xml><?xml version="1.0" encoding="utf-8"?>
 <p:notesMaster xmlns:a="http://schemas.openxmlformats.org/drawingml/2006/main" xmlns:r="http://schemas.openxmlformats.org/officeDocument/2006/relationships" xmlns:p="http://schemas.openxmlformats.org/presentationml/2006/main">
   <p:cSld>
+    <p:bg>
+      <p:bgRef idx="1001">
+        <a:schemeClr val="bg1"/>
+      </p:bgRef>
+    </p:bg>
     <p:spTree>
       <p:nvGrpSpPr>
         <p:cNvPr id="1" name=""/>
@@ -341,7 +345,9 @@
       <p:sp>
         <p:nvSpPr>
           <p:cNvPr id="116" name="Shape 116"/>
-          <p:cNvSpPr/>
+          <p:cNvSpPr>
+            <a:spLocks noGrp="1" noRot="1" noChangeAspect="1"/>
+          </p:cNvSpPr>
           <p:nvPr>
             <p:ph type="sldImg"/>
           </p:nvPr>
@@ -359,14 +365,16 @@
           <a:bodyPr/>
           <a:lstStyle/>
           <a:p>
-            <a:pPr/>
+            <a:endParaRPr/>
           </a:p>
         </p:txBody>
       </p:sp>
       <p:sp>
         <p:nvSpPr>
           <p:cNvPr id="117" name="Shape 117"/>
-          <p:cNvSpPr/>
+          <p:cNvSpPr>
+            <a:spLocks noGrp="1"/>
+          </p:cNvSpPr>
           <p:nvPr>
             <p:ph type="body" sz="quarter" idx="1"/>
           </p:nvPr>
@@ -384,11 +392,16 @@
           <a:bodyPr/>
           <a:lstStyle/>
           <a:p>
-            <a:pPr/>
+            <a:endParaRPr/>
           </a:p>
         </p:txBody>
       </p:sp>
     </p:spTree>
+    <p:extLst>
+      <p:ext uri="{BB962C8B-B14F-4D97-AF65-F5344CB8AC3E}">
+        <p14:creationId xmlns:p14="http://schemas.microsoft.com/office/powerpoint/2010/main" val="127199451"/>
+      </p:ext>
+    </p:extLst>
   </p:cSld>
   <p:clrMap bg1="lt1" tx1="dk1" bg2="lt2" tx2="dk2" accent1="accent1" accent2="accent2" accent3="accent3" accent4="accent4" accent5="accent5" accent6="accent6" hlink="hlink" folHlink="folHlink"/>
   <p:notesStyle>
@@ -496,7 +509,7 @@
 </file>
 
 <file path=ppt/slideLayouts/slideLayout1.xml><?xml version="1.0" encoding="utf-8"?>
-<p:sldLayout xmlns:a="http://schemas.openxmlformats.org/drawingml/2006/main" xmlns:r="http://schemas.openxmlformats.org/officeDocument/2006/relationships" xmlns:p="http://schemas.openxmlformats.org/presentationml/2006/main" type="title" showMasterSp="1" showMasterPhAnim="1">
+<p:sldLayout xmlns:a="http://schemas.openxmlformats.org/drawingml/2006/main" xmlns:r="http://schemas.openxmlformats.org/officeDocument/2006/relationships" xmlns:p="http://schemas.openxmlformats.org/presentationml/2006/main" type="title">
   <p:cSld name="Title &amp; Subtitle">
     <p:spTree>
       <p:nvGrpSpPr>
@@ -515,7 +528,9 @@
       <p:sp>
         <p:nvSpPr>
           <p:cNvPr id="11" name="Shape 11"/>
-          <p:cNvSpPr/>
+          <p:cNvSpPr>
+            <a:spLocks noGrp="1"/>
+          </p:cNvSpPr>
           <p:nvPr>
             <p:ph type="title"/>
           </p:nvPr>
@@ -533,7 +548,6 @@
           <a:bodyPr anchor="b"/>
           <a:lstStyle/>
           <a:p>
-            <a:pPr/>
             <a:r>
               <a:t>Title Text</a:t>
             </a:r>
@@ -543,7 +557,9 @@
       <p:sp>
         <p:nvSpPr>
           <p:cNvPr id="12" name="Shape 12"/>
-          <p:cNvSpPr/>
+          <p:cNvSpPr>
+            <a:spLocks noGrp="1"/>
+          </p:cNvSpPr>
           <p:nvPr>
             <p:ph type="body" sz="quarter" idx="1"/>
           </p:nvPr>
@@ -602,7 +618,6 @@
             </a:lvl5pPr>
           </a:lstStyle>
           <a:p>
-            <a:pPr/>
             <a:r>
               <a:t>Body Level One</a:t>
             </a:r>
@@ -636,7 +651,9 @@
       <p:sp>
         <p:nvSpPr>
           <p:cNvPr id="13" name="Shape 13"/>
-          <p:cNvSpPr/>
+          <p:cNvSpPr>
+            <a:spLocks noGrp="1"/>
+          </p:cNvSpPr>
           <p:nvPr>
             <p:ph type="sldNum" sz="quarter" idx="2"/>
           </p:nvPr>
@@ -650,8 +667,10 @@
           <a:bodyPr/>
           <a:lstStyle/>
           <a:p>
-            <a:pPr/>
-            <a:fld id="{86CB4B4D-7CA3-9044-876B-883B54F8677D}" type="slidenum"/>
+            <a:fld id="{86CB4B4D-7CA3-9044-876B-883B54F8677D}" type="slidenum">
+              <a:t>‹#›</a:t>
+            </a:fld>
+            <a:endParaRPr/>
           </a:p>
         </p:txBody>
       </p:sp>
@@ -660,12 +679,12 @@
   <p:clrMapOvr>
     <a:masterClrMapping/>
   </p:clrMapOvr>
-  <p:transition xmlns:p14="http://schemas.microsoft.com/office/powerpoint/2010/main" spd="med" advClick="1"/>
+  <p:transition spd="med"/>
 </p:sldLayout>
 </file>
 
 <file path=ppt/slideLayouts/slideLayout10.xml><?xml version="1.0" encoding="utf-8"?>
-<p:sldLayout xmlns:a="http://schemas.openxmlformats.org/drawingml/2006/main" xmlns:r="http://schemas.openxmlformats.org/officeDocument/2006/relationships" xmlns:p="http://schemas.openxmlformats.org/presentationml/2006/main" type="tx" showMasterSp="1" showMasterPhAnim="1">
+<p:sldLayout xmlns:a="http://schemas.openxmlformats.org/drawingml/2006/main" xmlns:r="http://schemas.openxmlformats.org/officeDocument/2006/relationships" xmlns:p="http://schemas.openxmlformats.org/presentationml/2006/main" type="tx">
   <p:cSld name="Quote">
     <p:spTree>
       <p:nvGrpSpPr>
@@ -684,7 +703,9 @@
       <p:sp>
         <p:nvSpPr>
           <p:cNvPr id="93" name="Shape 93"/>
-          <p:cNvSpPr/>
+          <p:cNvSpPr>
+            <a:spLocks noGrp="1"/>
+          </p:cNvSpPr>
           <p:nvPr>
             <p:ph type="body" sz="quarter" idx="13"/>
           </p:nvPr>
@@ -713,7 +734,6 @@
             </a:lvl1pPr>
           </a:lstStyle>
           <a:p>
-            <a:pPr/>
             <a:r>
               <a:t>–Johnny Appleseed</a:t>
             </a:r>
@@ -723,7 +743,9 @@
       <p:sp>
         <p:nvSpPr>
           <p:cNvPr id="94" name="Shape 94"/>
-          <p:cNvSpPr/>
+          <p:cNvSpPr>
+            <a:spLocks noGrp="1"/>
+          </p:cNvSpPr>
           <p:nvPr>
             <p:ph type="body" sz="quarter" idx="14"/>
           </p:nvPr>
@@ -752,7 +774,6 @@
             </a:lvl1pPr>
           </a:lstStyle>
           <a:p>
-            <a:pPr/>
             <a:r>
               <a:t>“Type a quote here.” </a:t>
             </a:r>
@@ -762,7 +783,9 @@
       <p:sp>
         <p:nvSpPr>
           <p:cNvPr id="95" name="Shape 95"/>
-          <p:cNvSpPr/>
+          <p:cNvSpPr>
+            <a:spLocks noGrp="1"/>
+          </p:cNvSpPr>
           <p:nvPr>
             <p:ph type="sldNum" sz="quarter" idx="2"/>
           </p:nvPr>
@@ -776,8 +799,10 @@
           <a:bodyPr/>
           <a:lstStyle/>
           <a:p>
-            <a:pPr/>
-            <a:fld id="{86CB4B4D-7CA3-9044-876B-883B54F8677D}" type="slidenum"/>
+            <a:fld id="{86CB4B4D-7CA3-9044-876B-883B54F8677D}" type="slidenum">
+              <a:t>‹#›</a:t>
+            </a:fld>
+            <a:endParaRPr/>
           </a:p>
         </p:txBody>
       </p:sp>
@@ -786,12 +811,12 @@
   <p:clrMapOvr>
     <a:masterClrMapping/>
   </p:clrMapOvr>
-  <p:transition xmlns:p14="http://schemas.microsoft.com/office/powerpoint/2010/main" spd="med" advClick="1"/>
+  <p:transition spd="med"/>
 </p:sldLayout>
 </file>
 
 <file path=ppt/slideLayouts/slideLayout11.xml><?xml version="1.0" encoding="utf-8"?>
-<p:sldLayout xmlns:a="http://schemas.openxmlformats.org/drawingml/2006/main" xmlns:r="http://schemas.openxmlformats.org/officeDocument/2006/relationships" xmlns:p="http://schemas.openxmlformats.org/presentationml/2006/main" type="tx" showMasterSp="1" showMasterPhAnim="1">
+<p:sldLayout xmlns:a="http://schemas.openxmlformats.org/drawingml/2006/main" xmlns:r="http://schemas.openxmlformats.org/officeDocument/2006/relationships" xmlns:p="http://schemas.openxmlformats.org/presentationml/2006/main" type="tx">
   <p:cSld name="Photo">
     <p:spTree>
       <p:nvGrpSpPr>
@@ -810,7 +835,9 @@
       <p:sp>
         <p:nvSpPr>
           <p:cNvPr id="102" name="Shape 102"/>
-          <p:cNvSpPr/>
+          <p:cNvSpPr>
+            <a:spLocks noGrp="1"/>
+          </p:cNvSpPr>
           <p:nvPr>
             <p:ph type="pic" idx="13"/>
           </p:nvPr>
@@ -830,14 +857,16 @@
           </a:bodyPr>
           <a:lstStyle/>
           <a:p>
-            <a:pPr/>
+            <a:endParaRPr/>
           </a:p>
         </p:txBody>
       </p:sp>
       <p:sp>
         <p:nvSpPr>
           <p:cNvPr id="103" name="Shape 103"/>
-          <p:cNvSpPr/>
+          <p:cNvSpPr>
+            <a:spLocks noGrp="1"/>
+          </p:cNvSpPr>
           <p:nvPr>
             <p:ph type="sldNum" sz="quarter" idx="2"/>
           </p:nvPr>
@@ -851,8 +880,10 @@
           <a:bodyPr/>
           <a:lstStyle/>
           <a:p>
-            <a:pPr/>
-            <a:fld id="{86CB4B4D-7CA3-9044-876B-883B54F8677D}" type="slidenum"/>
+            <a:fld id="{86CB4B4D-7CA3-9044-876B-883B54F8677D}" type="slidenum">
+              <a:t>‹#›</a:t>
+            </a:fld>
+            <a:endParaRPr/>
           </a:p>
         </p:txBody>
       </p:sp>
@@ -861,12 +892,12 @@
   <p:clrMapOvr>
     <a:masterClrMapping/>
   </p:clrMapOvr>
-  <p:transition xmlns:p14="http://schemas.microsoft.com/office/powerpoint/2010/main" spd="med" advClick="1"/>
+  <p:transition spd="med"/>
 </p:sldLayout>
 </file>
 
 <file path=ppt/slideLayouts/slideLayout12.xml><?xml version="1.0" encoding="utf-8"?>
-<p:sldLayout xmlns:a="http://schemas.openxmlformats.org/drawingml/2006/main" xmlns:r="http://schemas.openxmlformats.org/officeDocument/2006/relationships" xmlns:p="http://schemas.openxmlformats.org/presentationml/2006/main" type="tx" showMasterSp="1" showMasterPhAnim="1">
+<p:sldLayout xmlns:a="http://schemas.openxmlformats.org/drawingml/2006/main" xmlns:r="http://schemas.openxmlformats.org/officeDocument/2006/relationships" xmlns:p="http://schemas.openxmlformats.org/presentationml/2006/main" type="tx">
   <p:cSld name="Blank">
     <p:spTree>
       <p:nvGrpSpPr>
@@ -885,7 +916,9 @@
       <p:sp>
         <p:nvSpPr>
           <p:cNvPr id="110" name="Shape 110"/>
-          <p:cNvSpPr/>
+          <p:cNvSpPr>
+            <a:spLocks noGrp="1"/>
+          </p:cNvSpPr>
           <p:nvPr>
             <p:ph type="sldNum" sz="quarter" idx="2"/>
           </p:nvPr>
@@ -899,8 +932,10 @@
           <a:bodyPr/>
           <a:lstStyle/>
           <a:p>
-            <a:pPr/>
-            <a:fld id="{86CB4B4D-7CA3-9044-876B-883B54F8677D}" type="slidenum"/>
+            <a:fld id="{86CB4B4D-7CA3-9044-876B-883B54F8677D}" type="slidenum">
+              <a:t>‹#›</a:t>
+            </a:fld>
+            <a:endParaRPr/>
           </a:p>
         </p:txBody>
       </p:sp>
@@ -909,12 +944,12 @@
   <p:clrMapOvr>
     <a:masterClrMapping/>
   </p:clrMapOvr>
-  <p:transition xmlns:p14="http://schemas.microsoft.com/office/powerpoint/2010/main" spd="med" advClick="1"/>
+  <p:transition spd="med"/>
 </p:sldLayout>
 </file>
 
 <file path=ppt/slideLayouts/slideLayout2.xml><?xml version="1.0" encoding="utf-8"?>
-<p:sldLayout xmlns:a="http://schemas.openxmlformats.org/drawingml/2006/main" xmlns:r="http://schemas.openxmlformats.org/officeDocument/2006/relationships" xmlns:p="http://schemas.openxmlformats.org/presentationml/2006/main" type="tx" showMasterSp="1" showMasterPhAnim="1">
+<p:sldLayout xmlns:a="http://schemas.openxmlformats.org/drawingml/2006/main" xmlns:r="http://schemas.openxmlformats.org/officeDocument/2006/relationships" xmlns:p="http://schemas.openxmlformats.org/presentationml/2006/main" type="tx">
   <p:cSld name="Photo - Horizontal">
     <p:spTree>
       <p:nvGrpSpPr>
@@ -933,7 +968,9 @@
       <p:sp>
         <p:nvSpPr>
           <p:cNvPr id="20" name="Shape 20"/>
-          <p:cNvSpPr/>
+          <p:cNvSpPr>
+            <a:spLocks noGrp="1"/>
+          </p:cNvSpPr>
           <p:nvPr>
             <p:ph type="pic" idx="13"/>
           </p:nvPr>
@@ -953,14 +990,16 @@
           </a:bodyPr>
           <a:lstStyle/>
           <a:p>
-            <a:pPr/>
+            <a:endParaRPr/>
           </a:p>
         </p:txBody>
       </p:sp>
       <p:sp>
         <p:nvSpPr>
           <p:cNvPr id="21" name="Shape 21"/>
-          <p:cNvSpPr/>
+          <p:cNvSpPr>
+            <a:spLocks noGrp="1"/>
+          </p:cNvSpPr>
           <p:nvPr>
             <p:ph type="title"/>
           </p:nvPr>
@@ -978,7 +1017,6 @@
           <a:bodyPr anchor="b"/>
           <a:lstStyle/>
           <a:p>
-            <a:pPr/>
             <a:r>
               <a:t>Title Text</a:t>
             </a:r>
@@ -988,7 +1026,9 @@
       <p:sp>
         <p:nvSpPr>
           <p:cNvPr id="22" name="Shape 22"/>
-          <p:cNvSpPr/>
+          <p:cNvSpPr>
+            <a:spLocks noGrp="1"/>
+          </p:cNvSpPr>
           <p:nvPr>
             <p:ph type="body" sz="quarter" idx="1"/>
           </p:nvPr>
@@ -1047,7 +1087,6 @@
             </a:lvl5pPr>
           </a:lstStyle>
           <a:p>
-            <a:pPr/>
             <a:r>
               <a:t>Body Level One</a:t>
             </a:r>
@@ -1081,7 +1120,9 @@
       <p:sp>
         <p:nvSpPr>
           <p:cNvPr id="23" name="Shape 23"/>
-          <p:cNvSpPr/>
+          <p:cNvSpPr>
+            <a:spLocks noGrp="1"/>
+          </p:cNvSpPr>
           <p:nvPr>
             <p:ph type="sldNum" sz="quarter" idx="2"/>
           </p:nvPr>
@@ -1099,8 +1140,10 @@
           <a:bodyPr/>
           <a:lstStyle/>
           <a:p>
-            <a:pPr/>
-            <a:fld id="{86CB4B4D-7CA3-9044-876B-883B54F8677D}" type="slidenum"/>
+            <a:fld id="{86CB4B4D-7CA3-9044-876B-883B54F8677D}" type="slidenum">
+              <a:t>‹#›</a:t>
+            </a:fld>
+            <a:endParaRPr/>
           </a:p>
         </p:txBody>
       </p:sp>
@@ -1109,12 +1152,12 @@
   <p:clrMapOvr>
     <a:masterClrMapping/>
   </p:clrMapOvr>
-  <p:transition xmlns:p14="http://schemas.microsoft.com/office/powerpoint/2010/main" spd="med" advClick="1"/>
+  <p:transition spd="med"/>
 </p:sldLayout>
 </file>
 
 <file path=ppt/slideLayouts/slideLayout3.xml><?xml version="1.0" encoding="utf-8"?>
-<p:sldLayout xmlns:a="http://schemas.openxmlformats.org/drawingml/2006/main" xmlns:r="http://schemas.openxmlformats.org/officeDocument/2006/relationships" xmlns:p="http://schemas.openxmlformats.org/presentationml/2006/main" type="tx" showMasterSp="1" showMasterPhAnim="1">
+<p:sldLayout xmlns:a="http://schemas.openxmlformats.org/drawingml/2006/main" xmlns:r="http://schemas.openxmlformats.org/officeDocument/2006/relationships" xmlns:p="http://schemas.openxmlformats.org/presentationml/2006/main" type="tx">
   <p:cSld name="Title - Center">
     <p:spTree>
       <p:nvGrpSpPr>
@@ -1133,7 +1176,9 @@
       <p:sp>
         <p:nvSpPr>
           <p:cNvPr id="30" name="Shape 30"/>
-          <p:cNvSpPr/>
+          <p:cNvSpPr>
+            <a:spLocks noGrp="1"/>
+          </p:cNvSpPr>
           <p:nvPr>
             <p:ph type="title"/>
           </p:nvPr>
@@ -1151,7 +1196,6 @@
           <a:bodyPr/>
           <a:lstStyle/>
           <a:p>
-            <a:pPr/>
             <a:r>
               <a:t>Title Text</a:t>
             </a:r>
@@ -1161,7 +1205,9 @@
       <p:sp>
         <p:nvSpPr>
           <p:cNvPr id="31" name="Shape 31"/>
-          <p:cNvSpPr/>
+          <p:cNvSpPr>
+            <a:spLocks noGrp="1"/>
+          </p:cNvSpPr>
           <p:nvPr>
             <p:ph type="sldNum" sz="quarter" idx="2"/>
           </p:nvPr>
@@ -1175,8 +1221,10 @@
           <a:bodyPr/>
           <a:lstStyle/>
           <a:p>
-            <a:pPr/>
-            <a:fld id="{86CB4B4D-7CA3-9044-876B-883B54F8677D}" type="slidenum"/>
+            <a:fld id="{86CB4B4D-7CA3-9044-876B-883B54F8677D}" type="slidenum">
+              <a:t>‹#›</a:t>
+            </a:fld>
+            <a:endParaRPr/>
           </a:p>
         </p:txBody>
       </p:sp>
@@ -1185,12 +1233,12 @@
   <p:clrMapOvr>
     <a:masterClrMapping/>
   </p:clrMapOvr>
-  <p:transition xmlns:p14="http://schemas.microsoft.com/office/powerpoint/2010/main" spd="med" advClick="1"/>
+  <p:transition spd="med"/>
 </p:sldLayout>
 </file>
 
 <file path=ppt/slideLayouts/slideLayout4.xml><?xml version="1.0" encoding="utf-8"?>
-<p:sldLayout xmlns:a="http://schemas.openxmlformats.org/drawingml/2006/main" xmlns:r="http://schemas.openxmlformats.org/officeDocument/2006/relationships" xmlns:p="http://schemas.openxmlformats.org/presentationml/2006/main" type="tx" showMasterSp="1" showMasterPhAnim="1">
+<p:sldLayout xmlns:a="http://schemas.openxmlformats.org/drawingml/2006/main" xmlns:r="http://schemas.openxmlformats.org/officeDocument/2006/relationships" xmlns:p="http://schemas.openxmlformats.org/presentationml/2006/main" type="tx">
   <p:cSld name="Photo - Vertical">
     <p:spTree>
       <p:nvGrpSpPr>
@@ -1209,7 +1257,9 @@
       <p:sp>
         <p:nvSpPr>
           <p:cNvPr id="38" name="Shape 38"/>
-          <p:cNvSpPr/>
+          <p:cNvSpPr>
+            <a:spLocks noGrp="1"/>
+          </p:cNvSpPr>
           <p:nvPr>
             <p:ph type="pic" sz="half" idx="13"/>
           </p:nvPr>
@@ -1229,14 +1279,16 @@
           </a:bodyPr>
           <a:lstStyle/>
           <a:p>
-            <a:pPr/>
+            <a:endParaRPr/>
           </a:p>
         </p:txBody>
       </p:sp>
       <p:sp>
         <p:nvSpPr>
           <p:cNvPr id="39" name="Shape 39"/>
-          <p:cNvSpPr/>
+          <p:cNvSpPr>
+            <a:spLocks noGrp="1"/>
+          </p:cNvSpPr>
           <p:nvPr>
             <p:ph type="title"/>
           </p:nvPr>
@@ -1258,7 +1310,6 @@
             </a:lvl1pPr>
           </a:lstStyle>
           <a:p>
-            <a:pPr/>
             <a:r>
               <a:t>Title Text</a:t>
             </a:r>
@@ -1268,7 +1319,9 @@
       <p:sp>
         <p:nvSpPr>
           <p:cNvPr id="40" name="Shape 40"/>
-          <p:cNvSpPr/>
+          <p:cNvSpPr>
+            <a:spLocks noGrp="1"/>
+          </p:cNvSpPr>
           <p:nvPr>
             <p:ph type="body" sz="quarter" idx="1"/>
           </p:nvPr>
@@ -1327,7 +1380,6 @@
             </a:lvl5pPr>
           </a:lstStyle>
           <a:p>
-            <a:pPr/>
             <a:r>
               <a:t>Body Level One</a:t>
             </a:r>
@@ -1361,7 +1413,9 @@
       <p:sp>
         <p:nvSpPr>
           <p:cNvPr id="41" name="Shape 41"/>
-          <p:cNvSpPr/>
+          <p:cNvSpPr>
+            <a:spLocks noGrp="1"/>
+          </p:cNvSpPr>
           <p:nvPr>
             <p:ph type="sldNum" sz="quarter" idx="2"/>
           </p:nvPr>
@@ -1375,8 +1429,10 @@
           <a:bodyPr/>
           <a:lstStyle/>
           <a:p>
-            <a:pPr/>
-            <a:fld id="{86CB4B4D-7CA3-9044-876B-883B54F8677D}" type="slidenum"/>
+            <a:fld id="{86CB4B4D-7CA3-9044-876B-883B54F8677D}" type="slidenum">
+              <a:t>‹#›</a:t>
+            </a:fld>
+            <a:endParaRPr/>
           </a:p>
         </p:txBody>
       </p:sp>
@@ -1385,12 +1441,12 @@
   <p:clrMapOvr>
     <a:masterClrMapping/>
   </p:clrMapOvr>
-  <p:transition xmlns:p14="http://schemas.microsoft.com/office/powerpoint/2010/main" spd="med" advClick="1"/>
+  <p:transition spd="med"/>
 </p:sldLayout>
 </file>
 
 <file path=ppt/slideLayouts/slideLayout5.xml><?xml version="1.0" encoding="utf-8"?>
-<p:sldLayout xmlns:a="http://schemas.openxmlformats.org/drawingml/2006/main" xmlns:r="http://schemas.openxmlformats.org/officeDocument/2006/relationships" xmlns:p="http://schemas.openxmlformats.org/presentationml/2006/main" type="tx" showMasterSp="1" showMasterPhAnim="1">
+<p:sldLayout xmlns:a="http://schemas.openxmlformats.org/drawingml/2006/main" xmlns:r="http://schemas.openxmlformats.org/officeDocument/2006/relationships" xmlns:p="http://schemas.openxmlformats.org/presentationml/2006/main" type="tx">
   <p:cSld name="Title - Top">
     <p:spTree>
       <p:nvGrpSpPr>
@@ -1409,7 +1465,9 @@
       <p:sp>
         <p:nvSpPr>
           <p:cNvPr id="48" name="Shape 48"/>
-          <p:cNvSpPr/>
+          <p:cNvSpPr>
+            <a:spLocks noGrp="1"/>
+          </p:cNvSpPr>
           <p:nvPr>
             <p:ph type="title"/>
           </p:nvPr>
@@ -1423,7 +1481,6 @@
           <a:bodyPr/>
           <a:lstStyle/>
           <a:p>
-            <a:pPr/>
             <a:r>
               <a:t>Title Text</a:t>
             </a:r>
@@ -1433,7 +1490,9 @@
       <p:sp>
         <p:nvSpPr>
           <p:cNvPr id="49" name="Shape 49"/>
-          <p:cNvSpPr/>
+          <p:cNvSpPr>
+            <a:spLocks noGrp="1"/>
+          </p:cNvSpPr>
           <p:nvPr>
             <p:ph type="sldNum" sz="quarter" idx="2"/>
           </p:nvPr>
@@ -1447,8 +1506,10 @@
           <a:bodyPr/>
           <a:lstStyle/>
           <a:p>
-            <a:pPr/>
-            <a:fld id="{86CB4B4D-7CA3-9044-876B-883B54F8677D}" type="slidenum"/>
+            <a:fld id="{86CB4B4D-7CA3-9044-876B-883B54F8677D}" type="slidenum">
+              <a:t>‹#›</a:t>
+            </a:fld>
+            <a:endParaRPr/>
           </a:p>
         </p:txBody>
       </p:sp>
@@ -1457,12 +1518,12 @@
   <p:clrMapOvr>
     <a:masterClrMapping/>
   </p:clrMapOvr>
-  <p:transition xmlns:p14="http://schemas.microsoft.com/office/powerpoint/2010/main" spd="med" advClick="1"/>
+  <p:transition spd="med"/>
 </p:sldLayout>
 </file>
 
 <file path=ppt/slideLayouts/slideLayout6.xml><?xml version="1.0" encoding="utf-8"?>
-<p:sldLayout xmlns:a="http://schemas.openxmlformats.org/drawingml/2006/main" xmlns:r="http://schemas.openxmlformats.org/officeDocument/2006/relationships" xmlns:p="http://schemas.openxmlformats.org/presentationml/2006/main" type="tx" showMasterSp="1" showMasterPhAnim="1">
+<p:sldLayout xmlns:a="http://schemas.openxmlformats.org/drawingml/2006/main" xmlns:r="http://schemas.openxmlformats.org/officeDocument/2006/relationships" xmlns:p="http://schemas.openxmlformats.org/presentationml/2006/main" type="tx">
   <p:cSld name="Title &amp; Bullets">
     <p:spTree>
       <p:nvGrpSpPr>
@@ -1481,7 +1542,9 @@
       <p:sp>
         <p:nvSpPr>
           <p:cNvPr id="56" name="Shape 56"/>
-          <p:cNvSpPr/>
+          <p:cNvSpPr>
+            <a:spLocks noGrp="1"/>
+          </p:cNvSpPr>
           <p:nvPr>
             <p:ph type="title"/>
           </p:nvPr>
@@ -1495,7 +1558,6 @@
           <a:bodyPr/>
           <a:lstStyle/>
           <a:p>
-            <a:pPr/>
             <a:r>
               <a:t>Title Text</a:t>
             </a:r>
@@ -1505,7 +1567,9 @@
       <p:sp>
         <p:nvSpPr>
           <p:cNvPr id="57" name="Shape 57"/>
-          <p:cNvSpPr/>
+          <p:cNvSpPr>
+            <a:spLocks noGrp="1"/>
+          </p:cNvSpPr>
           <p:nvPr>
             <p:ph type="body" idx="1"/>
           </p:nvPr>
@@ -1519,7 +1583,6 @@
           <a:bodyPr/>
           <a:lstStyle/>
           <a:p>
-            <a:pPr/>
             <a:r>
               <a:t>Body Level One</a:t>
             </a:r>
@@ -1553,7 +1616,9 @@
       <p:sp>
         <p:nvSpPr>
           <p:cNvPr id="58" name="Shape 58"/>
-          <p:cNvSpPr/>
+          <p:cNvSpPr>
+            <a:spLocks noGrp="1"/>
+          </p:cNvSpPr>
           <p:nvPr>
             <p:ph type="sldNum" sz="quarter" idx="2"/>
           </p:nvPr>
@@ -1567,8 +1632,10 @@
           <a:bodyPr/>
           <a:lstStyle/>
           <a:p>
-            <a:pPr/>
-            <a:fld id="{86CB4B4D-7CA3-9044-876B-883B54F8677D}" type="slidenum"/>
+            <a:fld id="{86CB4B4D-7CA3-9044-876B-883B54F8677D}" type="slidenum">
+              <a:t>‹#›</a:t>
+            </a:fld>
+            <a:endParaRPr/>
           </a:p>
         </p:txBody>
       </p:sp>
@@ -1577,12 +1644,12 @@
   <p:clrMapOvr>
     <a:masterClrMapping/>
   </p:clrMapOvr>
-  <p:transition xmlns:p14="http://schemas.microsoft.com/office/powerpoint/2010/main" spd="med" advClick="1"/>
+  <p:transition spd="med"/>
 </p:sldLayout>
 </file>
 
 <file path=ppt/slideLayouts/slideLayout7.xml><?xml version="1.0" encoding="utf-8"?>
-<p:sldLayout xmlns:a="http://schemas.openxmlformats.org/drawingml/2006/main" xmlns:r="http://schemas.openxmlformats.org/officeDocument/2006/relationships" xmlns:p="http://schemas.openxmlformats.org/presentationml/2006/main" type="tx" showMasterSp="1" showMasterPhAnim="1">
+<p:sldLayout xmlns:a="http://schemas.openxmlformats.org/drawingml/2006/main" xmlns:r="http://schemas.openxmlformats.org/officeDocument/2006/relationships" xmlns:p="http://schemas.openxmlformats.org/presentationml/2006/main" type="tx">
   <p:cSld name="Title, Bullets &amp; Photo">
     <p:spTree>
       <p:nvGrpSpPr>
@@ -1601,7 +1668,9 @@
       <p:sp>
         <p:nvSpPr>
           <p:cNvPr id="65" name="Shape 65"/>
-          <p:cNvSpPr/>
+          <p:cNvSpPr>
+            <a:spLocks noGrp="1"/>
+          </p:cNvSpPr>
           <p:nvPr>
             <p:ph type="pic" sz="half" idx="13"/>
           </p:nvPr>
@@ -1621,14 +1690,16 @@
           </a:bodyPr>
           <a:lstStyle/>
           <a:p>
-            <a:pPr/>
+            <a:endParaRPr/>
           </a:p>
         </p:txBody>
       </p:sp>
       <p:sp>
         <p:nvSpPr>
           <p:cNvPr id="66" name="Shape 66"/>
-          <p:cNvSpPr/>
+          <p:cNvSpPr>
+            <a:spLocks noGrp="1"/>
+          </p:cNvSpPr>
           <p:nvPr>
             <p:ph type="title"/>
           </p:nvPr>
@@ -1642,7 +1713,6 @@
           <a:bodyPr/>
           <a:lstStyle/>
           <a:p>
-            <a:pPr/>
             <a:r>
               <a:t>Title Text</a:t>
             </a:r>
@@ -1652,7 +1722,9 @@
       <p:sp>
         <p:nvSpPr>
           <p:cNvPr id="67" name="Shape 67"/>
-          <p:cNvSpPr/>
+          <p:cNvSpPr>
+            <a:spLocks noGrp="1"/>
+          </p:cNvSpPr>
           <p:nvPr>
             <p:ph type="body" sz="half" idx="1"/>
           </p:nvPr>
@@ -1701,7 +1773,6 @@
             </a:lvl5pPr>
           </a:lstStyle>
           <a:p>
-            <a:pPr/>
             <a:r>
               <a:t>Body Level One</a:t>
             </a:r>
@@ -1735,7 +1806,9 @@
       <p:sp>
         <p:nvSpPr>
           <p:cNvPr id="68" name="Shape 68"/>
-          <p:cNvSpPr/>
+          <p:cNvSpPr>
+            <a:spLocks noGrp="1"/>
+          </p:cNvSpPr>
           <p:nvPr>
             <p:ph type="sldNum" sz="quarter" idx="2"/>
           </p:nvPr>
@@ -1749,8 +1822,10 @@
           <a:bodyPr/>
           <a:lstStyle/>
           <a:p>
-            <a:pPr/>
-            <a:fld id="{86CB4B4D-7CA3-9044-876B-883B54F8677D}" type="slidenum"/>
+            <a:fld id="{86CB4B4D-7CA3-9044-876B-883B54F8677D}" type="slidenum">
+              <a:t>‹#›</a:t>
+            </a:fld>
+            <a:endParaRPr/>
           </a:p>
         </p:txBody>
       </p:sp>
@@ -1759,12 +1834,12 @@
   <p:clrMapOvr>
     <a:masterClrMapping/>
   </p:clrMapOvr>
-  <p:transition xmlns:p14="http://schemas.microsoft.com/office/powerpoint/2010/main" spd="med" advClick="1"/>
+  <p:transition spd="med"/>
 </p:sldLayout>
 </file>
 
 <file path=ppt/slideLayouts/slideLayout8.xml><?xml version="1.0" encoding="utf-8"?>
-<p:sldLayout xmlns:a="http://schemas.openxmlformats.org/drawingml/2006/main" xmlns:r="http://schemas.openxmlformats.org/officeDocument/2006/relationships" xmlns:p="http://schemas.openxmlformats.org/presentationml/2006/main" type="tx" showMasterSp="1" showMasterPhAnim="1">
+<p:sldLayout xmlns:a="http://schemas.openxmlformats.org/drawingml/2006/main" xmlns:r="http://schemas.openxmlformats.org/officeDocument/2006/relationships" xmlns:p="http://schemas.openxmlformats.org/presentationml/2006/main" type="tx">
   <p:cSld name="Bullets">
     <p:spTree>
       <p:nvGrpSpPr>
@@ -1783,7 +1858,9 @@
       <p:sp>
         <p:nvSpPr>
           <p:cNvPr id="75" name="Shape 75"/>
-          <p:cNvSpPr/>
+          <p:cNvSpPr>
+            <a:spLocks noGrp="1"/>
+          </p:cNvSpPr>
           <p:nvPr>
             <p:ph type="body" idx="1"/>
           </p:nvPr>
@@ -1801,7 +1878,6 @@
           <a:bodyPr/>
           <a:lstStyle/>
           <a:p>
-            <a:pPr/>
             <a:r>
               <a:t>Body Level One</a:t>
             </a:r>
@@ -1835,7 +1911,9 @@
       <p:sp>
         <p:nvSpPr>
           <p:cNvPr id="76" name="Shape 76"/>
-          <p:cNvSpPr/>
+          <p:cNvSpPr>
+            <a:spLocks noGrp="1"/>
+          </p:cNvSpPr>
           <p:nvPr>
             <p:ph type="sldNum" sz="quarter" idx="2"/>
           </p:nvPr>
@@ -1849,8 +1927,10 @@
           <a:bodyPr/>
           <a:lstStyle/>
           <a:p>
-            <a:pPr/>
-            <a:fld id="{86CB4B4D-7CA3-9044-876B-883B54F8677D}" type="slidenum"/>
+            <a:fld id="{86CB4B4D-7CA3-9044-876B-883B54F8677D}" type="slidenum">
+              <a:t>‹#›</a:t>
+            </a:fld>
+            <a:endParaRPr/>
           </a:p>
         </p:txBody>
       </p:sp>
@@ -1859,12 +1939,12 @@
   <p:clrMapOvr>
     <a:masterClrMapping/>
   </p:clrMapOvr>
-  <p:transition xmlns:p14="http://schemas.microsoft.com/office/powerpoint/2010/main" spd="med" advClick="1"/>
+  <p:transition spd="med"/>
 </p:sldLayout>
 </file>
 
 <file path=ppt/slideLayouts/slideLayout9.xml><?xml version="1.0" encoding="utf-8"?>
-<p:sldLayout xmlns:a="http://schemas.openxmlformats.org/drawingml/2006/main" xmlns:r="http://schemas.openxmlformats.org/officeDocument/2006/relationships" xmlns:p="http://schemas.openxmlformats.org/presentationml/2006/main" type="tx" showMasterSp="1" showMasterPhAnim="1">
+<p:sldLayout xmlns:a="http://schemas.openxmlformats.org/drawingml/2006/main" xmlns:r="http://schemas.openxmlformats.org/officeDocument/2006/relationships" xmlns:p="http://schemas.openxmlformats.org/presentationml/2006/main" type="tx">
   <p:cSld name="Photo - 3 Up">
     <p:spTree>
       <p:nvGrpSpPr>
@@ -1883,7 +1963,9 @@
       <p:sp>
         <p:nvSpPr>
           <p:cNvPr id="83" name="Shape 83"/>
-          <p:cNvSpPr/>
+          <p:cNvSpPr>
+            <a:spLocks noGrp="1"/>
+          </p:cNvSpPr>
           <p:nvPr>
             <p:ph type="pic" sz="quarter" idx="13"/>
           </p:nvPr>
@@ -1903,14 +1985,16 @@
           </a:bodyPr>
           <a:lstStyle/>
           <a:p>
-            <a:pPr/>
+            <a:endParaRPr/>
           </a:p>
         </p:txBody>
       </p:sp>
       <p:sp>
         <p:nvSpPr>
           <p:cNvPr id="84" name="Shape 84"/>
-          <p:cNvSpPr/>
+          <p:cNvSpPr>
+            <a:spLocks noGrp="1"/>
+          </p:cNvSpPr>
           <p:nvPr>
             <p:ph type="pic" sz="quarter" idx="14"/>
           </p:nvPr>
@@ -1930,14 +2014,16 @@
           </a:bodyPr>
           <a:lstStyle/>
           <a:p>
-            <a:pPr/>
+            <a:endParaRPr/>
           </a:p>
         </p:txBody>
       </p:sp>
       <p:sp>
         <p:nvSpPr>
           <p:cNvPr id="85" name="Shape 85"/>
-          <p:cNvSpPr/>
+          <p:cNvSpPr>
+            <a:spLocks noGrp="1"/>
+          </p:cNvSpPr>
           <p:nvPr>
             <p:ph type="pic" sz="half" idx="15"/>
           </p:nvPr>
@@ -1957,14 +2043,16 @@
           </a:bodyPr>
           <a:lstStyle/>
           <a:p>
-            <a:pPr/>
+            <a:endParaRPr/>
           </a:p>
         </p:txBody>
       </p:sp>
       <p:sp>
         <p:nvSpPr>
           <p:cNvPr id="86" name="Shape 86"/>
-          <p:cNvSpPr/>
+          <p:cNvSpPr>
+            <a:spLocks noGrp="1"/>
+          </p:cNvSpPr>
           <p:nvPr>
             <p:ph type="sldNum" sz="quarter" idx="2"/>
           </p:nvPr>
@@ -1978,8 +2066,10 @@
           <a:bodyPr/>
           <a:lstStyle/>
           <a:p>
-            <a:pPr/>
-            <a:fld id="{86CB4B4D-7CA3-9044-876B-883B54F8677D}" type="slidenum"/>
+            <a:fld id="{86CB4B4D-7CA3-9044-876B-883B54F8677D}" type="slidenum">
+              <a:t>‹#›</a:t>
+            </a:fld>
+            <a:endParaRPr/>
           </a:p>
         </p:txBody>
       </p:sp>
@@ -1988,7 +2078,7 @@
   <p:clrMapOvr>
     <a:masterClrMapping/>
   </p:clrMapOvr>
-  <p:transition xmlns:p14="http://schemas.microsoft.com/office/powerpoint/2010/main" spd="med" advClick="1"/>
+  <p:transition spd="med"/>
 </p:sldLayout>
 </file>
 
@@ -2000,6 +2090,7 @@
         <a:solidFill>
           <a:srgbClr val="FFFFFF"/>
         </a:solidFill>
+        <a:effectLst/>
       </p:bgPr>
     </p:bg>
     <p:spTree>
@@ -2019,7 +2110,9 @@
       <p:sp>
         <p:nvSpPr>
           <p:cNvPr id="2" name="Shape 2"/>
-          <p:cNvSpPr/>
+          <p:cNvSpPr>
+            <a:spLocks noGrp="1"/>
+          </p:cNvSpPr>
           <p:nvPr>
             <p:ph type="title"/>
           </p:nvPr>
@@ -2037,17 +2130,16 @@
           </a:ln>
           <a:extLst>
             <a:ext uri="{C572A759-6A51-4108-AA02-DFA0A04FC94B}">
-              <ma14:wrappingTextBoxFlag xmlns:ma14="http://schemas.microsoft.com/office/mac/drawingml/2011/main" val="1"/>
+              <ma14:wrappingTextBoxFlag xmlns:ma14="http://schemas.microsoft.com/office/mac/drawingml/2011/main" xmlns="" val="1"/>
             </a:ext>
           </a:extLst>
         </p:spPr>
         <p:txBody>
           <a:bodyPr lIns="50800" tIns="50800" rIns="50800" bIns="50800" anchor="ctr">
-            <a:normAutofit fontScale="100000" lnSpcReduction="0"/>
+            <a:normAutofit/>
           </a:bodyPr>
           <a:lstStyle/>
           <a:p>
-            <a:pPr/>
             <a:r>
               <a:t>Title Text</a:t>
             </a:r>
@@ -2057,7 +2149,9 @@
       <p:sp>
         <p:nvSpPr>
           <p:cNvPr id="3" name="Shape 3"/>
-          <p:cNvSpPr/>
+          <p:cNvSpPr>
+            <a:spLocks noGrp="1"/>
+          </p:cNvSpPr>
           <p:nvPr>
             <p:ph type="body" idx="1"/>
           </p:nvPr>
@@ -2075,17 +2169,16 @@
           </a:ln>
           <a:extLst>
             <a:ext uri="{C572A759-6A51-4108-AA02-DFA0A04FC94B}">
-              <ma14:wrappingTextBoxFlag xmlns:ma14="http://schemas.microsoft.com/office/mac/drawingml/2011/main" val="1"/>
+              <ma14:wrappingTextBoxFlag xmlns:ma14="http://schemas.microsoft.com/office/mac/drawingml/2011/main" xmlns="" val="1"/>
             </a:ext>
           </a:extLst>
         </p:spPr>
         <p:txBody>
           <a:bodyPr lIns="50800" tIns="50800" rIns="50800" bIns="50800" anchor="ctr">
-            <a:normAutofit fontScale="100000" lnSpcReduction="0"/>
+            <a:normAutofit/>
           </a:bodyPr>
           <a:lstStyle/>
           <a:p>
-            <a:pPr/>
             <a:r>
               <a:t>Body Level One</a:t>
             </a:r>
@@ -2119,7 +2212,9 @@
       <p:sp>
         <p:nvSpPr>
           <p:cNvPr id="4" name="Shape 4"/>
-          <p:cNvSpPr/>
+          <p:cNvSpPr>
+            <a:spLocks noGrp="1"/>
+          </p:cNvSpPr>
           <p:nvPr>
             <p:ph type="sldNum" sz="quarter" idx="2"/>
           </p:nvPr>
@@ -2146,8 +2241,10 @@
             </a:lvl1pPr>
           </a:lstStyle>
           <a:p>
-            <a:pPr/>
-            <a:fld id="{86CB4B4D-7CA3-9044-876B-883B54F8677D}" type="slidenum"/>
+            <a:fld id="{86CB4B4D-7CA3-9044-876B-883B54F8677D}" type="slidenum">
+              <a:t>‹#›</a:t>
+            </a:fld>
+            <a:endParaRPr/>
           </a:p>
         </p:txBody>
       </p:sp>
@@ -2155,20 +2252,20 @@
   </p:cSld>
   <p:clrMap bg1="lt1" tx1="dk1" bg2="lt2" tx2="dk2" accent1="accent1" accent2="accent2" accent3="accent3" accent4="accent4" accent5="accent5" accent6="accent6" hlink="hlink" folHlink="folHlink"/>
   <p:sldLayoutIdLst>
-    <p:sldLayoutId id="2147483649" r:id="rId2"/>
-    <p:sldLayoutId id="2147483650" r:id="rId3"/>
-    <p:sldLayoutId id="2147483651" r:id="rId4"/>
-    <p:sldLayoutId id="2147483652" r:id="rId5"/>
-    <p:sldLayoutId id="2147483653" r:id="rId6"/>
-    <p:sldLayoutId id="2147483654" r:id="rId7"/>
-    <p:sldLayoutId id="2147483655" r:id="rId8"/>
-    <p:sldLayoutId id="2147483656" r:id="rId9"/>
-    <p:sldLayoutId id="2147483657" r:id="rId10"/>
-    <p:sldLayoutId id="2147483658" r:id="rId11"/>
-    <p:sldLayoutId id="2147483659" r:id="rId12"/>
-    <p:sldLayoutId id="2147483660" r:id="rId13"/>
+    <p:sldLayoutId id="2147483649" r:id="rId1"/>
+    <p:sldLayoutId id="2147483650" r:id="rId2"/>
+    <p:sldLayoutId id="2147483651" r:id="rId3"/>
+    <p:sldLayoutId id="2147483652" r:id="rId4"/>
+    <p:sldLayoutId id="2147483653" r:id="rId5"/>
+    <p:sldLayoutId id="2147483654" r:id="rId6"/>
+    <p:sldLayoutId id="2147483655" r:id="rId7"/>
+    <p:sldLayoutId id="2147483656" r:id="rId8"/>
+    <p:sldLayoutId id="2147483657" r:id="rId9"/>
+    <p:sldLayoutId id="2147483658" r:id="rId10"/>
+    <p:sldLayoutId id="2147483659" r:id="rId11"/>
+    <p:sldLayoutId id="2147483660" r:id="rId12"/>
   </p:sldLayoutIdLst>
-  <p:transition xmlns:p14="http://schemas.microsoft.com/office/powerpoint/2010/main" spd="med" advClick="1"/>
+  <p:transition spd="med"/>
   <p:txStyles>
     <p:titleStyle>
       <a:lvl1pPr marL="0" marR="0" indent="0" algn="ctr" defTabSz="584200" rtl="0" latinLnBrk="0">
@@ -2186,7 +2283,7 @@
         <a:buFontTx/>
         <a:buNone/>
         <a:tabLst/>
-        <a:defRPr b="0" baseline="0" cap="none" i="0" spc="0" strike="noStrike" sz="8000" u="none">
+        <a:defRPr sz="8000" b="0" i="0" u="none" strike="noStrike" cap="none" spc="0" baseline="0">
           <a:ln>
             <a:noFill/>
           </a:ln>
@@ -2215,7 +2312,7 @@
         <a:buFontTx/>
         <a:buNone/>
         <a:tabLst/>
-        <a:defRPr b="0" baseline="0" cap="none" i="0" spc="0" strike="noStrike" sz="8000" u="none">
+        <a:defRPr sz="8000" b="0" i="0" u="none" strike="noStrike" cap="none" spc="0" baseline="0">
           <a:ln>
             <a:noFill/>
           </a:ln>
@@ -2244,7 +2341,7 @@
         <a:buFontTx/>
         <a:buNone/>
         <a:tabLst/>
-        <a:defRPr b="0" baseline="0" cap="none" i="0" spc="0" strike="noStrike" sz="8000" u="none">
+        <a:defRPr sz="8000" b="0" i="0" u="none" strike="noStrike" cap="none" spc="0" baseline="0">
           <a:ln>
             <a:noFill/>
           </a:ln>
@@ -2273,7 +2370,7 @@
         <a:buFontTx/>
         <a:buNone/>
         <a:tabLst/>
-        <a:defRPr b="0" baseline="0" cap="none" i="0" spc="0" strike="noStrike" sz="8000" u="none">
+        <a:defRPr sz="8000" b="0" i="0" u="none" strike="noStrike" cap="none" spc="0" baseline="0">
           <a:ln>
             <a:noFill/>
           </a:ln>
@@ -2302,7 +2399,7 @@
         <a:buFontTx/>
         <a:buNone/>
         <a:tabLst/>
-        <a:defRPr b="0" baseline="0" cap="none" i="0" spc="0" strike="noStrike" sz="8000" u="none">
+        <a:defRPr sz="8000" b="0" i="0" u="none" strike="noStrike" cap="none" spc="0" baseline="0">
           <a:ln>
             <a:noFill/>
           </a:ln>
@@ -2331,7 +2428,7 @@
         <a:buFontTx/>
         <a:buNone/>
         <a:tabLst/>
-        <a:defRPr b="0" baseline="0" cap="none" i="0" spc="0" strike="noStrike" sz="8000" u="none">
+        <a:defRPr sz="8000" b="0" i="0" u="none" strike="noStrike" cap="none" spc="0" baseline="0">
           <a:ln>
             <a:noFill/>
           </a:ln>
@@ -2360,7 +2457,7 @@
         <a:buFontTx/>
         <a:buNone/>
         <a:tabLst/>
-        <a:defRPr b="0" baseline="0" cap="none" i="0" spc="0" strike="noStrike" sz="8000" u="none">
+        <a:defRPr sz="8000" b="0" i="0" u="none" strike="noStrike" cap="none" spc="0" baseline="0">
           <a:ln>
             <a:noFill/>
           </a:ln>
@@ -2389,7 +2486,7 @@
         <a:buFontTx/>
         <a:buNone/>
         <a:tabLst/>
-        <a:defRPr b="0" baseline="0" cap="none" i="0" spc="0" strike="noStrike" sz="8000" u="none">
+        <a:defRPr sz="8000" b="0" i="0" u="none" strike="noStrike" cap="none" spc="0" baseline="0">
           <a:ln>
             <a:noFill/>
           </a:ln>
@@ -2418,7 +2515,7 @@
         <a:buFontTx/>
         <a:buNone/>
         <a:tabLst/>
-        <a:defRPr b="0" baseline="0" cap="none" i="0" spc="0" strike="noStrike" sz="8000" u="none">
+        <a:defRPr sz="8000" b="0" i="0" u="none" strike="noStrike" cap="none" spc="0" baseline="0">
           <a:ln>
             <a:noFill/>
           </a:ln>
@@ -2449,7 +2546,7 @@
         <a:buFontTx/>
         <a:buChar char="•"/>
         <a:tabLst/>
-        <a:defRPr b="0" baseline="0" cap="none" i="0" spc="0" strike="noStrike" sz="3600" u="none">
+        <a:defRPr sz="3600" b="0" i="0" u="none" strike="noStrike" cap="none" spc="0" baseline="0">
           <a:ln>
             <a:noFill/>
           </a:ln>
@@ -2478,7 +2575,7 @@
         <a:buFontTx/>
         <a:buChar char="•"/>
         <a:tabLst/>
-        <a:defRPr b="0" baseline="0" cap="none" i="0" spc="0" strike="noStrike" sz="3600" u="none">
+        <a:defRPr sz="3600" b="0" i="0" u="none" strike="noStrike" cap="none" spc="0" baseline="0">
           <a:ln>
             <a:noFill/>
           </a:ln>
@@ -2507,7 +2604,7 @@
         <a:buFontTx/>
         <a:buChar char="•"/>
         <a:tabLst/>
-        <a:defRPr b="0" baseline="0" cap="none" i="0" spc="0" strike="noStrike" sz="3600" u="none">
+        <a:defRPr sz="3600" b="0" i="0" u="none" strike="noStrike" cap="none" spc="0" baseline="0">
           <a:ln>
             <a:noFill/>
           </a:ln>
@@ -2536,7 +2633,7 @@
         <a:buFontTx/>
         <a:buChar char="•"/>
         <a:tabLst/>
-        <a:defRPr b="0" baseline="0" cap="none" i="0" spc="0" strike="noStrike" sz="3600" u="none">
+        <a:defRPr sz="3600" b="0" i="0" u="none" strike="noStrike" cap="none" spc="0" baseline="0">
           <a:ln>
             <a:noFill/>
           </a:ln>
@@ -2565,7 +2662,7 @@
         <a:buFontTx/>
         <a:buChar char="•"/>
         <a:tabLst/>
-        <a:defRPr b="0" baseline="0" cap="none" i="0" spc="0" strike="noStrike" sz="3600" u="none">
+        <a:defRPr sz="3600" b="0" i="0" u="none" strike="noStrike" cap="none" spc="0" baseline="0">
           <a:ln>
             <a:noFill/>
           </a:ln>
@@ -2594,7 +2691,7 @@
         <a:buFontTx/>
         <a:buChar char="•"/>
         <a:tabLst/>
-        <a:defRPr b="0" baseline="0" cap="none" i="0" spc="0" strike="noStrike" sz="3600" u="none">
+        <a:defRPr sz="3600" b="0" i="0" u="none" strike="noStrike" cap="none" spc="0" baseline="0">
           <a:ln>
             <a:noFill/>
           </a:ln>
@@ -2623,7 +2720,7 @@
         <a:buFontTx/>
         <a:buChar char="•"/>
         <a:tabLst/>
-        <a:defRPr b="0" baseline="0" cap="none" i="0" spc="0" strike="noStrike" sz="3600" u="none">
+        <a:defRPr sz="3600" b="0" i="0" u="none" strike="noStrike" cap="none" spc="0" baseline="0">
           <a:ln>
             <a:noFill/>
           </a:ln>
@@ -2652,7 +2749,7 @@
         <a:buFontTx/>
         <a:buChar char="•"/>
         <a:tabLst/>
-        <a:defRPr b="0" baseline="0" cap="none" i="0" spc="0" strike="noStrike" sz="3600" u="none">
+        <a:defRPr sz="3600" b="0" i="0" u="none" strike="noStrike" cap="none" spc="0" baseline="0">
           <a:ln>
             <a:noFill/>
           </a:ln>
@@ -2681,7 +2778,7 @@
         <a:buFontTx/>
         <a:buChar char="•"/>
         <a:tabLst/>
-        <a:defRPr b="0" baseline="0" cap="none" i="0" spc="0" strike="noStrike" sz="3600" u="none">
+        <a:defRPr sz="3600" b="0" i="0" u="none" strike="noStrike" cap="none" spc="0" baseline="0">
           <a:ln>
             <a:noFill/>
           </a:ln>
@@ -2712,7 +2809,7 @@
         <a:buFontTx/>
         <a:buNone/>
         <a:tabLst/>
-        <a:defRPr b="0" baseline="0" cap="none" i="0" spc="0" strike="noStrike" sz="1800" u="none">
+        <a:defRPr sz="1800" b="0" i="0" u="none" strike="noStrike" cap="none" spc="0" baseline="0">
           <a:ln>
             <a:noFill/>
           </a:ln>
@@ -2741,7 +2838,7 @@
         <a:buFontTx/>
         <a:buNone/>
         <a:tabLst/>
-        <a:defRPr b="0" baseline="0" cap="none" i="0" spc="0" strike="noStrike" sz="1800" u="none">
+        <a:defRPr sz="1800" b="0" i="0" u="none" strike="noStrike" cap="none" spc="0" baseline="0">
           <a:ln>
             <a:noFill/>
           </a:ln>
@@ -2770,7 +2867,7 @@
         <a:buFontTx/>
         <a:buNone/>
         <a:tabLst/>
-        <a:defRPr b="0" baseline="0" cap="none" i="0" spc="0" strike="noStrike" sz="1800" u="none">
+        <a:defRPr sz="1800" b="0" i="0" u="none" strike="noStrike" cap="none" spc="0" baseline="0">
           <a:ln>
             <a:noFill/>
           </a:ln>
@@ -2799,7 +2896,7 @@
         <a:buFontTx/>
         <a:buNone/>
         <a:tabLst/>
-        <a:defRPr b="0" baseline="0" cap="none" i="0" spc="0" strike="noStrike" sz="1800" u="none">
+        <a:defRPr sz="1800" b="0" i="0" u="none" strike="noStrike" cap="none" spc="0" baseline="0">
           <a:ln>
             <a:noFill/>
           </a:ln>
@@ -2828,7 +2925,7 @@
         <a:buFontTx/>
         <a:buNone/>
         <a:tabLst/>
-        <a:defRPr b="0" baseline="0" cap="none" i="0" spc="0" strike="noStrike" sz="1800" u="none">
+        <a:defRPr sz="1800" b="0" i="0" u="none" strike="noStrike" cap="none" spc="0" baseline="0">
           <a:ln>
             <a:noFill/>
           </a:ln>
@@ -2857,7 +2954,7 @@
         <a:buFontTx/>
         <a:buNone/>
         <a:tabLst/>
-        <a:defRPr b="0" baseline="0" cap="none" i="0" spc="0" strike="noStrike" sz="1800" u="none">
+        <a:defRPr sz="1800" b="0" i="0" u="none" strike="noStrike" cap="none" spc="0" baseline="0">
           <a:ln>
             <a:noFill/>
           </a:ln>
@@ -2886,7 +2983,7 @@
         <a:buFontTx/>
         <a:buNone/>
         <a:tabLst/>
-        <a:defRPr b="0" baseline="0" cap="none" i="0" spc="0" strike="noStrike" sz="1800" u="none">
+        <a:defRPr sz="1800" b="0" i="0" u="none" strike="noStrike" cap="none" spc="0" baseline="0">
           <a:ln>
             <a:noFill/>
           </a:ln>
@@ -2915,7 +3012,7 @@
         <a:buFontTx/>
         <a:buNone/>
         <a:tabLst/>
-        <a:defRPr b="0" baseline="0" cap="none" i="0" spc="0" strike="noStrike" sz="1800" u="none">
+        <a:defRPr sz="1800" b="0" i="0" u="none" strike="noStrike" cap="none" spc="0" baseline="0">
           <a:ln>
             <a:noFill/>
           </a:ln>
@@ -2944,7 +3041,7 @@
         <a:buFontTx/>
         <a:buNone/>
         <a:tabLst/>
-        <a:defRPr b="0" baseline="0" cap="none" i="0" spc="0" strike="noStrike" sz="1800" u="none">
+        <a:defRPr sz="1800" b="0" i="0" u="none" strike="noStrike" cap="none" spc="0" baseline="0">
           <a:ln>
             <a:noFill/>
           </a:ln>
@@ -2964,7 +3061,7 @@
 </file>
 
 <file path=ppt/slides/slide1.xml><?xml version="1.0" encoding="utf-8"?>
-<p:sld xmlns:a="http://schemas.openxmlformats.org/drawingml/2006/main" xmlns:r="http://schemas.openxmlformats.org/officeDocument/2006/relationships" xmlns:p="http://schemas.openxmlformats.org/presentationml/2006/main" showMasterSp="1" showMasterPhAnim="1">
+<p:sld xmlns:a="http://schemas.openxmlformats.org/drawingml/2006/main" xmlns:r="http://schemas.openxmlformats.org/officeDocument/2006/relationships" xmlns:p="http://schemas.openxmlformats.org/presentationml/2006/main">
   <p:cSld>
     <p:spTree>
       <p:nvGrpSpPr>
@@ -2983,7 +3080,9 @@
       <p:sp>
         <p:nvSpPr>
           <p:cNvPr id="119" name="Shape 119"/>
-          <p:cNvSpPr/>
+          <p:cNvSpPr>
+            <a:spLocks noGrp="1"/>
+          </p:cNvSpPr>
           <p:nvPr>
             <p:ph type="ctrTitle"/>
           </p:nvPr>
@@ -2994,14 +3093,15 @@
           </a:prstGeom>
         </p:spPr>
         <p:txBody>
-          <a:bodyPr/>
+          <a:bodyPr>
+            <a:normAutofit fontScale="90000"/>
+          </a:bodyPr>
           <a:lstStyle>
             <a:lvl1pPr defTabSz="514095">
               <a:defRPr sz="7040"/>
             </a:lvl1pPr>
           </a:lstStyle>
           <a:p>
-            <a:pPr/>
             <a:r>
               <a:t>Challenges of Intercultural Project Management</a:t>
             </a:r>
@@ -3011,7 +3111,9 @@
       <p:sp>
         <p:nvSpPr>
           <p:cNvPr id="120" name="Shape 120"/>
-          <p:cNvSpPr/>
+          <p:cNvSpPr>
+            <a:spLocks noGrp="1"/>
+          </p:cNvSpPr>
           <p:nvPr>
             <p:ph type="subTitle" sz="quarter" idx="1"/>
           </p:nvPr>
@@ -3025,7 +3127,6 @@
           <a:bodyPr/>
           <a:lstStyle/>
           <a:p>
-            <a:pPr/>
             <a:r>
               <a:t>General, Virtual, and onsite</a:t>
             </a:r>
@@ -3051,13 +3152,13 @@
           </a:ln>
           <a:extLst>
             <a:ext uri="{C572A759-6A51-4108-AA02-DFA0A04FC94B}">
-              <ma14:wrappingTextBoxFlag xmlns:ma14="http://schemas.microsoft.com/office/mac/drawingml/2011/main" val="1"/>
+              <ma14:wrappingTextBoxFlag xmlns:ma14="http://schemas.microsoft.com/office/mac/drawingml/2011/main" xmlns="" val="1"/>
             </a:ext>
           </a:extLst>
         </p:spPr>
         <p:txBody>
           <a:bodyPr lIns="50800" tIns="50800" rIns="50800" bIns="50800">
-            <a:normAutofit fontScale="100000" lnSpcReduction="0"/>
+            <a:normAutofit/>
           </a:bodyPr>
           <a:lstStyle>
             <a:lvl1pPr>
@@ -3065,7 +3166,6 @@
             </a:lvl1pPr>
           </a:lstStyle>
           <a:p>
-            <a:pPr/>
             <a:r>
               <a:t>Samiul Jahan, Imam Bux Mullah , Farzaneh Sabzi</a:t>
             </a:r>
@@ -3077,12 +3177,12 @@
   <p:clrMapOvr>
     <a:masterClrMapping/>
   </p:clrMapOvr>
-  <p:transition xmlns:p14="http://schemas.microsoft.com/office/powerpoint/2010/main" spd="med" advClick="1"/>
+  <p:transition spd="med"/>
 </p:sld>
 </file>
 
 <file path=ppt/slides/slide2.xml><?xml version="1.0" encoding="utf-8"?>
-<p:sld xmlns:a="http://schemas.openxmlformats.org/drawingml/2006/main" xmlns:r="http://schemas.openxmlformats.org/officeDocument/2006/relationships" xmlns:p="http://schemas.openxmlformats.org/presentationml/2006/main" showMasterSp="1" showMasterPhAnim="1">
+<p:sld xmlns:a="http://schemas.openxmlformats.org/drawingml/2006/main" xmlns:r="http://schemas.openxmlformats.org/officeDocument/2006/relationships" xmlns:p="http://schemas.openxmlformats.org/presentationml/2006/main">
   <p:cSld>
     <p:spTree>
       <p:nvGrpSpPr>
@@ -3102,7 +3202,7 @@
         <p:nvPicPr>
           <p:cNvPr id="123" name="110809_familychineseoahu_en_00317_2040x1360.jpeg"/>
           <p:cNvPicPr>
-            <a:picLocks noChangeAspect="1"/>
+            <a:picLocks noGrp="1" noChangeAspect="1"/>
           </p:cNvPicPr>
           <p:nvPr>
             <p:ph type="pic" idx="13"/>
@@ -3112,7 +3212,7 @@
           <a:blip r:embed="rId2">
             <a:extLst/>
           </a:blip>
-          <a:srcRect l="32374" t="0" r="24460" b="102"/>
+          <a:srcRect l="32374" r="24460" b="102"/>
           <a:stretch>
             <a:fillRect/>
           </a:stretch>
@@ -3126,7 +3226,9 @@
       <p:sp>
         <p:nvSpPr>
           <p:cNvPr id="124" name="Shape 124"/>
-          <p:cNvSpPr/>
+          <p:cNvSpPr>
+            <a:spLocks noGrp="1"/>
+          </p:cNvSpPr>
           <p:nvPr>
             <p:ph type="title"/>
           </p:nvPr>
@@ -3140,8 +3242,8 @@
           <a:bodyPr/>
           <a:lstStyle/>
           <a:p>
-            <a:pPr/>
-            <a:r>
+            <a:r>
+              <a:rPr dirty="0"/>
               <a:t>General Challenges</a:t>
             </a:r>
           </a:p>
@@ -3150,7 +3252,9 @@
       <p:sp>
         <p:nvSpPr>
           <p:cNvPr id="125" name="Shape 125"/>
-          <p:cNvSpPr/>
+          <p:cNvSpPr>
+            <a:spLocks noGrp="1"/>
+          </p:cNvSpPr>
           <p:nvPr>
             <p:ph type="body" sz="quarter" idx="1"/>
           </p:nvPr>
@@ -3165,6 +3269,11 @@
           <a:lstStyle/>
           <a:p>
             <a:pPr algn="l"/>
+            <a:r>
+              <a:rPr lang="en-US" dirty="0"/>
+              <a:t>The PMs should be aware of the following challenges while working in a culturally diverse team -</a:t>
+            </a:r>
+            <a:endParaRPr lang="en-US" dirty="0"/>
           </a:p>
         </p:txBody>
       </p:sp>
@@ -3173,12 +3282,391 @@
   <p:clrMapOvr>
     <a:masterClrMapping/>
   </p:clrMapOvr>
-  <p:transition xmlns:p14="http://schemas.microsoft.com/office/powerpoint/2010/main" spd="med" advClick="1" p14:dur="1000"/>
+  <p:transition spd="slow"/>
 </p:sld>
 </file>
 
 <file path=ppt/slides/slide3.xml><?xml version="1.0" encoding="utf-8"?>
-<p:sld xmlns:a="http://schemas.openxmlformats.org/drawingml/2006/main" xmlns:r="http://schemas.openxmlformats.org/officeDocument/2006/relationships" xmlns:p="http://schemas.openxmlformats.org/presentationml/2006/main" showMasterSp="1" showMasterPhAnim="1">
+<p:sld xmlns:a="http://schemas.openxmlformats.org/drawingml/2006/main" xmlns:r="http://schemas.openxmlformats.org/officeDocument/2006/relationships" xmlns:p="http://schemas.openxmlformats.org/presentationml/2006/main">
+  <p:cSld>
+    <p:spTree>
+      <p:nvGrpSpPr>
+        <p:cNvPr id="1" name=""/>
+        <p:cNvGrpSpPr/>
+        <p:nvPr/>
+      </p:nvGrpSpPr>
+      <p:grpSpPr>
+        <a:xfrm>
+          <a:off x="0" y="0"/>
+          <a:ext cx="0" cy="0"/>
+          <a:chOff x="0" y="0"/>
+          <a:chExt cx="0" cy="0"/>
+        </a:xfrm>
+      </p:grpSpPr>
+      <p:pic>
+        <p:nvPicPr>
+          <p:cNvPr id="123" name="110809_familychineseoahu_en_00317_2040x1360.jpeg"/>
+          <p:cNvPicPr>
+            <a:picLocks noGrp="1" noChangeAspect="1"/>
+          </p:cNvPicPr>
+          <p:nvPr>
+            <p:ph type="pic" idx="13"/>
+          </p:nvPr>
+        </p:nvPicPr>
+        <p:blipFill>
+          <a:blip r:embed="rId2">
+            <a:extLst/>
+          </a:blip>
+          <a:srcRect l="32374" r="24460" b="102"/>
+          <a:stretch>
+            <a:fillRect/>
+          </a:stretch>
+        </p:blipFill>
+        <p:spPr>
+          <a:prstGeom prst="rect">
+            <a:avLst/>
+          </a:prstGeom>
+        </p:spPr>
+      </p:pic>
+      <p:sp>
+        <p:nvSpPr>
+          <p:cNvPr id="124" name="Shape 124"/>
+          <p:cNvSpPr>
+            <a:spLocks noGrp="1"/>
+          </p:cNvSpPr>
+          <p:nvPr>
+            <p:ph type="title"/>
+          </p:nvPr>
+        </p:nvSpPr>
+        <p:spPr>
+          <a:prstGeom prst="rect">
+            <a:avLst/>
+          </a:prstGeom>
+        </p:spPr>
+        <p:txBody>
+          <a:bodyPr/>
+          <a:lstStyle/>
+          <a:p>
+            <a:r>
+              <a:rPr dirty="0"/>
+              <a:t>General Challenges</a:t>
+            </a:r>
+          </a:p>
+        </p:txBody>
+      </p:sp>
+      <p:sp>
+        <p:nvSpPr>
+          <p:cNvPr id="125" name="Shape 125"/>
+          <p:cNvSpPr>
+            <a:spLocks noGrp="1"/>
+          </p:cNvSpPr>
+          <p:nvPr>
+            <p:ph type="body" sz="quarter" idx="1"/>
+          </p:nvPr>
+        </p:nvSpPr>
+        <p:spPr>
+          <a:prstGeom prst="rect">
+            <a:avLst/>
+          </a:prstGeom>
+        </p:spPr>
+        <p:txBody>
+          <a:bodyPr>
+            <a:normAutofit fontScale="92500" lnSpcReduction="10000"/>
+          </a:bodyPr>
+          <a:lstStyle/>
+          <a:p>
+            <a:pPr algn="just"/>
+            <a:r>
+              <a:rPr lang="en-US" dirty="0"/>
+              <a:t>Every country or even the states within the country have some different national culture and ways of business thinking. Not understanding them might create issues </a:t>
+            </a:r>
+            <a:r>
+              <a:rPr lang="en-US" dirty="0" smtClean="0"/>
+              <a:t>during the </a:t>
+            </a:r>
+            <a:r>
+              <a:rPr lang="en-US" dirty="0"/>
+              <a:t>projects. PMs should be encouraged to realize and respect these issues.</a:t>
+            </a:r>
+            <a:endParaRPr lang="en-US" dirty="0"/>
+          </a:p>
+          <a:p>
+            <a:pPr algn="l"/>
+            <a:endParaRPr dirty="0"/>
+          </a:p>
+        </p:txBody>
+      </p:sp>
+    </p:spTree>
+    <p:extLst>
+      <p:ext uri="{BB962C8B-B14F-4D97-AF65-F5344CB8AC3E}">
+        <p14:creationId xmlns:p14="http://schemas.microsoft.com/office/powerpoint/2010/main" val="1135872767"/>
+      </p:ext>
+    </p:extLst>
+  </p:cSld>
+  <p:clrMapOvr>
+    <a:masterClrMapping/>
+  </p:clrMapOvr>
+  <p:transition spd="slow"/>
+</p:sld>
+</file>
+
+<file path=ppt/slides/slide4.xml><?xml version="1.0" encoding="utf-8"?>
+<p:sld xmlns:a="http://schemas.openxmlformats.org/drawingml/2006/main" xmlns:r="http://schemas.openxmlformats.org/officeDocument/2006/relationships" xmlns:p="http://schemas.openxmlformats.org/presentationml/2006/main">
+  <p:cSld>
+    <p:spTree>
+      <p:nvGrpSpPr>
+        <p:cNvPr id="1" name=""/>
+        <p:cNvGrpSpPr/>
+        <p:nvPr/>
+      </p:nvGrpSpPr>
+      <p:grpSpPr>
+        <a:xfrm>
+          <a:off x="0" y="0"/>
+          <a:ext cx="0" cy="0"/>
+          <a:chOff x="0" y="0"/>
+          <a:chExt cx="0" cy="0"/>
+        </a:xfrm>
+      </p:grpSpPr>
+      <p:pic>
+        <p:nvPicPr>
+          <p:cNvPr id="123" name="110809_familychineseoahu_en_00317_2040x1360.jpeg"/>
+          <p:cNvPicPr>
+            <a:picLocks noGrp="1" noChangeAspect="1"/>
+          </p:cNvPicPr>
+          <p:nvPr>
+            <p:ph type="pic" idx="13"/>
+          </p:nvPr>
+        </p:nvPicPr>
+        <p:blipFill>
+          <a:blip r:embed="rId2">
+            <a:extLst/>
+          </a:blip>
+          <a:srcRect l="32374" r="24460" b="102"/>
+          <a:stretch>
+            <a:fillRect/>
+          </a:stretch>
+        </p:blipFill>
+        <p:spPr>
+          <a:prstGeom prst="rect">
+            <a:avLst/>
+          </a:prstGeom>
+        </p:spPr>
+      </p:pic>
+      <p:sp>
+        <p:nvSpPr>
+          <p:cNvPr id="124" name="Shape 124"/>
+          <p:cNvSpPr>
+            <a:spLocks noGrp="1"/>
+          </p:cNvSpPr>
+          <p:nvPr>
+            <p:ph type="title"/>
+          </p:nvPr>
+        </p:nvSpPr>
+        <p:spPr>
+          <a:prstGeom prst="rect">
+            <a:avLst/>
+          </a:prstGeom>
+        </p:spPr>
+        <p:txBody>
+          <a:bodyPr/>
+          <a:lstStyle/>
+          <a:p>
+            <a:r>
+              <a:rPr dirty="0"/>
+              <a:t>General Challenges</a:t>
+            </a:r>
+          </a:p>
+        </p:txBody>
+      </p:sp>
+      <p:sp>
+        <p:nvSpPr>
+          <p:cNvPr id="125" name="Shape 125"/>
+          <p:cNvSpPr>
+            <a:spLocks noGrp="1"/>
+          </p:cNvSpPr>
+          <p:nvPr>
+            <p:ph type="body" sz="quarter" idx="1"/>
+          </p:nvPr>
+        </p:nvSpPr>
+        <p:spPr>
+          <a:prstGeom prst="rect">
+            <a:avLst/>
+          </a:prstGeom>
+        </p:spPr>
+        <p:txBody>
+          <a:bodyPr>
+            <a:normAutofit/>
+          </a:bodyPr>
+          <a:lstStyle/>
+          <a:p>
+            <a:pPr algn="just"/>
+            <a:r>
+              <a:rPr lang="en-US" dirty="0"/>
+              <a:t>Not being careful with stereotypes, and peoples perspective. Every individuals have different ideas and ways of looking at life.</a:t>
+            </a:r>
+            <a:endParaRPr lang="en-US" dirty="0"/>
+          </a:p>
+          <a:p>
+            <a:pPr algn="l"/>
+            <a:endParaRPr dirty="0"/>
+          </a:p>
+        </p:txBody>
+      </p:sp>
+    </p:spTree>
+    <p:extLst>
+      <p:ext uri="{BB962C8B-B14F-4D97-AF65-F5344CB8AC3E}">
+        <p14:creationId xmlns:p14="http://schemas.microsoft.com/office/powerpoint/2010/main" val="1518596562"/>
+      </p:ext>
+    </p:extLst>
+  </p:cSld>
+  <p:clrMapOvr>
+    <a:masterClrMapping/>
+  </p:clrMapOvr>
+  <p:transition spd="slow"/>
+</p:sld>
+</file>
+
+<file path=ppt/slides/slide5.xml><?xml version="1.0" encoding="utf-8"?>
+<p:sld xmlns:a="http://schemas.openxmlformats.org/drawingml/2006/main" xmlns:r="http://schemas.openxmlformats.org/officeDocument/2006/relationships" xmlns:p="http://schemas.openxmlformats.org/presentationml/2006/main">
+  <p:cSld>
+    <p:spTree>
+      <p:nvGrpSpPr>
+        <p:cNvPr id="1" name=""/>
+        <p:cNvGrpSpPr/>
+        <p:nvPr/>
+      </p:nvGrpSpPr>
+      <p:grpSpPr>
+        <a:xfrm>
+          <a:off x="0" y="0"/>
+          <a:ext cx="0" cy="0"/>
+          <a:chOff x="0" y="0"/>
+          <a:chExt cx="0" cy="0"/>
+        </a:xfrm>
+      </p:grpSpPr>
+      <p:pic>
+        <p:nvPicPr>
+          <p:cNvPr id="123" name="110809_familychineseoahu_en_00317_2040x1360.jpeg"/>
+          <p:cNvPicPr>
+            <a:picLocks noGrp="1" noChangeAspect="1"/>
+          </p:cNvPicPr>
+          <p:nvPr>
+            <p:ph type="pic" idx="13"/>
+          </p:nvPr>
+        </p:nvPicPr>
+        <p:blipFill>
+          <a:blip r:embed="rId2">
+            <a:extLst/>
+          </a:blip>
+          <a:srcRect l="32374" r="24460" b="102"/>
+          <a:stretch>
+            <a:fillRect/>
+          </a:stretch>
+        </p:blipFill>
+        <p:spPr>
+          <a:prstGeom prst="rect">
+            <a:avLst/>
+          </a:prstGeom>
+        </p:spPr>
+      </p:pic>
+      <p:sp>
+        <p:nvSpPr>
+          <p:cNvPr id="124" name="Shape 124"/>
+          <p:cNvSpPr>
+            <a:spLocks noGrp="1"/>
+          </p:cNvSpPr>
+          <p:nvPr>
+            <p:ph type="title"/>
+          </p:nvPr>
+        </p:nvSpPr>
+        <p:spPr>
+          <a:prstGeom prst="rect">
+            <a:avLst/>
+          </a:prstGeom>
+        </p:spPr>
+        <p:txBody>
+          <a:bodyPr/>
+          <a:lstStyle/>
+          <a:p>
+            <a:r>
+              <a:rPr dirty="0"/>
+              <a:t>General Challenges</a:t>
+            </a:r>
+          </a:p>
+        </p:txBody>
+      </p:sp>
+      <p:sp>
+        <p:nvSpPr>
+          <p:cNvPr id="125" name="Shape 125"/>
+          <p:cNvSpPr>
+            <a:spLocks noGrp="1"/>
+          </p:cNvSpPr>
+          <p:nvPr>
+            <p:ph type="body" sz="quarter" idx="1"/>
+          </p:nvPr>
+        </p:nvSpPr>
+        <p:spPr>
+          <a:prstGeom prst="rect">
+            <a:avLst/>
+          </a:prstGeom>
+        </p:spPr>
+        <p:txBody>
+          <a:bodyPr>
+            <a:normAutofit fontScale="85000" lnSpcReduction="20000"/>
+          </a:bodyPr>
+          <a:lstStyle/>
+          <a:p>
+            <a:pPr algn="just"/>
+            <a:r>
+              <a:rPr lang="en-US" dirty="0"/>
+              <a:t>Language barrier. This is one of the primary reason behind miscommunication and misunderstanding in teams</a:t>
+            </a:r>
+            <a:r>
+              <a:rPr lang="en-US" dirty="0" smtClean="0"/>
+              <a:t>.</a:t>
+            </a:r>
+          </a:p>
+          <a:p>
+            <a:pPr algn="just"/>
+            <a:endParaRPr lang="en-US" dirty="0"/>
+          </a:p>
+          <a:p>
+            <a:pPr algn="just"/>
+            <a:r>
+              <a:rPr lang="en-US" dirty="0"/>
+              <a:t>Some languages might sound rude, some might sound polite while speaking. By looking at others' voice and tone people might get offended while the person speaking is not </a:t>
+            </a:r>
+            <a:r>
+              <a:rPr lang="en-US" dirty="0" smtClean="0"/>
+              <a:t>actually meaning </a:t>
+            </a:r>
+            <a:r>
+              <a:rPr lang="en-US" dirty="0"/>
+              <a:t>any offense.</a:t>
+            </a:r>
+            <a:endParaRPr lang="en-US" dirty="0"/>
+          </a:p>
+          <a:p>
+            <a:pPr algn="l"/>
+            <a:endParaRPr dirty="0"/>
+          </a:p>
+        </p:txBody>
+      </p:sp>
+    </p:spTree>
+    <p:extLst>
+      <p:ext uri="{BB962C8B-B14F-4D97-AF65-F5344CB8AC3E}">
+        <p14:creationId xmlns:p14="http://schemas.microsoft.com/office/powerpoint/2010/main" val="1119995063"/>
+      </p:ext>
+    </p:extLst>
+  </p:cSld>
+  <p:clrMapOvr>
+    <a:masterClrMapping/>
+  </p:clrMapOvr>
+  <p:transition spd="slow"/>
+</p:sld>
+</file>
+
+<file path=ppt/slides/slide6.xml><?xml version="1.0" encoding="utf-8"?>
+<p:sld xmlns:a="http://schemas.openxmlformats.org/drawingml/2006/main" xmlns:r="http://schemas.openxmlformats.org/officeDocument/2006/relationships" xmlns:p="http://schemas.openxmlformats.org/presentationml/2006/main">
   <p:cSld>
     <p:spTree>
       <p:nvGrpSpPr>
@@ -3198,7 +3686,7 @@
         <p:nvPicPr>
           <p:cNvPr id="127" name="110809_familychineseoahu_en_00317_2040x1360.jpeg"/>
           <p:cNvPicPr>
-            <a:picLocks noChangeAspect="1"/>
+            <a:picLocks noGrp="1" noChangeAspect="1"/>
           </p:cNvPicPr>
           <p:nvPr>
             <p:ph type="pic" idx="13"/>
@@ -3208,7 +3696,7 @@
           <a:blip r:embed="rId2">
             <a:extLst/>
           </a:blip>
-          <a:srcRect l="32374" t="0" r="24460" b="102"/>
+          <a:srcRect l="32374" r="24460" b="102"/>
           <a:stretch>
             <a:fillRect/>
           </a:stretch>
@@ -3222,7 +3710,9 @@
       <p:sp>
         <p:nvSpPr>
           <p:cNvPr id="128" name="Shape 128"/>
-          <p:cNvSpPr/>
+          <p:cNvSpPr>
+            <a:spLocks noGrp="1"/>
+          </p:cNvSpPr>
           <p:nvPr>
             <p:ph type="title"/>
           </p:nvPr>
@@ -3236,7 +3726,6 @@
           <a:bodyPr/>
           <a:lstStyle/>
           <a:p>
-            <a:pPr/>
             <a:r>
               <a:t>Virtual Challenges</a:t>
             </a:r>
@@ -3246,7 +3735,9 @@
       <p:sp>
         <p:nvSpPr>
           <p:cNvPr id="129" name="Shape 129"/>
-          <p:cNvSpPr/>
+          <p:cNvSpPr>
+            <a:spLocks noGrp="1"/>
+          </p:cNvSpPr>
           <p:nvPr>
             <p:ph type="body" sz="quarter" idx="1"/>
           </p:nvPr>
@@ -3261,6 +3752,7 @@
           <a:lstStyle/>
           <a:p>
             <a:pPr algn="l"/>
+            <a:endParaRPr/>
           </a:p>
         </p:txBody>
       </p:sp>
@@ -3269,12 +3761,12 @@
   <p:clrMapOvr>
     <a:masterClrMapping/>
   </p:clrMapOvr>
-  <p:transition xmlns:p14="http://schemas.microsoft.com/office/powerpoint/2010/main" spd="med" advClick="1" p14:dur="1000"/>
+  <p:transition spd="slow"/>
 </p:sld>
 </file>
 
-<file path=ppt/slides/slide4.xml><?xml version="1.0" encoding="utf-8"?>
-<p:sld xmlns:a="http://schemas.openxmlformats.org/drawingml/2006/main" xmlns:r="http://schemas.openxmlformats.org/officeDocument/2006/relationships" xmlns:p="http://schemas.openxmlformats.org/presentationml/2006/main" showMasterSp="1" showMasterPhAnim="1">
+<file path=ppt/slides/slide7.xml><?xml version="1.0" encoding="utf-8"?>
+<p:sld xmlns:a="http://schemas.openxmlformats.org/drawingml/2006/main" xmlns:r="http://schemas.openxmlformats.org/officeDocument/2006/relationships" xmlns:p="http://schemas.openxmlformats.org/presentationml/2006/main">
   <p:cSld>
     <p:spTree>
       <p:nvGrpSpPr>
@@ -3294,7 +3786,7 @@
         <p:nvPicPr>
           <p:cNvPr id="131" name="110809_familychineseoahu_en_00317_2040x1360.jpeg"/>
           <p:cNvPicPr>
-            <a:picLocks noChangeAspect="1"/>
+            <a:picLocks noGrp="1" noChangeAspect="1"/>
           </p:cNvPicPr>
           <p:nvPr>
             <p:ph type="pic" idx="13"/>
@@ -3304,7 +3796,7 @@
           <a:blip r:embed="rId2">
             <a:extLst/>
           </a:blip>
-          <a:srcRect l="32374" t="0" r="24460" b="102"/>
+          <a:srcRect l="32374" r="24460" b="102"/>
           <a:stretch>
             <a:fillRect/>
           </a:stretch>
@@ -3318,7 +3810,9 @@
       <p:sp>
         <p:nvSpPr>
           <p:cNvPr id="132" name="Shape 132"/>
-          <p:cNvSpPr/>
+          <p:cNvSpPr>
+            <a:spLocks noGrp="1"/>
+          </p:cNvSpPr>
           <p:nvPr>
             <p:ph type="title"/>
           </p:nvPr>
@@ -3332,7 +3826,6 @@
           <a:bodyPr/>
           <a:lstStyle/>
           <a:p>
-            <a:pPr/>
             <a:r>
               <a:t>Onsite </a:t>
             </a:r>
@@ -3342,7 +3835,9 @@
       <p:sp>
         <p:nvSpPr>
           <p:cNvPr id="133" name="Shape 133"/>
-          <p:cNvSpPr/>
+          <p:cNvSpPr>
+            <a:spLocks noGrp="1"/>
+          </p:cNvSpPr>
           <p:nvPr>
             <p:ph type="body" sz="quarter" idx="1"/>
           </p:nvPr>
@@ -3357,6 +3852,7 @@
           <a:lstStyle/>
           <a:p>
             <a:pPr algn="l"/>
+            <a:endParaRPr/>
           </a:p>
         </p:txBody>
       </p:sp>
@@ -3365,12 +3861,12 @@
   <p:clrMapOvr>
     <a:masterClrMapping/>
   </p:clrMapOvr>
-  <p:transition xmlns:p14="http://schemas.microsoft.com/office/powerpoint/2010/main" spd="med" advClick="1" p14:dur="1000"/>
+  <p:transition spd="slow"/>
 </p:sld>
 </file>
 
-<file path=ppt/slides/slide5.xml><?xml version="1.0" encoding="utf-8"?>
-<p:sld xmlns:a="http://schemas.openxmlformats.org/drawingml/2006/main" xmlns:r="http://schemas.openxmlformats.org/officeDocument/2006/relationships" xmlns:p="http://schemas.openxmlformats.org/presentationml/2006/main" showMasterSp="1" showMasterPhAnim="1">
+<file path=ppt/slides/slide8.xml><?xml version="1.0" encoding="utf-8"?>
+<p:sld xmlns:a="http://schemas.openxmlformats.org/drawingml/2006/main" xmlns:r="http://schemas.openxmlformats.org/officeDocument/2006/relationships" xmlns:p="http://schemas.openxmlformats.org/presentationml/2006/main">
   <p:cSld>
     <p:spTree>
       <p:nvGrpSpPr>
@@ -3389,7 +3885,9 @@
       <p:sp>
         <p:nvSpPr>
           <p:cNvPr id="135" name="Shape 135"/>
-          <p:cNvSpPr/>
+          <p:cNvSpPr>
+            <a:spLocks noGrp="1"/>
+          </p:cNvSpPr>
           <p:nvPr>
             <p:ph type="title"/>
           </p:nvPr>
@@ -3403,7 +3901,6 @@
           <a:bodyPr/>
           <a:lstStyle/>
           <a:p>
-            <a:pPr/>
             <a:r>
               <a:t>Drawbacks</a:t>
             </a:r>
@@ -3413,7 +3910,9 @@
       <p:sp>
         <p:nvSpPr>
           <p:cNvPr id="136" name="Shape 136"/>
-          <p:cNvSpPr/>
+          <p:cNvSpPr>
+            <a:spLocks noGrp="1"/>
+          </p:cNvSpPr>
           <p:nvPr>
             <p:ph type="body" idx="1"/>
           </p:nvPr>
@@ -3427,7 +3926,7 @@
           <a:bodyPr/>
           <a:lstStyle/>
           <a:p>
-            <a:pPr/>
+            <a:endParaRPr/>
           </a:p>
         </p:txBody>
       </p:sp>
@@ -3436,12 +3935,12 @@
   <p:clrMapOvr>
     <a:masterClrMapping/>
   </p:clrMapOvr>
-  <p:transition xmlns:p14="http://schemas.microsoft.com/office/powerpoint/2010/main" spd="med" advClick="1" p14:dur="1000"/>
+  <p:transition spd="slow"/>
 </p:sld>
 </file>
 
 <file path=ppt/theme/theme1.xml><?xml version="1.0" encoding="utf-8"?>
-<a:theme xmlns:a="http://schemas.openxmlformats.org/drawingml/2006/main" xmlns:r="http://schemas.openxmlformats.org/officeDocument/2006/relationships" name="White">
+<a:theme xmlns:a="http://schemas.openxmlformats.org/drawingml/2006/main" name="White">
   <a:themeElements>
     <a:clrScheme name="White">
       <a:dk1>
@@ -3567,7 +4066,7 @@
       <a:effectStyleLst>
         <a:effectStyle>
           <a:effectLst>
-            <a:outerShdw sx="100000" sy="100000" kx="0" ky="0" algn="b" rotWithShape="0" blurRad="38100" dist="25400" dir="5400000">
+            <a:outerShdw blurRad="38100" dist="25400" dir="5400000" rotWithShape="0">
               <a:srgbClr val="000000">
                 <a:alpha val="50000"/>
               </a:srgbClr>
@@ -3576,7 +4075,7 @@
         </a:effectStyle>
         <a:effectStyle>
           <a:effectLst>
-            <a:outerShdw sx="100000" sy="100000" kx="0" ky="0" algn="b" rotWithShape="0" blurRad="50800" dist="12700" dir="0">
+            <a:outerShdw blurRad="50800" dist="12700" rotWithShape="0">
               <a:srgbClr val="000000">
                 <a:alpha val="50000"/>
               </a:srgbClr>
@@ -3585,7 +4084,7 @@
         </a:effectStyle>
         <a:effectStyle>
           <a:effectLst>
-            <a:outerShdw sx="100000" sy="100000" kx="0" ky="0" algn="b" rotWithShape="0" blurRad="38100" dist="25400" dir="5400000">
+            <a:outerShdw blurRad="38100" dist="25400" dir="5400000" rotWithShape="0">
               <a:srgbClr val="000000">
                 <a:alpha val="50000"/>
               </a:srgbClr>
@@ -3649,8 +4148,8 @@
     <a:spDef>
       <a:spPr>
         <a:blipFill rotWithShape="1">
-          <a:blip r:embed="rId1"/>
-          <a:srcRect l="0" t="0" r="0" b="0"/>
+          <a:blip xmlns:r="http://schemas.openxmlformats.org/officeDocument/2006/relationships" r:embed="rId1"/>
+          <a:srcRect/>
           <a:tile tx="0" ty="0" sx="100000" sy="100000" flip="none" algn="tl"/>
         </a:blipFill>
         <a:ln w="12700" cap="flat">
@@ -3658,7 +4157,7 @@
           <a:miter lim="400000"/>
         </a:ln>
         <a:effectLst>
-          <a:outerShdw sx="100000" sy="100000" kx="0" ky="0" algn="b" rotWithShape="0" blurRad="38100" dist="25400" dir="5400000">
+          <a:outerShdw blurRad="38100" dist="25400" dir="5400000" rotWithShape="0">
             <a:srgbClr val="000000">
               <a:alpha val="50000"/>
             </a:srgbClr>
@@ -3666,7 +4165,7 @@
         </a:effectLst>
         <a:sp3d/>
       </a:spPr>
-      <a:bodyPr rot="0" spcFirstLastPara="1" vertOverflow="overflow" horzOverflow="overflow" vert="horz" wrap="square" lIns="50800" tIns="50800" rIns="50800" bIns="50800" numCol="1" spcCol="38100" rtlCol="0" anchor="ctr" upright="0">
+      <a:bodyPr rot="0" spcFirstLastPara="1" vertOverflow="overflow" horzOverflow="overflow" vert="horz" wrap="square" lIns="50800" tIns="50800" rIns="50800" bIns="50800" numCol="1" spcCol="38100" rtlCol="0" anchor="ctr">
         <a:spAutoFit/>
       </a:bodyPr>
       <a:lstStyle>
@@ -3685,7 +4184,7 @@
           <a:buFontTx/>
           <a:buNone/>
           <a:tabLst/>
-          <a:defRPr b="0" baseline="0" cap="none" i="0" spc="0" strike="noStrike" sz="2400" u="none" kumimoji="0" normalizeH="0">
+          <a:defRPr kumimoji="0" sz="2400" b="0" i="0" u="none" strike="noStrike" cap="none" spc="0" normalizeH="0" baseline="0">
             <a:ln>
               <a:noFill/>
             </a:ln>
@@ -3715,7 +4214,7 @@
           <a:buFontTx/>
           <a:buNone/>
           <a:tabLst/>
-          <a:defRPr b="0" baseline="0" cap="none" i="0" spc="0" strike="noStrike" sz="1800" u="none" kumimoji="0" normalizeH="0">
+          <a:defRPr kumimoji="0" sz="1800" b="0" i="0" u="none" strike="noStrike" cap="none" spc="0" normalizeH="0" baseline="0">
             <a:ln>
               <a:noFill/>
             </a:ln>
@@ -3741,7 +4240,7 @@
           <a:buFontTx/>
           <a:buNone/>
           <a:tabLst/>
-          <a:defRPr b="0" baseline="0" cap="none" i="0" spc="0" strike="noStrike" sz="1800" u="none" kumimoji="0" normalizeH="0">
+          <a:defRPr kumimoji="0" sz="1800" b="0" i="0" u="none" strike="noStrike" cap="none" spc="0" normalizeH="0" baseline="0">
             <a:ln>
               <a:noFill/>
             </a:ln>
@@ -3767,7 +4266,7 @@
           <a:buFontTx/>
           <a:buNone/>
           <a:tabLst/>
-          <a:defRPr b="0" baseline="0" cap="none" i="0" spc="0" strike="noStrike" sz="1800" u="none" kumimoji="0" normalizeH="0">
+          <a:defRPr kumimoji="0" sz="1800" b="0" i="0" u="none" strike="noStrike" cap="none" spc="0" normalizeH="0" baseline="0">
             <a:ln>
               <a:noFill/>
             </a:ln>
@@ -3793,7 +4292,7 @@
           <a:buFontTx/>
           <a:buNone/>
           <a:tabLst/>
-          <a:defRPr b="0" baseline="0" cap="none" i="0" spc="0" strike="noStrike" sz="1800" u="none" kumimoji="0" normalizeH="0">
+          <a:defRPr kumimoji="0" sz="1800" b="0" i="0" u="none" strike="noStrike" cap="none" spc="0" normalizeH="0" baseline="0">
             <a:ln>
               <a:noFill/>
             </a:ln>
@@ -3819,7 +4318,7 @@
           <a:buFontTx/>
           <a:buNone/>
           <a:tabLst/>
-          <a:defRPr b="0" baseline="0" cap="none" i="0" spc="0" strike="noStrike" sz="1800" u="none" kumimoji="0" normalizeH="0">
+          <a:defRPr kumimoji="0" sz="1800" b="0" i="0" u="none" strike="noStrike" cap="none" spc="0" normalizeH="0" baseline="0">
             <a:ln>
               <a:noFill/>
             </a:ln>
@@ -3845,7 +4344,7 @@
           <a:buFontTx/>
           <a:buNone/>
           <a:tabLst/>
-          <a:defRPr b="0" baseline="0" cap="none" i="0" spc="0" strike="noStrike" sz="1800" u="none" kumimoji="0" normalizeH="0">
+          <a:defRPr kumimoji="0" sz="1800" b="0" i="0" u="none" strike="noStrike" cap="none" spc="0" normalizeH="0" baseline="0">
             <a:ln>
               <a:noFill/>
             </a:ln>
@@ -3871,7 +4370,7 @@
           <a:buFontTx/>
           <a:buNone/>
           <a:tabLst/>
-          <a:defRPr b="0" baseline="0" cap="none" i="0" spc="0" strike="noStrike" sz="1800" u="none" kumimoji="0" normalizeH="0">
+          <a:defRPr kumimoji="0" sz="1800" b="0" i="0" u="none" strike="noStrike" cap="none" spc="0" normalizeH="0" baseline="0">
             <a:ln>
               <a:noFill/>
             </a:ln>
@@ -3897,7 +4396,7 @@
           <a:buFontTx/>
           <a:buNone/>
           <a:tabLst/>
-          <a:defRPr b="0" baseline="0" cap="none" i="0" spc="0" strike="noStrike" sz="1800" u="none" kumimoji="0" normalizeH="0">
+          <a:defRPr kumimoji="0" sz="1800" b="0" i="0" u="none" strike="noStrike" cap="none" spc="0" normalizeH="0" baseline="0">
             <a:ln>
               <a:noFill/>
             </a:ln>
@@ -3923,7 +4422,7 @@
           <a:buFontTx/>
           <a:buNone/>
           <a:tabLst/>
-          <a:defRPr b="0" baseline="0" cap="none" i="0" spc="0" strike="noStrike" sz="1800" u="none" kumimoji="0" normalizeH="0">
+          <a:defRPr kumimoji="0" sz="1800" b="0" i="0" u="none" strike="noStrike" cap="none" spc="0" normalizeH="0" baseline="0">
             <a:ln>
               <a:noFill/>
             </a:ln>
@@ -3936,9 +4435,15 @@
         </a:lvl9pPr>
       </a:lstStyle>
       <a:style>
-        <a:lnRef idx="0"/>
-        <a:fillRef idx="0"/>
-        <a:effectRef idx="0"/>
+        <a:lnRef idx="0">
+          <a:scrgbClr r="0" g="0" b="0"/>
+        </a:lnRef>
+        <a:fillRef idx="0">
+          <a:scrgbClr r="0" g="0" b="0"/>
+        </a:fillRef>
+        <a:effectRef idx="0">
+          <a:scrgbClr r="0" g="0" b="0"/>
+        </a:effectRef>
         <a:fontRef idx="none"/>
       </a:style>
     </a:spDef>
@@ -3955,7 +4460,7 @@
         <a:effectLst/>
         <a:sp3d/>
       </a:spPr>
-      <a:bodyPr rot="0" spcFirstLastPara="1" vertOverflow="overflow" horzOverflow="overflow" vert="horz" wrap="square" lIns="91439" tIns="45719" rIns="91439" bIns="45719" numCol="1" spcCol="38100" rtlCol="0" anchor="t" upright="0">
+      <a:bodyPr rot="0" spcFirstLastPara="1" vertOverflow="overflow" horzOverflow="overflow" vert="horz" wrap="square" lIns="91439" tIns="45719" rIns="91439" bIns="45719" numCol="1" spcCol="38100" rtlCol="0" anchor="t">
         <a:noAutofit/>
       </a:bodyPr>
       <a:lstStyle>
@@ -3974,7 +4479,7 @@
           <a:buFontTx/>
           <a:buNone/>
           <a:tabLst/>
-          <a:defRPr b="0" baseline="0" cap="none" i="0" spc="0" strike="noStrike" sz="1800" u="none" kumimoji="0" normalizeH="0">
+          <a:defRPr kumimoji="0" sz="1800" b="0" i="0" u="none" strike="noStrike" cap="none" spc="0" normalizeH="0" baseline="0">
             <a:ln>
               <a:noFill/>
             </a:ln>
@@ -4000,7 +4505,7 @@
           <a:buFontTx/>
           <a:buNone/>
           <a:tabLst/>
-          <a:defRPr b="0" baseline="0" cap="none" i="0" spc="0" strike="noStrike" sz="1800" u="none" kumimoji="0" normalizeH="0">
+          <a:defRPr kumimoji="0" sz="1800" b="0" i="0" u="none" strike="noStrike" cap="none" spc="0" normalizeH="0" baseline="0">
             <a:ln>
               <a:noFill/>
             </a:ln>
@@ -4026,7 +4531,7 @@
           <a:buFontTx/>
           <a:buNone/>
           <a:tabLst/>
-          <a:defRPr b="0" baseline="0" cap="none" i="0" spc="0" strike="noStrike" sz="1800" u="none" kumimoji="0" normalizeH="0">
+          <a:defRPr kumimoji="0" sz="1800" b="0" i="0" u="none" strike="noStrike" cap="none" spc="0" normalizeH="0" baseline="0">
             <a:ln>
               <a:noFill/>
             </a:ln>
@@ -4052,7 +4557,7 @@
           <a:buFontTx/>
           <a:buNone/>
           <a:tabLst/>
-          <a:defRPr b="0" baseline="0" cap="none" i="0" spc="0" strike="noStrike" sz="1800" u="none" kumimoji="0" normalizeH="0">
+          <a:defRPr kumimoji="0" sz="1800" b="0" i="0" u="none" strike="noStrike" cap="none" spc="0" normalizeH="0" baseline="0">
             <a:ln>
               <a:noFill/>
             </a:ln>
@@ -4078,7 +4583,7 @@
           <a:buFontTx/>
           <a:buNone/>
           <a:tabLst/>
-          <a:defRPr b="0" baseline="0" cap="none" i="0" spc="0" strike="noStrike" sz="1800" u="none" kumimoji="0" normalizeH="0">
+          <a:defRPr kumimoji="0" sz="1800" b="0" i="0" u="none" strike="noStrike" cap="none" spc="0" normalizeH="0" baseline="0">
             <a:ln>
               <a:noFill/>
             </a:ln>
@@ -4104,7 +4609,7 @@
           <a:buFontTx/>
           <a:buNone/>
           <a:tabLst/>
-          <a:defRPr b="0" baseline="0" cap="none" i="0" spc="0" strike="noStrike" sz="1800" u="none" kumimoji="0" normalizeH="0">
+          <a:defRPr kumimoji="0" sz="1800" b="0" i="0" u="none" strike="noStrike" cap="none" spc="0" normalizeH="0" baseline="0">
             <a:ln>
               <a:noFill/>
             </a:ln>
@@ -4130,7 +4635,7 @@
           <a:buFontTx/>
           <a:buNone/>
           <a:tabLst/>
-          <a:defRPr b="0" baseline="0" cap="none" i="0" spc="0" strike="noStrike" sz="1800" u="none" kumimoji="0" normalizeH="0">
+          <a:defRPr kumimoji="0" sz="1800" b="0" i="0" u="none" strike="noStrike" cap="none" spc="0" normalizeH="0" baseline="0">
             <a:ln>
               <a:noFill/>
             </a:ln>
@@ -4156,7 +4661,7 @@
           <a:buFontTx/>
           <a:buNone/>
           <a:tabLst/>
-          <a:defRPr b="0" baseline="0" cap="none" i="0" spc="0" strike="noStrike" sz="1800" u="none" kumimoji="0" normalizeH="0">
+          <a:defRPr kumimoji="0" sz="1800" b="0" i="0" u="none" strike="noStrike" cap="none" spc="0" normalizeH="0" baseline="0">
             <a:ln>
               <a:noFill/>
             </a:ln>
@@ -4182,7 +4687,7 @@
           <a:buFontTx/>
           <a:buNone/>
           <a:tabLst/>
-          <a:defRPr b="0" baseline="0" cap="none" i="0" spc="0" strike="noStrike" sz="1800" u="none" kumimoji="0" normalizeH="0">
+          <a:defRPr kumimoji="0" sz="1800" b="0" i="0" u="none" strike="noStrike" cap="none" spc="0" normalizeH="0" baseline="0">
             <a:ln>
               <a:noFill/>
             </a:ln>
@@ -4208,7 +4713,7 @@
           <a:buFontTx/>
           <a:buNone/>
           <a:tabLst/>
-          <a:defRPr b="0" baseline="0" cap="none" i="0" spc="0" strike="noStrike" sz="1800" u="none" kumimoji="0" normalizeH="0">
+          <a:defRPr kumimoji="0" sz="1800" b="0" i="0" u="none" strike="noStrike" cap="none" spc="0" normalizeH="0" baseline="0">
             <a:ln>
               <a:noFill/>
             </a:ln>
@@ -4221,9 +4726,15 @@
         </a:lvl9pPr>
       </a:lstStyle>
       <a:style>
-        <a:lnRef idx="0"/>
-        <a:fillRef idx="0"/>
-        <a:effectRef idx="0"/>
+        <a:lnRef idx="0">
+          <a:scrgbClr r="0" g="0" b="0"/>
+        </a:lnRef>
+        <a:fillRef idx="0">
+          <a:scrgbClr r="0" g="0" b="0"/>
+        </a:fillRef>
+        <a:effectRef idx="0">
+          <a:scrgbClr r="0" g="0" b="0"/>
+        </a:effectRef>
         <a:fontRef idx="none"/>
       </a:style>
     </a:lnDef>
@@ -4237,7 +4748,7 @@
         <a:effectLst/>
         <a:sp3d/>
       </a:spPr>
-      <a:bodyPr rot="0" spcFirstLastPara="1" vertOverflow="overflow" horzOverflow="overflow" vert="horz" wrap="square" lIns="50800" tIns="50800" rIns="50800" bIns="50800" numCol="1" spcCol="38100" rtlCol="0" anchor="ctr" upright="0">
+      <a:bodyPr rot="0" spcFirstLastPara="1" vertOverflow="overflow" horzOverflow="overflow" vert="horz" wrap="square" lIns="50800" tIns="50800" rIns="50800" bIns="50800" numCol="1" spcCol="38100" rtlCol="0" anchor="ctr">
         <a:spAutoFit/>
       </a:bodyPr>
       <a:lstStyle>
@@ -4256,7 +4767,7 @@
           <a:buFontTx/>
           <a:buNone/>
           <a:tabLst/>
-          <a:defRPr b="0" baseline="0" cap="none" i="0" spc="0" strike="noStrike" sz="3600" u="none" kumimoji="0" normalizeH="0">
+          <a:defRPr kumimoji="0" sz="3600" b="0" i="0" u="none" strike="noStrike" cap="none" spc="0" normalizeH="0" baseline="0">
             <a:ln>
               <a:noFill/>
             </a:ln>
@@ -4286,7 +4797,7 @@
           <a:buFontTx/>
           <a:buNone/>
           <a:tabLst/>
-          <a:defRPr b="0" baseline="0" cap="none" i="0" spc="0" strike="noStrike" sz="1800" u="none" kumimoji="0" normalizeH="0">
+          <a:defRPr kumimoji="0" sz="1800" b="0" i="0" u="none" strike="noStrike" cap="none" spc="0" normalizeH="0" baseline="0">
             <a:ln>
               <a:noFill/>
             </a:ln>
@@ -4312,7 +4823,7 @@
           <a:buFontTx/>
           <a:buNone/>
           <a:tabLst/>
-          <a:defRPr b="0" baseline="0" cap="none" i="0" spc="0" strike="noStrike" sz="1800" u="none" kumimoji="0" normalizeH="0">
+          <a:defRPr kumimoji="0" sz="1800" b="0" i="0" u="none" strike="noStrike" cap="none" spc="0" normalizeH="0" baseline="0">
             <a:ln>
               <a:noFill/>
             </a:ln>
@@ -4338,7 +4849,7 @@
           <a:buFontTx/>
           <a:buNone/>
           <a:tabLst/>
-          <a:defRPr b="0" baseline="0" cap="none" i="0" spc="0" strike="noStrike" sz="1800" u="none" kumimoji="0" normalizeH="0">
+          <a:defRPr kumimoji="0" sz="1800" b="0" i="0" u="none" strike="noStrike" cap="none" spc="0" normalizeH="0" baseline="0">
             <a:ln>
               <a:noFill/>
             </a:ln>
@@ -4364,7 +4875,7 @@
           <a:buFontTx/>
           <a:buNone/>
           <a:tabLst/>
-          <a:defRPr b="0" baseline="0" cap="none" i="0" spc="0" strike="noStrike" sz="1800" u="none" kumimoji="0" normalizeH="0">
+          <a:defRPr kumimoji="0" sz="1800" b="0" i="0" u="none" strike="noStrike" cap="none" spc="0" normalizeH="0" baseline="0">
             <a:ln>
               <a:noFill/>
             </a:ln>
@@ -4390,7 +4901,7 @@
           <a:buFontTx/>
           <a:buNone/>
           <a:tabLst/>
-          <a:defRPr b="0" baseline="0" cap="none" i="0" spc="0" strike="noStrike" sz="1800" u="none" kumimoji="0" normalizeH="0">
+          <a:defRPr kumimoji="0" sz="1800" b="0" i="0" u="none" strike="noStrike" cap="none" spc="0" normalizeH="0" baseline="0">
             <a:ln>
               <a:noFill/>
             </a:ln>
@@ -4416,7 +4927,7 @@
           <a:buFontTx/>
           <a:buNone/>
           <a:tabLst/>
-          <a:defRPr b="0" baseline="0" cap="none" i="0" spc="0" strike="noStrike" sz="1800" u="none" kumimoji="0" normalizeH="0">
+          <a:defRPr kumimoji="0" sz="1800" b="0" i="0" u="none" strike="noStrike" cap="none" spc="0" normalizeH="0" baseline="0">
             <a:ln>
               <a:noFill/>
             </a:ln>
@@ -4442,7 +4953,7 @@
           <a:buFontTx/>
           <a:buNone/>
           <a:tabLst/>
-          <a:defRPr b="0" baseline="0" cap="none" i="0" spc="0" strike="noStrike" sz="1800" u="none" kumimoji="0" normalizeH="0">
+          <a:defRPr kumimoji="0" sz="1800" b="0" i="0" u="none" strike="noStrike" cap="none" spc="0" normalizeH="0" baseline="0">
             <a:ln>
               <a:noFill/>
             </a:ln>
@@ -4468,7 +4979,7 @@
           <a:buFontTx/>
           <a:buNone/>
           <a:tabLst/>
-          <a:defRPr b="0" baseline="0" cap="none" i="0" spc="0" strike="noStrike" sz="1800" u="none" kumimoji="0" normalizeH="0">
+          <a:defRPr kumimoji="0" sz="1800" b="0" i="0" u="none" strike="noStrike" cap="none" spc="0" normalizeH="0" baseline="0">
             <a:ln>
               <a:noFill/>
             </a:ln>
@@ -4494,7 +5005,7 @@
           <a:buFontTx/>
           <a:buNone/>
           <a:tabLst/>
-          <a:defRPr b="0" baseline="0" cap="none" i="0" spc="0" strike="noStrike" sz="1800" u="none" kumimoji="0" normalizeH="0">
+          <a:defRPr kumimoji="0" sz="1800" b="0" i="0" u="none" strike="noStrike" cap="none" spc="0" normalizeH="0" baseline="0">
             <a:ln>
               <a:noFill/>
             </a:ln>
@@ -4507,18 +5018,25 @@
         </a:lvl9pPr>
       </a:lstStyle>
       <a:style>
-        <a:lnRef idx="0"/>
-        <a:fillRef idx="0"/>
-        <a:effectRef idx="0"/>
+        <a:lnRef idx="0">
+          <a:scrgbClr r="0" g="0" b="0"/>
+        </a:lnRef>
+        <a:fillRef idx="0">
+          <a:scrgbClr r="0" g="0" b="0"/>
+        </a:fillRef>
+        <a:effectRef idx="0">
+          <a:scrgbClr r="0" g="0" b="0"/>
+        </a:effectRef>
         <a:fontRef idx="none"/>
       </a:style>
     </a:txDef>
   </a:objectDefaults>
+  <a:extraClrSchemeLst/>
 </a:theme>
 </file>
 
 <file path=ppt/theme/theme2.xml><?xml version="1.0" encoding="utf-8"?>
-<a:theme xmlns:a="http://schemas.openxmlformats.org/drawingml/2006/main" xmlns:r="http://schemas.openxmlformats.org/officeDocument/2006/relationships" name="White">
+<a:theme xmlns:a="http://schemas.openxmlformats.org/drawingml/2006/main" name="White">
   <a:themeElements>
     <a:clrScheme name="White">
       <a:dk1>
@@ -4644,7 +5162,7 @@
       <a:effectStyleLst>
         <a:effectStyle>
           <a:effectLst>
-            <a:outerShdw sx="100000" sy="100000" kx="0" ky="0" algn="b" rotWithShape="0" blurRad="38100" dist="25400" dir="5400000">
+            <a:outerShdw blurRad="38100" dist="25400" dir="5400000" rotWithShape="0">
               <a:srgbClr val="000000">
                 <a:alpha val="50000"/>
               </a:srgbClr>
@@ -4653,7 +5171,7 @@
         </a:effectStyle>
         <a:effectStyle>
           <a:effectLst>
-            <a:outerShdw sx="100000" sy="100000" kx="0" ky="0" algn="b" rotWithShape="0" blurRad="50800" dist="12700" dir="0">
+            <a:outerShdw blurRad="50800" dist="12700" rotWithShape="0">
               <a:srgbClr val="000000">
                 <a:alpha val="50000"/>
               </a:srgbClr>
@@ -4662,7 +5180,7 @@
         </a:effectStyle>
         <a:effectStyle>
           <a:effectLst>
-            <a:outerShdw sx="100000" sy="100000" kx="0" ky="0" algn="b" rotWithShape="0" blurRad="38100" dist="25400" dir="5400000">
+            <a:outerShdw blurRad="38100" dist="25400" dir="5400000" rotWithShape="0">
               <a:srgbClr val="000000">
                 <a:alpha val="50000"/>
               </a:srgbClr>
@@ -4726,8 +5244,8 @@
     <a:spDef>
       <a:spPr>
         <a:blipFill rotWithShape="1">
-          <a:blip r:embed="rId1"/>
-          <a:srcRect l="0" t="0" r="0" b="0"/>
+          <a:blip xmlns:r="http://schemas.openxmlformats.org/officeDocument/2006/relationships" r:embed="rId1"/>
+          <a:srcRect/>
           <a:tile tx="0" ty="0" sx="100000" sy="100000" flip="none" algn="tl"/>
         </a:blipFill>
         <a:ln w="12700" cap="flat">
@@ -4735,7 +5253,7 @@
           <a:miter lim="400000"/>
         </a:ln>
         <a:effectLst>
-          <a:outerShdw sx="100000" sy="100000" kx="0" ky="0" algn="b" rotWithShape="0" blurRad="38100" dist="25400" dir="5400000">
+          <a:outerShdw blurRad="38100" dist="25400" dir="5400000" rotWithShape="0">
             <a:srgbClr val="000000">
               <a:alpha val="50000"/>
             </a:srgbClr>
@@ -4743,7 +5261,7 @@
         </a:effectLst>
         <a:sp3d/>
       </a:spPr>
-      <a:bodyPr rot="0" spcFirstLastPara="1" vertOverflow="overflow" horzOverflow="overflow" vert="horz" wrap="square" lIns="50800" tIns="50800" rIns="50800" bIns="50800" numCol="1" spcCol="38100" rtlCol="0" anchor="ctr" upright="0">
+      <a:bodyPr rot="0" spcFirstLastPara="1" vertOverflow="overflow" horzOverflow="overflow" vert="horz" wrap="square" lIns="50800" tIns="50800" rIns="50800" bIns="50800" numCol="1" spcCol="38100" rtlCol="0" anchor="ctr">
         <a:spAutoFit/>
       </a:bodyPr>
       <a:lstStyle>
@@ -4762,7 +5280,7 @@
           <a:buFontTx/>
           <a:buNone/>
           <a:tabLst/>
-          <a:defRPr b="0" baseline="0" cap="none" i="0" spc="0" strike="noStrike" sz="2400" u="none" kumimoji="0" normalizeH="0">
+          <a:defRPr kumimoji="0" sz="2400" b="0" i="0" u="none" strike="noStrike" cap="none" spc="0" normalizeH="0" baseline="0">
             <a:ln>
               <a:noFill/>
             </a:ln>
@@ -4792,7 +5310,7 @@
           <a:buFontTx/>
           <a:buNone/>
           <a:tabLst/>
-          <a:defRPr b="0" baseline="0" cap="none" i="0" spc="0" strike="noStrike" sz="1800" u="none" kumimoji="0" normalizeH="0">
+          <a:defRPr kumimoji="0" sz="1800" b="0" i="0" u="none" strike="noStrike" cap="none" spc="0" normalizeH="0" baseline="0">
             <a:ln>
               <a:noFill/>
             </a:ln>
@@ -4818,7 +5336,7 @@
           <a:buFontTx/>
           <a:buNone/>
           <a:tabLst/>
-          <a:defRPr b="0" baseline="0" cap="none" i="0" spc="0" strike="noStrike" sz="1800" u="none" kumimoji="0" normalizeH="0">
+          <a:defRPr kumimoji="0" sz="1800" b="0" i="0" u="none" strike="noStrike" cap="none" spc="0" normalizeH="0" baseline="0">
             <a:ln>
               <a:noFill/>
             </a:ln>
@@ -4844,7 +5362,7 @@
           <a:buFontTx/>
           <a:buNone/>
           <a:tabLst/>
-          <a:defRPr b="0" baseline="0" cap="none" i="0" spc="0" strike="noStrike" sz="1800" u="none" kumimoji="0" normalizeH="0">
+          <a:defRPr kumimoji="0" sz="1800" b="0" i="0" u="none" strike="noStrike" cap="none" spc="0" normalizeH="0" baseline="0">
             <a:ln>
               <a:noFill/>
             </a:ln>
@@ -4870,7 +5388,7 @@
           <a:buFontTx/>
           <a:buNone/>
           <a:tabLst/>
-          <a:defRPr b="0" baseline="0" cap="none" i="0" spc="0" strike="noStrike" sz="1800" u="none" kumimoji="0" normalizeH="0">
+          <a:defRPr kumimoji="0" sz="1800" b="0" i="0" u="none" strike="noStrike" cap="none" spc="0" normalizeH="0" baseline="0">
             <a:ln>
               <a:noFill/>
             </a:ln>
@@ -4896,7 +5414,7 @@
           <a:buFontTx/>
           <a:buNone/>
           <a:tabLst/>
-          <a:defRPr b="0" baseline="0" cap="none" i="0" spc="0" strike="noStrike" sz="1800" u="none" kumimoji="0" normalizeH="0">
+          <a:defRPr kumimoji="0" sz="1800" b="0" i="0" u="none" strike="noStrike" cap="none" spc="0" normalizeH="0" baseline="0">
             <a:ln>
               <a:noFill/>
             </a:ln>
@@ -4922,7 +5440,7 @@
           <a:buFontTx/>
           <a:buNone/>
           <a:tabLst/>
-          <a:defRPr b="0" baseline="0" cap="none" i="0" spc="0" strike="noStrike" sz="1800" u="none" kumimoji="0" normalizeH="0">
+          <a:defRPr kumimoji="0" sz="1800" b="0" i="0" u="none" strike="noStrike" cap="none" spc="0" normalizeH="0" baseline="0">
             <a:ln>
               <a:noFill/>
             </a:ln>
@@ -4948,7 +5466,7 @@
           <a:buFontTx/>
           <a:buNone/>
           <a:tabLst/>
-          <a:defRPr b="0" baseline="0" cap="none" i="0" spc="0" strike="noStrike" sz="1800" u="none" kumimoji="0" normalizeH="0">
+          <a:defRPr kumimoji="0" sz="1800" b="0" i="0" u="none" strike="noStrike" cap="none" spc="0" normalizeH="0" baseline="0">
             <a:ln>
               <a:noFill/>
             </a:ln>
@@ -4974,7 +5492,7 @@
           <a:buFontTx/>
           <a:buNone/>
           <a:tabLst/>
-          <a:defRPr b="0" baseline="0" cap="none" i="0" spc="0" strike="noStrike" sz="1800" u="none" kumimoji="0" normalizeH="0">
+          <a:defRPr kumimoji="0" sz="1800" b="0" i="0" u="none" strike="noStrike" cap="none" spc="0" normalizeH="0" baseline="0">
             <a:ln>
               <a:noFill/>
             </a:ln>
@@ -5000,7 +5518,7 @@
           <a:buFontTx/>
           <a:buNone/>
           <a:tabLst/>
-          <a:defRPr b="0" baseline="0" cap="none" i="0" spc="0" strike="noStrike" sz="1800" u="none" kumimoji="0" normalizeH="0">
+          <a:defRPr kumimoji="0" sz="1800" b="0" i="0" u="none" strike="noStrike" cap="none" spc="0" normalizeH="0" baseline="0">
             <a:ln>
               <a:noFill/>
             </a:ln>
@@ -5013,9 +5531,15 @@
         </a:lvl9pPr>
       </a:lstStyle>
       <a:style>
-        <a:lnRef idx="0"/>
-        <a:fillRef idx="0"/>
-        <a:effectRef idx="0"/>
+        <a:lnRef idx="0">
+          <a:scrgbClr r="0" g="0" b="0"/>
+        </a:lnRef>
+        <a:fillRef idx="0">
+          <a:scrgbClr r="0" g="0" b="0"/>
+        </a:fillRef>
+        <a:effectRef idx="0">
+          <a:scrgbClr r="0" g="0" b="0"/>
+        </a:effectRef>
         <a:fontRef idx="none"/>
       </a:style>
     </a:spDef>
@@ -5032,7 +5556,7 @@
         <a:effectLst/>
         <a:sp3d/>
       </a:spPr>
-      <a:bodyPr rot="0" spcFirstLastPara="1" vertOverflow="overflow" horzOverflow="overflow" vert="horz" wrap="square" lIns="91439" tIns="45719" rIns="91439" bIns="45719" numCol="1" spcCol="38100" rtlCol="0" anchor="t" upright="0">
+      <a:bodyPr rot="0" spcFirstLastPara="1" vertOverflow="overflow" horzOverflow="overflow" vert="horz" wrap="square" lIns="91439" tIns="45719" rIns="91439" bIns="45719" numCol="1" spcCol="38100" rtlCol="0" anchor="t">
         <a:noAutofit/>
       </a:bodyPr>
       <a:lstStyle>
@@ -5051,7 +5575,7 @@
           <a:buFontTx/>
           <a:buNone/>
           <a:tabLst/>
-          <a:defRPr b="0" baseline="0" cap="none" i="0" spc="0" strike="noStrike" sz="1800" u="none" kumimoji="0" normalizeH="0">
+          <a:defRPr kumimoji="0" sz="1800" b="0" i="0" u="none" strike="noStrike" cap="none" spc="0" normalizeH="0" baseline="0">
             <a:ln>
               <a:noFill/>
             </a:ln>
@@ -5077,7 +5601,7 @@
           <a:buFontTx/>
           <a:buNone/>
           <a:tabLst/>
-          <a:defRPr b="0" baseline="0" cap="none" i="0" spc="0" strike="noStrike" sz="1800" u="none" kumimoji="0" normalizeH="0">
+          <a:defRPr kumimoji="0" sz="1800" b="0" i="0" u="none" strike="noStrike" cap="none" spc="0" normalizeH="0" baseline="0">
             <a:ln>
               <a:noFill/>
             </a:ln>
@@ -5103,7 +5627,7 @@
           <a:buFontTx/>
           <a:buNone/>
           <a:tabLst/>
-          <a:defRPr b="0" baseline="0" cap="none" i="0" spc="0" strike="noStrike" sz="1800" u="none" kumimoji="0" normalizeH="0">
+          <a:defRPr kumimoji="0" sz="1800" b="0" i="0" u="none" strike="noStrike" cap="none" spc="0" normalizeH="0" baseline="0">
             <a:ln>
               <a:noFill/>
             </a:ln>
@@ -5129,7 +5653,7 @@
           <a:buFontTx/>
           <a:buNone/>
           <a:tabLst/>
-          <a:defRPr b="0" baseline="0" cap="none" i="0" spc="0" strike="noStrike" sz="1800" u="none" kumimoji="0" normalizeH="0">
+          <a:defRPr kumimoji="0" sz="1800" b="0" i="0" u="none" strike="noStrike" cap="none" spc="0" normalizeH="0" baseline="0">
             <a:ln>
               <a:noFill/>
             </a:ln>
@@ -5155,7 +5679,7 @@
           <a:buFontTx/>
           <a:buNone/>
           <a:tabLst/>
-          <a:defRPr b="0" baseline="0" cap="none" i="0" spc="0" strike="noStrike" sz="1800" u="none" kumimoji="0" normalizeH="0">
+          <a:defRPr kumimoji="0" sz="1800" b="0" i="0" u="none" strike="noStrike" cap="none" spc="0" normalizeH="0" baseline="0">
             <a:ln>
               <a:noFill/>
             </a:ln>
@@ -5181,7 +5705,7 @@
           <a:buFontTx/>
           <a:buNone/>
           <a:tabLst/>
-          <a:defRPr b="0" baseline="0" cap="none" i="0" spc="0" strike="noStrike" sz="1800" u="none" kumimoji="0" normalizeH="0">
+          <a:defRPr kumimoji="0" sz="1800" b="0" i="0" u="none" strike="noStrike" cap="none" spc="0" normalizeH="0" baseline="0">
             <a:ln>
               <a:noFill/>
             </a:ln>
@@ -5207,7 +5731,7 @@
           <a:buFontTx/>
           <a:buNone/>
           <a:tabLst/>
-          <a:defRPr b="0" baseline="0" cap="none" i="0" spc="0" strike="noStrike" sz="1800" u="none" kumimoji="0" normalizeH="0">
+          <a:defRPr kumimoji="0" sz="1800" b="0" i="0" u="none" strike="noStrike" cap="none" spc="0" normalizeH="0" baseline="0">
             <a:ln>
               <a:noFill/>
             </a:ln>
@@ -5233,7 +5757,7 @@
           <a:buFontTx/>
           <a:buNone/>
           <a:tabLst/>
-          <a:defRPr b="0" baseline="0" cap="none" i="0" spc="0" strike="noStrike" sz="1800" u="none" kumimoji="0" normalizeH="0">
+          <a:defRPr kumimoji="0" sz="1800" b="0" i="0" u="none" strike="noStrike" cap="none" spc="0" normalizeH="0" baseline="0">
             <a:ln>
               <a:noFill/>
             </a:ln>
@@ -5259,7 +5783,7 @@
           <a:buFontTx/>
           <a:buNone/>
           <a:tabLst/>
-          <a:defRPr b="0" baseline="0" cap="none" i="0" spc="0" strike="noStrike" sz="1800" u="none" kumimoji="0" normalizeH="0">
+          <a:defRPr kumimoji="0" sz="1800" b="0" i="0" u="none" strike="noStrike" cap="none" spc="0" normalizeH="0" baseline="0">
             <a:ln>
               <a:noFill/>
             </a:ln>
@@ -5285,7 +5809,7 @@
           <a:buFontTx/>
           <a:buNone/>
           <a:tabLst/>
-          <a:defRPr b="0" baseline="0" cap="none" i="0" spc="0" strike="noStrike" sz="1800" u="none" kumimoji="0" normalizeH="0">
+          <a:defRPr kumimoji="0" sz="1800" b="0" i="0" u="none" strike="noStrike" cap="none" spc="0" normalizeH="0" baseline="0">
             <a:ln>
               <a:noFill/>
             </a:ln>
@@ -5298,9 +5822,15 @@
         </a:lvl9pPr>
       </a:lstStyle>
       <a:style>
-        <a:lnRef idx="0"/>
-        <a:fillRef idx="0"/>
-        <a:effectRef idx="0"/>
+        <a:lnRef idx="0">
+          <a:scrgbClr r="0" g="0" b="0"/>
+        </a:lnRef>
+        <a:fillRef idx="0">
+          <a:scrgbClr r="0" g="0" b="0"/>
+        </a:fillRef>
+        <a:effectRef idx="0">
+          <a:scrgbClr r="0" g="0" b="0"/>
+        </a:effectRef>
         <a:fontRef idx="none"/>
       </a:style>
     </a:lnDef>
@@ -5314,7 +5844,7 @@
         <a:effectLst/>
         <a:sp3d/>
       </a:spPr>
-      <a:bodyPr rot="0" spcFirstLastPara="1" vertOverflow="overflow" horzOverflow="overflow" vert="horz" wrap="square" lIns="50800" tIns="50800" rIns="50800" bIns="50800" numCol="1" spcCol="38100" rtlCol="0" anchor="ctr" upright="0">
+      <a:bodyPr rot="0" spcFirstLastPara="1" vertOverflow="overflow" horzOverflow="overflow" vert="horz" wrap="square" lIns="50800" tIns="50800" rIns="50800" bIns="50800" numCol="1" spcCol="38100" rtlCol="0" anchor="ctr">
         <a:spAutoFit/>
       </a:bodyPr>
       <a:lstStyle>
@@ -5333,7 +5863,7 @@
           <a:buFontTx/>
           <a:buNone/>
           <a:tabLst/>
-          <a:defRPr b="0" baseline="0" cap="none" i="0" spc="0" strike="noStrike" sz="3600" u="none" kumimoji="0" normalizeH="0">
+          <a:defRPr kumimoji="0" sz="3600" b="0" i="0" u="none" strike="noStrike" cap="none" spc="0" normalizeH="0" baseline="0">
             <a:ln>
               <a:noFill/>
             </a:ln>
@@ -5363,7 +5893,7 @@
           <a:buFontTx/>
           <a:buNone/>
           <a:tabLst/>
-          <a:defRPr b="0" baseline="0" cap="none" i="0" spc="0" strike="noStrike" sz="1800" u="none" kumimoji="0" normalizeH="0">
+          <a:defRPr kumimoji="0" sz="1800" b="0" i="0" u="none" strike="noStrike" cap="none" spc="0" normalizeH="0" baseline="0">
             <a:ln>
               <a:noFill/>
             </a:ln>
@@ -5389,7 +5919,7 @@
           <a:buFontTx/>
           <a:buNone/>
           <a:tabLst/>
-          <a:defRPr b="0" baseline="0" cap="none" i="0" spc="0" strike="noStrike" sz="1800" u="none" kumimoji="0" normalizeH="0">
+          <a:defRPr kumimoji="0" sz="1800" b="0" i="0" u="none" strike="noStrike" cap="none" spc="0" normalizeH="0" baseline="0">
             <a:ln>
               <a:noFill/>
             </a:ln>
@@ -5415,7 +5945,7 @@
           <a:buFontTx/>
           <a:buNone/>
           <a:tabLst/>
-          <a:defRPr b="0" baseline="0" cap="none" i="0" spc="0" strike="noStrike" sz="1800" u="none" kumimoji="0" normalizeH="0">
+          <a:defRPr kumimoji="0" sz="1800" b="0" i="0" u="none" strike="noStrike" cap="none" spc="0" normalizeH="0" baseline="0">
             <a:ln>
               <a:noFill/>
             </a:ln>
@@ -5441,7 +5971,7 @@
           <a:buFontTx/>
           <a:buNone/>
           <a:tabLst/>
-          <a:defRPr b="0" baseline="0" cap="none" i="0" spc="0" strike="noStrike" sz="1800" u="none" kumimoji="0" normalizeH="0">
+          <a:defRPr kumimoji="0" sz="1800" b="0" i="0" u="none" strike="noStrike" cap="none" spc="0" normalizeH="0" baseline="0">
             <a:ln>
               <a:noFill/>
             </a:ln>
@@ -5467,7 +5997,7 @@
           <a:buFontTx/>
           <a:buNone/>
           <a:tabLst/>
-          <a:defRPr b="0" baseline="0" cap="none" i="0" spc="0" strike="noStrike" sz="1800" u="none" kumimoji="0" normalizeH="0">
+          <a:defRPr kumimoji="0" sz="1800" b="0" i="0" u="none" strike="noStrike" cap="none" spc="0" normalizeH="0" baseline="0">
             <a:ln>
               <a:noFill/>
             </a:ln>
@@ -5493,7 +6023,7 @@
           <a:buFontTx/>
           <a:buNone/>
           <a:tabLst/>
-          <a:defRPr b="0" baseline="0" cap="none" i="0" spc="0" strike="noStrike" sz="1800" u="none" kumimoji="0" normalizeH="0">
+          <a:defRPr kumimoji="0" sz="1800" b="0" i="0" u="none" strike="noStrike" cap="none" spc="0" normalizeH="0" baseline="0">
             <a:ln>
               <a:noFill/>
             </a:ln>
@@ -5519,7 +6049,7 @@
           <a:buFontTx/>
           <a:buNone/>
           <a:tabLst/>
-          <a:defRPr b="0" baseline="0" cap="none" i="0" spc="0" strike="noStrike" sz="1800" u="none" kumimoji="0" normalizeH="0">
+          <a:defRPr kumimoji="0" sz="1800" b="0" i="0" u="none" strike="noStrike" cap="none" spc="0" normalizeH="0" baseline="0">
             <a:ln>
               <a:noFill/>
             </a:ln>
@@ -5545,7 +6075,7 @@
           <a:buFontTx/>
           <a:buNone/>
           <a:tabLst/>
-          <a:defRPr b="0" baseline="0" cap="none" i="0" spc="0" strike="noStrike" sz="1800" u="none" kumimoji="0" normalizeH="0">
+          <a:defRPr kumimoji="0" sz="1800" b="0" i="0" u="none" strike="noStrike" cap="none" spc="0" normalizeH="0" baseline="0">
             <a:ln>
               <a:noFill/>
             </a:ln>
@@ -5571,7 +6101,7 @@
           <a:buFontTx/>
           <a:buNone/>
           <a:tabLst/>
-          <a:defRPr b="0" baseline="0" cap="none" i="0" spc="0" strike="noStrike" sz="1800" u="none" kumimoji="0" normalizeH="0">
+          <a:defRPr kumimoji="0" sz="1800" b="0" i="0" u="none" strike="noStrike" cap="none" spc="0" normalizeH="0" baseline="0">
             <a:ln>
               <a:noFill/>
             </a:ln>
@@ -5584,12 +6114,19 @@
         </a:lvl9pPr>
       </a:lstStyle>
       <a:style>
-        <a:lnRef idx="0"/>
-        <a:fillRef idx="0"/>
-        <a:effectRef idx="0"/>
+        <a:lnRef idx="0">
+          <a:scrgbClr r="0" g="0" b="0"/>
+        </a:lnRef>
+        <a:fillRef idx="0">
+          <a:scrgbClr r="0" g="0" b="0"/>
+        </a:fillRef>
+        <a:effectRef idx="0">
+          <a:scrgbClr r="0" g="0" b="0"/>
+        </a:effectRef>
         <a:fontRef idx="none"/>
       </a:style>
     </a:txDef>
   </a:objectDefaults>
+  <a:extraClrSchemeLst/>
 </a:theme>
 </file>
--- a/PPT.pptx
+++ b/PPT.pptx
@@ -5,7 +5,7 @@
     <p:sldMasterId id="2147483648" r:id="rId1"/>
   </p:sldMasterIdLst>
   <p:notesMasterIdLst>
-    <p:notesMasterId r:id="rId10"/>
+    <p:notesMasterId r:id="rId13"/>
   </p:notesMasterIdLst>
   <p:sldIdLst>
     <p:sldId id="256" r:id="rId2"/>
@@ -14,8 +14,11 @@
     <p:sldId id="262" r:id="rId5"/>
     <p:sldId id="263" r:id="rId6"/>
     <p:sldId id="258" r:id="rId7"/>
-    <p:sldId id="259" r:id="rId8"/>
-    <p:sldId id="260" r:id="rId9"/>
+    <p:sldId id="266" r:id="rId8"/>
+    <p:sldId id="267" r:id="rId9"/>
+    <p:sldId id="265" r:id="rId10"/>
+    <p:sldId id="259" r:id="rId11"/>
+    <p:sldId id="260" r:id="rId12"/>
   </p:sldIdLst>
   <p:sldSz cx="13004800" cy="9753600"/>
   <p:notesSz cx="6858000" cy="9144000"/>
@@ -317,6 +320,22 @@
       </a:defRPr>
     </a:lvl9pPr>
   </p:defaultTextStyle>
+  <p:extLst>
+    <p:ext uri="{EFAFB233-063F-42B5-8137-9DF3F51BA10A}">
+      <p15:sldGuideLst xmlns:p15="http://schemas.microsoft.com/office/powerpoint/2012/main">
+        <p15:guide id="1" orient="horz" pos="3072">
+          <p15:clr>
+            <a:srgbClr val="A4A3A4"/>
+          </p15:clr>
+        </p15:guide>
+        <p15:guide id="2" pos="4096">
+          <p15:clr>
+            <a:srgbClr val="A4A3A4"/>
+          </p15:clr>
+        </p15:guide>
+      </p15:sldGuideLst>
+    </p:ext>
+  </p:extLst>
 </p:presentation>
 </file>
 
@@ -2130,7 +2149,7 @@
           </a:ln>
           <a:extLst>
             <a:ext uri="{C572A759-6A51-4108-AA02-DFA0A04FC94B}">
-              <ma14:wrappingTextBoxFlag xmlns:ma14="http://schemas.microsoft.com/office/mac/drawingml/2011/main" xmlns="" val="1"/>
+              <ma14:wrappingTextBoxFlag xmlns="" xmlns:ma14="http://schemas.microsoft.com/office/mac/drawingml/2011/main" val="1"/>
             </a:ext>
           </a:extLst>
         </p:spPr>
@@ -2169,7 +2188,7 @@
           </a:ln>
           <a:extLst>
             <a:ext uri="{C572A759-6A51-4108-AA02-DFA0A04FC94B}">
-              <ma14:wrappingTextBoxFlag xmlns:ma14="http://schemas.microsoft.com/office/mac/drawingml/2011/main" xmlns="" val="1"/>
+              <ma14:wrappingTextBoxFlag xmlns="" xmlns:ma14="http://schemas.microsoft.com/office/mac/drawingml/2011/main" val="1"/>
             </a:ext>
           </a:extLst>
         </p:spPr>
@@ -3152,7 +3171,7 @@
           </a:ln>
           <a:extLst>
             <a:ext uri="{C572A759-6A51-4108-AA02-DFA0A04FC94B}">
-              <ma14:wrappingTextBoxFlag xmlns:ma14="http://schemas.microsoft.com/office/mac/drawingml/2011/main" xmlns="" val="1"/>
+              <ma14:wrappingTextBoxFlag xmlns="" xmlns:ma14="http://schemas.microsoft.com/office/mac/drawingml/2011/main" val="1"/>
             </a:ext>
           </a:extLst>
         </p:spPr>
@@ -3178,6 +3197,194 @@
     <a:masterClrMapping/>
   </p:clrMapOvr>
   <p:transition spd="med"/>
+</p:sld>
+</file>
+
+<file path=ppt/slides/slide10.xml><?xml version="1.0" encoding="utf-8"?>
+<p:sld xmlns:a="http://schemas.openxmlformats.org/drawingml/2006/main" xmlns:r="http://schemas.openxmlformats.org/officeDocument/2006/relationships" xmlns:p="http://schemas.openxmlformats.org/presentationml/2006/main">
+  <p:cSld>
+    <p:spTree>
+      <p:nvGrpSpPr>
+        <p:cNvPr id="1" name=""/>
+        <p:cNvGrpSpPr/>
+        <p:nvPr/>
+      </p:nvGrpSpPr>
+      <p:grpSpPr>
+        <a:xfrm>
+          <a:off x="0" y="0"/>
+          <a:ext cx="0" cy="0"/>
+          <a:chOff x="0" y="0"/>
+          <a:chExt cx="0" cy="0"/>
+        </a:xfrm>
+      </p:grpSpPr>
+      <p:pic>
+        <p:nvPicPr>
+          <p:cNvPr id="131" name="110809_familychineseoahu_en_00317_2040x1360.jpeg"/>
+          <p:cNvPicPr>
+            <a:picLocks noGrp="1" noChangeAspect="1"/>
+          </p:cNvPicPr>
+          <p:nvPr>
+            <p:ph type="pic" idx="13"/>
+          </p:nvPr>
+        </p:nvPicPr>
+        <p:blipFill>
+          <a:blip r:embed="rId2">
+            <a:extLst/>
+          </a:blip>
+          <a:srcRect l="32374" r="24460" b="102"/>
+          <a:stretch>
+            <a:fillRect/>
+          </a:stretch>
+        </p:blipFill>
+        <p:spPr>
+          <a:prstGeom prst="rect">
+            <a:avLst/>
+          </a:prstGeom>
+        </p:spPr>
+      </p:pic>
+      <p:sp>
+        <p:nvSpPr>
+          <p:cNvPr id="132" name="Shape 132"/>
+          <p:cNvSpPr>
+            <a:spLocks noGrp="1"/>
+          </p:cNvSpPr>
+          <p:nvPr>
+            <p:ph type="title"/>
+          </p:nvPr>
+        </p:nvSpPr>
+        <p:spPr>
+          <a:prstGeom prst="rect">
+            <a:avLst/>
+          </a:prstGeom>
+        </p:spPr>
+        <p:txBody>
+          <a:bodyPr/>
+          <a:lstStyle/>
+          <a:p>
+            <a:r>
+              <a:t>Onsite </a:t>
+            </a:r>
+          </a:p>
+        </p:txBody>
+      </p:sp>
+      <p:sp>
+        <p:nvSpPr>
+          <p:cNvPr id="133" name="Shape 133"/>
+          <p:cNvSpPr>
+            <a:spLocks noGrp="1"/>
+          </p:cNvSpPr>
+          <p:nvPr>
+            <p:ph type="body" sz="quarter" idx="1"/>
+          </p:nvPr>
+        </p:nvSpPr>
+        <p:spPr>
+          <a:prstGeom prst="rect">
+            <a:avLst/>
+          </a:prstGeom>
+        </p:spPr>
+        <p:txBody>
+          <a:bodyPr/>
+          <a:lstStyle/>
+          <a:p>
+            <a:pPr algn="l"/>
+            <a:endParaRPr/>
+          </a:p>
+        </p:txBody>
+      </p:sp>
+    </p:spTree>
+  </p:cSld>
+  <p:clrMapOvr>
+    <a:masterClrMapping/>
+  </p:clrMapOvr>
+  <p:transition spd="slow"/>
+  <p:timing>
+    <p:tnLst>
+      <p:par>
+        <p:cTn id="1" dur="indefinite" restart="never" nodeType="tmRoot"/>
+      </p:par>
+    </p:tnLst>
+  </p:timing>
+</p:sld>
+</file>
+
+<file path=ppt/slides/slide11.xml><?xml version="1.0" encoding="utf-8"?>
+<p:sld xmlns:a="http://schemas.openxmlformats.org/drawingml/2006/main" xmlns:r="http://schemas.openxmlformats.org/officeDocument/2006/relationships" xmlns:p="http://schemas.openxmlformats.org/presentationml/2006/main">
+  <p:cSld>
+    <p:spTree>
+      <p:nvGrpSpPr>
+        <p:cNvPr id="1" name=""/>
+        <p:cNvGrpSpPr/>
+        <p:nvPr/>
+      </p:nvGrpSpPr>
+      <p:grpSpPr>
+        <a:xfrm>
+          <a:off x="0" y="0"/>
+          <a:ext cx="0" cy="0"/>
+          <a:chOff x="0" y="0"/>
+          <a:chExt cx="0" cy="0"/>
+        </a:xfrm>
+      </p:grpSpPr>
+      <p:sp>
+        <p:nvSpPr>
+          <p:cNvPr id="135" name="Shape 135"/>
+          <p:cNvSpPr>
+            <a:spLocks noGrp="1"/>
+          </p:cNvSpPr>
+          <p:nvPr>
+            <p:ph type="title"/>
+          </p:nvPr>
+        </p:nvSpPr>
+        <p:spPr>
+          <a:prstGeom prst="rect">
+            <a:avLst/>
+          </a:prstGeom>
+        </p:spPr>
+        <p:txBody>
+          <a:bodyPr/>
+          <a:lstStyle/>
+          <a:p>
+            <a:r>
+              <a:t>Drawbacks</a:t>
+            </a:r>
+          </a:p>
+        </p:txBody>
+      </p:sp>
+      <p:sp>
+        <p:nvSpPr>
+          <p:cNvPr id="136" name="Shape 136"/>
+          <p:cNvSpPr>
+            <a:spLocks noGrp="1"/>
+          </p:cNvSpPr>
+          <p:nvPr>
+            <p:ph type="body" idx="1"/>
+          </p:nvPr>
+        </p:nvSpPr>
+        <p:spPr>
+          <a:prstGeom prst="rect">
+            <a:avLst/>
+          </a:prstGeom>
+        </p:spPr>
+        <p:txBody>
+          <a:bodyPr/>
+          <a:lstStyle/>
+          <a:p>
+            <a:endParaRPr/>
+          </a:p>
+        </p:txBody>
+      </p:sp>
+    </p:spTree>
+  </p:cSld>
+  <p:clrMapOvr>
+    <a:masterClrMapping/>
+  </p:clrMapOvr>
+  <p:transition spd="slow"/>
+  <p:timing>
+    <p:tnLst>
+      <p:par>
+        <p:cTn id="1" dur="indefinite" restart="never" nodeType="tmRoot"/>
+      </p:par>
+    </p:tnLst>
+  </p:timing>
 </p:sld>
 </file>
 
@@ -3273,7 +3480,6 @@
               <a:rPr lang="en-US" dirty="0"/>
               <a:t>The PMs should be aware of the following challenges while working in a culturally diverse team -</a:t>
             </a:r>
-            <a:endParaRPr lang="en-US" dirty="0"/>
           </a:p>
         </p:txBody>
       </p:sp>
@@ -3388,7 +3594,6 @@
               <a:rPr lang="en-US" dirty="0"/>
               <a:t>projects. PMs should be encouraged to realize and respect these issues.</a:t>
             </a:r>
-            <a:endParaRPr lang="en-US" dirty="0"/>
           </a:p>
           <a:p>
             <a:pPr algn="l"/>
@@ -3504,7 +3709,6 @@
               <a:rPr lang="en-US" dirty="0"/>
               <a:t>Not being careful with stereotypes, and peoples perspective. Every individuals have different ideas and ways of looking at life.</a:t>
             </a:r>
-            <a:endParaRPr lang="en-US" dirty="0"/>
           </a:p>
           <a:p>
             <a:pPr algn="l"/>
@@ -3643,7 +3847,6 @@
               <a:rPr lang="en-US" dirty="0"/>
               <a:t>any offense.</a:t>
             </a:r>
-            <a:endParaRPr lang="en-US" dirty="0"/>
           </a:p>
           <a:p>
             <a:pPr algn="l"/>
@@ -3662,6 +3865,13 @@
     <a:masterClrMapping/>
   </p:clrMapOvr>
   <p:transition spd="slow"/>
+  <p:timing>
+    <p:tnLst>
+      <p:par>
+        <p:cTn id="1" dur="indefinite" restart="never" nodeType="tmRoot"/>
+      </p:par>
+    </p:tnLst>
+  </p:timing>
 </p:sld>
 </file>
 
@@ -3682,31 +3892,6 @@
           <a:chExt cx="0" cy="0"/>
         </a:xfrm>
       </p:grpSpPr>
-      <p:pic>
-        <p:nvPicPr>
-          <p:cNvPr id="127" name="110809_familychineseoahu_en_00317_2040x1360.jpeg"/>
-          <p:cNvPicPr>
-            <a:picLocks noGrp="1" noChangeAspect="1"/>
-          </p:cNvPicPr>
-          <p:nvPr>
-            <p:ph type="pic" idx="13"/>
-          </p:nvPr>
-        </p:nvPicPr>
-        <p:blipFill>
-          <a:blip r:embed="rId2">
-            <a:extLst/>
-          </a:blip>
-          <a:srcRect l="32374" r="24460" b="102"/>
-          <a:stretch>
-            <a:fillRect/>
-          </a:stretch>
-        </p:blipFill>
-        <p:spPr>
-          <a:prstGeom prst="rect">
-            <a:avLst/>
-          </a:prstGeom>
-        </p:spPr>
-      </p:pic>
       <p:sp>
         <p:nvSpPr>
           <p:cNvPr id="128" name="Shape 128"/>
@@ -3718,15 +3903,22 @@
           </p:nvPr>
         </p:nvSpPr>
         <p:spPr>
+          <a:xfrm>
+            <a:off x="952500" y="635000"/>
+            <a:ext cx="11264900" cy="965200"/>
+          </a:xfrm>
           <a:prstGeom prst="rect">
             <a:avLst/>
           </a:prstGeom>
         </p:spPr>
         <p:txBody>
-          <a:bodyPr/>
+          <a:bodyPr>
+            <a:normAutofit fontScale="90000"/>
+          </a:bodyPr>
           <a:lstStyle/>
           <a:p>
             <a:r>
+              <a:rPr dirty="0"/>
               <a:t>Virtual Challenges</a:t>
             </a:r>
           </a:p>
@@ -3734,25 +3926,223 @@
       </p:sp>
       <p:sp>
         <p:nvSpPr>
-          <p:cNvPr id="129" name="Shape 129"/>
-          <p:cNvSpPr>
-            <a:spLocks noGrp="1"/>
-          </p:cNvSpPr>
-          <p:nvPr>
-            <p:ph type="body" sz="quarter" idx="1"/>
-          </p:nvPr>
+          <p:cNvPr id="5" name="Rectangle 4"/>
+          <p:cNvSpPr/>
+          <p:nvPr/>
         </p:nvSpPr>
         <p:spPr>
+          <a:xfrm>
+            <a:off x="558800" y="2057400"/>
+            <a:ext cx="11887200" cy="646331"/>
+          </a:xfrm>
           <a:prstGeom prst="rect">
             <a:avLst/>
           </a:prstGeom>
         </p:spPr>
         <p:txBody>
-          <a:bodyPr/>
+          <a:bodyPr wrap="square">
+            <a:spAutoFit/>
+          </a:bodyPr>
           <a:lstStyle/>
           <a:p>
             <a:pPr algn="l"/>
-            <a:endParaRPr/>
+            <a:r>
+              <a:rPr lang="en-US" dirty="0"/>
+              <a:t>What makes Team “Virtual”?</a:t>
+            </a:r>
+            <a:r>
+              <a:rPr lang="en-US" i="1" dirty="0"/>
+              <a:t> </a:t>
+            </a:r>
+          </a:p>
+        </p:txBody>
+      </p:sp>
+      <p:sp>
+        <p:nvSpPr>
+          <p:cNvPr id="6" name="Rectangle 5"/>
+          <p:cNvSpPr/>
+          <p:nvPr/>
+        </p:nvSpPr>
+        <p:spPr>
+          <a:xfrm>
+            <a:off x="711200" y="2891641"/>
+            <a:ext cx="11734800" cy="707886"/>
+          </a:xfrm>
+          <a:prstGeom prst="rect">
+            <a:avLst/>
+          </a:prstGeom>
+        </p:spPr>
+        <p:txBody>
+          <a:bodyPr wrap="square">
+            <a:spAutoFit/>
+          </a:bodyPr>
+          <a:lstStyle/>
+          <a:p>
+            <a:pPr algn="l"/>
+            <a:r>
+              <a:rPr lang="en-US" sz="2000" dirty="0"/>
+              <a:t>Group of geographically, organizationally </a:t>
+            </a:r>
+            <a:r>
+              <a:rPr lang="en-US" sz="2000" dirty="0" smtClean="0"/>
+              <a:t>dispersed </a:t>
+            </a:r>
+            <a:r>
+              <a:rPr lang="en-US" sz="2000" dirty="0"/>
+              <a:t>knowledge workers who coordinate their work </a:t>
+            </a:r>
+            <a:r>
+              <a:rPr lang="en-US" sz="2000" dirty="0" smtClean="0"/>
+              <a:t>With electronic communication.</a:t>
+            </a:r>
+            <a:endParaRPr lang="en-US" sz="2000" dirty="0"/>
+          </a:p>
+        </p:txBody>
+      </p:sp>
+      <p:sp>
+        <p:nvSpPr>
+          <p:cNvPr id="10" name="Rectangle 9"/>
+          <p:cNvSpPr/>
+          <p:nvPr/>
+        </p:nvSpPr>
+        <p:spPr>
+          <a:xfrm>
+            <a:off x="558800" y="3710314"/>
+            <a:ext cx="11887200" cy="646331"/>
+          </a:xfrm>
+          <a:prstGeom prst="rect">
+            <a:avLst/>
+          </a:prstGeom>
+        </p:spPr>
+        <p:txBody>
+          <a:bodyPr wrap="square">
+            <a:spAutoFit/>
+          </a:bodyPr>
+          <a:lstStyle/>
+          <a:p>
+            <a:pPr algn="l"/>
+            <a:r>
+              <a:rPr lang="en-US" dirty="0"/>
+              <a:t>What makes Virtual Team “Intercultural”?</a:t>
+            </a:r>
+          </a:p>
+        </p:txBody>
+      </p:sp>
+      <p:sp>
+        <p:nvSpPr>
+          <p:cNvPr id="11" name="Rectangle 10"/>
+          <p:cNvSpPr/>
+          <p:nvPr/>
+        </p:nvSpPr>
+        <p:spPr>
+          <a:xfrm>
+            <a:off x="711200" y="4544555"/>
+            <a:ext cx="11734800" cy="1631216"/>
+          </a:xfrm>
+          <a:prstGeom prst="rect">
+            <a:avLst/>
+          </a:prstGeom>
+        </p:spPr>
+        <p:txBody>
+          <a:bodyPr wrap="square">
+            <a:spAutoFit/>
+          </a:bodyPr>
+          <a:lstStyle/>
+          <a:p>
+            <a:pPr algn="l"/>
+            <a:r>
+              <a:rPr lang="en-US" sz="2000" dirty="0"/>
+              <a:t>Cultural Diversity within team members</a:t>
+            </a:r>
+            <a:r>
+              <a:rPr lang="en-US" sz="2000" dirty="0" smtClean="0"/>
+              <a:t>.</a:t>
+            </a:r>
+          </a:p>
+          <a:p>
+            <a:pPr algn="l"/>
+            <a:endParaRPr lang="en-US" sz="2000" dirty="0" smtClean="0"/>
+          </a:p>
+          <a:p>
+            <a:pPr algn="l"/>
+            <a:r>
+              <a:rPr lang="en-US" sz="2000" dirty="0" smtClean="0"/>
+              <a:t>Individuals </a:t>
+            </a:r>
+            <a:r>
+              <a:rPr lang="en-US" sz="2000" dirty="0"/>
+              <a:t>from different communities having specific beliefs, ideas, myths when form a group in geographically dispersed team</a:t>
+            </a:r>
+            <a:r>
+              <a:rPr lang="en-US" sz="2000" dirty="0" smtClean="0"/>
+              <a:t>.</a:t>
+            </a:r>
+          </a:p>
+          <a:p>
+            <a:pPr algn="l"/>
+            <a:endParaRPr lang="en-US" sz="2000" dirty="0"/>
+          </a:p>
+        </p:txBody>
+      </p:sp>
+      <p:sp>
+        <p:nvSpPr>
+          <p:cNvPr id="12" name="Rectangle 11"/>
+          <p:cNvSpPr/>
+          <p:nvPr/>
+        </p:nvSpPr>
+        <p:spPr>
+          <a:xfrm>
+            <a:off x="546100" y="6175771"/>
+            <a:ext cx="11887200" cy="646331"/>
+          </a:xfrm>
+          <a:prstGeom prst="rect">
+            <a:avLst/>
+          </a:prstGeom>
+        </p:spPr>
+        <p:txBody>
+          <a:bodyPr wrap="square">
+            <a:spAutoFit/>
+          </a:bodyPr>
+          <a:lstStyle/>
+          <a:p>
+            <a:pPr algn="l"/>
+            <a:r>
+              <a:rPr lang="en-US" dirty="0"/>
+              <a:t>What is Virtual Project Management?</a:t>
+            </a:r>
+          </a:p>
+        </p:txBody>
+      </p:sp>
+      <p:sp>
+        <p:nvSpPr>
+          <p:cNvPr id="13" name="Rectangle 12"/>
+          <p:cNvSpPr/>
+          <p:nvPr/>
+        </p:nvSpPr>
+        <p:spPr>
+          <a:xfrm>
+            <a:off x="698500" y="7010012"/>
+            <a:ext cx="11734800" cy="707886"/>
+          </a:xfrm>
+          <a:prstGeom prst="rect">
+            <a:avLst/>
+          </a:prstGeom>
+        </p:spPr>
+        <p:txBody>
+          <a:bodyPr wrap="square">
+            <a:spAutoFit/>
+          </a:bodyPr>
+          <a:lstStyle/>
+          <a:p>
+            <a:pPr lvl="0" algn="l"/>
+            <a:r>
+              <a:rPr lang="en-US" sz="2000" dirty="0"/>
+              <a:t>Virtual teams collaborate for a finite period of time toward a specific goal.</a:t>
+            </a:r>
+          </a:p>
+          <a:p>
+            <a:pPr algn="l"/>
+            <a:endParaRPr lang="en-US" sz="2000" dirty="0"/>
           </a:p>
         </p:txBody>
       </p:sp>
@@ -3762,6 +4152,308 @@
     <a:masterClrMapping/>
   </p:clrMapOvr>
   <p:transition spd="slow"/>
+  <p:timing>
+    <p:tnLst>
+      <p:par>
+        <p:cTn id="1" dur="indefinite" restart="never" nodeType="tmRoot">
+          <p:childTnLst>
+            <p:seq concurrent="1" nextAc="seek">
+              <p:cTn id="2" dur="indefinite" nodeType="mainSeq">
+                <p:childTnLst>
+                  <p:par>
+                    <p:cTn id="3" fill="hold">
+                      <p:stCondLst>
+                        <p:cond delay="indefinite"/>
+                      </p:stCondLst>
+                      <p:childTnLst>
+                        <p:par>
+                          <p:cTn id="4" fill="hold">
+                            <p:stCondLst>
+                              <p:cond delay="0"/>
+                            </p:stCondLst>
+                            <p:childTnLst>
+                              <p:par>
+                                <p:cTn id="5" presetID="10" presetClass="entr" presetSubtype="0" fill="hold" grpId="0" nodeType="clickEffect">
+                                  <p:stCondLst>
+                                    <p:cond delay="0"/>
+                                  </p:stCondLst>
+                                  <p:childTnLst>
+                                    <p:set>
+                                      <p:cBhvr>
+                                        <p:cTn id="6" dur="1" fill="hold">
+                                          <p:stCondLst>
+                                            <p:cond delay="0"/>
+                                          </p:stCondLst>
+                                        </p:cTn>
+                                        <p:tgtEl>
+                                          <p:spTgt spid="5"/>
+                                        </p:tgtEl>
+                                        <p:attrNameLst>
+                                          <p:attrName>style.visibility</p:attrName>
+                                        </p:attrNameLst>
+                                      </p:cBhvr>
+                                      <p:to>
+                                        <p:strVal val="visible"/>
+                                      </p:to>
+                                    </p:set>
+                                    <p:animEffect transition="in" filter="fade">
+                                      <p:cBhvr>
+                                        <p:cTn id="7" dur="500"/>
+                                        <p:tgtEl>
+                                          <p:spTgt spid="5"/>
+                                        </p:tgtEl>
+                                      </p:cBhvr>
+                                    </p:animEffect>
+                                  </p:childTnLst>
+                                </p:cTn>
+                              </p:par>
+                              <p:par>
+                                <p:cTn id="8" presetID="10" presetClass="entr" presetSubtype="0" fill="hold" grpId="0" nodeType="withEffect">
+                                  <p:stCondLst>
+                                    <p:cond delay="0"/>
+                                  </p:stCondLst>
+                                  <p:childTnLst>
+                                    <p:set>
+                                      <p:cBhvr>
+                                        <p:cTn id="9" dur="1" fill="hold">
+                                          <p:stCondLst>
+                                            <p:cond delay="0"/>
+                                          </p:stCondLst>
+                                        </p:cTn>
+                                        <p:tgtEl>
+                                          <p:spTgt spid="6"/>
+                                        </p:tgtEl>
+                                        <p:attrNameLst>
+                                          <p:attrName>style.visibility</p:attrName>
+                                        </p:attrNameLst>
+                                      </p:cBhvr>
+                                      <p:to>
+                                        <p:strVal val="visible"/>
+                                      </p:to>
+                                    </p:set>
+                                    <p:animEffect transition="in" filter="fade">
+                                      <p:cBhvr>
+                                        <p:cTn id="10" dur="500"/>
+                                        <p:tgtEl>
+                                          <p:spTgt spid="6"/>
+                                        </p:tgtEl>
+                                      </p:cBhvr>
+                                    </p:animEffect>
+                                  </p:childTnLst>
+                                </p:cTn>
+                              </p:par>
+                            </p:childTnLst>
+                          </p:cTn>
+                        </p:par>
+                      </p:childTnLst>
+                    </p:cTn>
+                  </p:par>
+                  <p:par>
+                    <p:cTn id="11" fill="hold">
+                      <p:stCondLst>
+                        <p:cond delay="indefinite"/>
+                      </p:stCondLst>
+                      <p:childTnLst>
+                        <p:par>
+                          <p:cTn id="12" fill="hold">
+                            <p:stCondLst>
+                              <p:cond delay="0"/>
+                            </p:stCondLst>
+                            <p:childTnLst>
+                              <p:par>
+                                <p:cTn id="13" presetID="10" presetClass="entr" presetSubtype="0" fill="hold" grpId="0" nodeType="clickEffect">
+                                  <p:stCondLst>
+                                    <p:cond delay="0"/>
+                                  </p:stCondLst>
+                                  <p:childTnLst>
+                                    <p:set>
+                                      <p:cBhvr>
+                                        <p:cTn id="14" dur="1" fill="hold">
+                                          <p:stCondLst>
+                                            <p:cond delay="0"/>
+                                          </p:stCondLst>
+                                        </p:cTn>
+                                        <p:tgtEl>
+                                          <p:spTgt spid="10"/>
+                                        </p:tgtEl>
+                                        <p:attrNameLst>
+                                          <p:attrName>style.visibility</p:attrName>
+                                        </p:attrNameLst>
+                                      </p:cBhvr>
+                                      <p:to>
+                                        <p:strVal val="visible"/>
+                                      </p:to>
+                                    </p:set>
+                                    <p:animEffect transition="in" filter="fade">
+                                      <p:cBhvr>
+                                        <p:cTn id="15" dur="500"/>
+                                        <p:tgtEl>
+                                          <p:spTgt spid="10"/>
+                                        </p:tgtEl>
+                                      </p:cBhvr>
+                                    </p:animEffect>
+                                  </p:childTnLst>
+                                </p:cTn>
+                              </p:par>
+                              <p:par>
+                                <p:cTn id="16" presetID="10" presetClass="entr" presetSubtype="0" fill="hold" grpId="0" nodeType="withEffect">
+                                  <p:stCondLst>
+                                    <p:cond delay="0"/>
+                                  </p:stCondLst>
+                                  <p:childTnLst>
+                                    <p:set>
+                                      <p:cBhvr>
+                                        <p:cTn id="17" dur="1" fill="hold">
+                                          <p:stCondLst>
+                                            <p:cond delay="0"/>
+                                          </p:stCondLst>
+                                        </p:cTn>
+                                        <p:tgtEl>
+                                          <p:spTgt spid="11"/>
+                                        </p:tgtEl>
+                                        <p:attrNameLst>
+                                          <p:attrName>style.visibility</p:attrName>
+                                        </p:attrNameLst>
+                                      </p:cBhvr>
+                                      <p:to>
+                                        <p:strVal val="visible"/>
+                                      </p:to>
+                                    </p:set>
+                                    <p:animEffect transition="in" filter="fade">
+                                      <p:cBhvr>
+                                        <p:cTn id="18" dur="500"/>
+                                        <p:tgtEl>
+                                          <p:spTgt spid="11"/>
+                                        </p:tgtEl>
+                                      </p:cBhvr>
+                                    </p:animEffect>
+                                  </p:childTnLst>
+                                </p:cTn>
+                              </p:par>
+                            </p:childTnLst>
+                          </p:cTn>
+                        </p:par>
+                      </p:childTnLst>
+                    </p:cTn>
+                  </p:par>
+                  <p:par>
+                    <p:cTn id="19" fill="hold">
+                      <p:stCondLst>
+                        <p:cond delay="indefinite"/>
+                      </p:stCondLst>
+                      <p:childTnLst>
+                        <p:par>
+                          <p:cTn id="20" fill="hold">
+                            <p:stCondLst>
+                              <p:cond delay="0"/>
+                            </p:stCondLst>
+                            <p:childTnLst>
+                              <p:par>
+                                <p:cTn id="21" presetID="10" presetClass="entr" presetSubtype="0" fill="hold" grpId="0" nodeType="clickEffect">
+                                  <p:stCondLst>
+                                    <p:cond delay="0"/>
+                                  </p:stCondLst>
+                                  <p:childTnLst>
+                                    <p:set>
+                                      <p:cBhvr>
+                                        <p:cTn id="22" dur="1" fill="hold">
+                                          <p:stCondLst>
+                                            <p:cond delay="0"/>
+                                          </p:stCondLst>
+                                        </p:cTn>
+                                        <p:tgtEl>
+                                          <p:spTgt spid="12"/>
+                                        </p:tgtEl>
+                                        <p:attrNameLst>
+                                          <p:attrName>style.visibility</p:attrName>
+                                        </p:attrNameLst>
+                                      </p:cBhvr>
+                                      <p:to>
+                                        <p:strVal val="visible"/>
+                                      </p:to>
+                                    </p:set>
+                                    <p:animEffect transition="in" filter="fade">
+                                      <p:cBhvr>
+                                        <p:cTn id="23" dur="500"/>
+                                        <p:tgtEl>
+                                          <p:spTgt spid="12"/>
+                                        </p:tgtEl>
+                                      </p:cBhvr>
+                                    </p:animEffect>
+                                  </p:childTnLst>
+                                </p:cTn>
+                              </p:par>
+                              <p:par>
+                                <p:cTn id="24" presetID="10" presetClass="entr" presetSubtype="0" fill="hold" grpId="0" nodeType="withEffect">
+                                  <p:stCondLst>
+                                    <p:cond delay="0"/>
+                                  </p:stCondLst>
+                                  <p:childTnLst>
+                                    <p:set>
+                                      <p:cBhvr>
+                                        <p:cTn id="25" dur="1" fill="hold">
+                                          <p:stCondLst>
+                                            <p:cond delay="0"/>
+                                          </p:stCondLst>
+                                        </p:cTn>
+                                        <p:tgtEl>
+                                          <p:spTgt spid="13"/>
+                                        </p:tgtEl>
+                                        <p:attrNameLst>
+                                          <p:attrName>style.visibility</p:attrName>
+                                        </p:attrNameLst>
+                                      </p:cBhvr>
+                                      <p:to>
+                                        <p:strVal val="visible"/>
+                                      </p:to>
+                                    </p:set>
+                                    <p:animEffect transition="in" filter="fade">
+                                      <p:cBhvr>
+                                        <p:cTn id="26" dur="500"/>
+                                        <p:tgtEl>
+                                          <p:spTgt spid="13"/>
+                                        </p:tgtEl>
+                                      </p:cBhvr>
+                                    </p:animEffect>
+                                  </p:childTnLst>
+                                </p:cTn>
+                              </p:par>
+                            </p:childTnLst>
+                          </p:cTn>
+                        </p:par>
+                      </p:childTnLst>
+                    </p:cTn>
+                  </p:par>
+                </p:childTnLst>
+              </p:cTn>
+              <p:prevCondLst>
+                <p:cond evt="onPrev" delay="0">
+                  <p:tgtEl>
+                    <p:sldTgt/>
+                  </p:tgtEl>
+                </p:cond>
+              </p:prevCondLst>
+              <p:nextCondLst>
+                <p:cond evt="onNext" delay="0">
+                  <p:tgtEl>
+                    <p:sldTgt/>
+                  </p:tgtEl>
+                </p:cond>
+              </p:nextCondLst>
+            </p:seq>
+          </p:childTnLst>
+        </p:cTn>
+      </p:par>
+    </p:tnLst>
+    <p:bldLst>
+      <p:bldP spid="5" grpId="0"/>
+      <p:bldP spid="6" grpId="0"/>
+      <p:bldP spid="10" grpId="0"/>
+      <p:bldP spid="11" grpId="0"/>
+      <p:bldP spid="12" grpId="0"/>
+      <p:bldP spid="13" grpId="0"/>
+    </p:bldLst>
+  </p:timing>
 </p:sld>
 </file>
 
@@ -3782,34 +4474,9 @@
           <a:chExt cx="0" cy="0"/>
         </a:xfrm>
       </p:grpSpPr>
-      <p:pic>
-        <p:nvPicPr>
-          <p:cNvPr id="131" name="110809_familychineseoahu_en_00317_2040x1360.jpeg"/>
-          <p:cNvPicPr>
-            <a:picLocks noGrp="1" noChangeAspect="1"/>
-          </p:cNvPicPr>
-          <p:nvPr>
-            <p:ph type="pic" idx="13"/>
-          </p:nvPr>
-        </p:nvPicPr>
-        <p:blipFill>
-          <a:blip r:embed="rId2">
-            <a:extLst/>
-          </a:blip>
-          <a:srcRect l="32374" r="24460" b="102"/>
-          <a:stretch>
-            <a:fillRect/>
-          </a:stretch>
-        </p:blipFill>
-        <p:spPr>
-          <a:prstGeom prst="rect">
-            <a:avLst/>
-          </a:prstGeom>
-        </p:spPr>
-      </p:pic>
       <p:sp>
         <p:nvSpPr>
-          <p:cNvPr id="132" name="Shape 132"/>
+          <p:cNvPr id="128" name="Shape 128"/>
           <p:cNvSpPr>
             <a:spLocks noGrp="1"/>
           </p:cNvSpPr>
@@ -3818,50 +4485,937 @@
           </p:nvPr>
         </p:nvSpPr>
         <p:spPr>
+          <a:xfrm>
+            <a:off x="952500" y="635000"/>
+            <a:ext cx="11264900" cy="965200"/>
+          </a:xfrm>
           <a:prstGeom prst="rect">
             <a:avLst/>
           </a:prstGeom>
         </p:spPr>
         <p:txBody>
-          <a:bodyPr/>
+          <a:bodyPr>
+            <a:normAutofit fontScale="90000"/>
+          </a:bodyPr>
           <a:lstStyle/>
           <a:p>
             <a:r>
-              <a:t>Onsite </a:t>
+              <a:rPr dirty="0"/>
+              <a:t>Virtual Challenges</a:t>
             </a:r>
           </a:p>
         </p:txBody>
       </p:sp>
       <p:sp>
         <p:nvSpPr>
-          <p:cNvPr id="133" name="Shape 133"/>
-          <p:cNvSpPr>
-            <a:spLocks noGrp="1"/>
-          </p:cNvSpPr>
-          <p:nvPr>
-            <p:ph type="body" sz="quarter" idx="1"/>
-          </p:nvPr>
+          <p:cNvPr id="5" name="Rectangle 4"/>
+          <p:cNvSpPr/>
+          <p:nvPr/>
         </p:nvSpPr>
         <p:spPr>
+          <a:xfrm>
+            <a:off x="558800" y="2057400"/>
+            <a:ext cx="11887200" cy="646331"/>
+          </a:xfrm>
           <a:prstGeom prst="rect">
             <a:avLst/>
           </a:prstGeom>
         </p:spPr>
         <p:txBody>
-          <a:bodyPr/>
+          <a:bodyPr wrap="square">
+            <a:spAutoFit/>
+          </a:bodyPr>
           <a:lstStyle/>
           <a:p>
             <a:pPr algn="l"/>
-            <a:endParaRPr/>
+            <a:r>
+              <a:rPr lang="en-US" dirty="0"/>
+              <a:t>Challenges in Virtual Project Management</a:t>
+            </a:r>
+          </a:p>
+        </p:txBody>
+      </p:sp>
+      <p:sp>
+        <p:nvSpPr>
+          <p:cNvPr id="9" name="Rectangle 8"/>
+          <p:cNvSpPr/>
+          <p:nvPr/>
+        </p:nvSpPr>
+        <p:spPr>
+          <a:xfrm>
+            <a:off x="584200" y="3439924"/>
+            <a:ext cx="11887200" cy="523220"/>
+          </a:xfrm>
+          <a:prstGeom prst="rect">
+            <a:avLst/>
+          </a:prstGeom>
+        </p:spPr>
+        <p:txBody>
+          <a:bodyPr wrap="square">
+            <a:spAutoFit/>
+          </a:bodyPr>
+          <a:lstStyle/>
+          <a:p>
+            <a:pPr algn="l"/>
+            <a:r>
+              <a:rPr lang="en-US" sz="2800" dirty="0" smtClean="0"/>
+              <a:t>1- Virtual Environments</a:t>
+            </a:r>
+            <a:endParaRPr lang="en-US" sz="2800" dirty="0"/>
+          </a:p>
+        </p:txBody>
+      </p:sp>
+      <p:sp>
+        <p:nvSpPr>
+          <p:cNvPr id="2" name="Rectangle 1"/>
+          <p:cNvSpPr/>
+          <p:nvPr/>
+        </p:nvSpPr>
+        <p:spPr>
+          <a:xfrm>
+            <a:off x="1557132" y="4031158"/>
+            <a:ext cx="2294218" cy="400110"/>
+          </a:xfrm>
+          <a:prstGeom prst="rect">
+            <a:avLst/>
+          </a:prstGeom>
+        </p:spPr>
+        <p:txBody>
+          <a:bodyPr wrap="none">
+            <a:spAutoFit/>
+          </a:bodyPr>
+          <a:lstStyle/>
+          <a:p>
+            <a:pPr lvl="4" indent="0" algn="l"/>
+            <a:r>
+              <a:rPr lang="en-US" sz="2000" dirty="0"/>
+              <a:t>Language Barriers</a:t>
+            </a:r>
+            <a:endParaRPr lang="en-US" sz="2000" dirty="0"/>
+          </a:p>
+        </p:txBody>
+      </p:sp>
+      <p:sp>
+        <p:nvSpPr>
+          <p:cNvPr id="3" name="Rectangle 2"/>
+          <p:cNvSpPr/>
+          <p:nvPr/>
+        </p:nvSpPr>
+        <p:spPr>
+          <a:xfrm>
+            <a:off x="4699000" y="4031158"/>
+            <a:ext cx="2408032" cy="400110"/>
+          </a:xfrm>
+          <a:prstGeom prst="rect">
+            <a:avLst/>
+          </a:prstGeom>
+        </p:spPr>
+        <p:txBody>
+          <a:bodyPr wrap="none">
+            <a:spAutoFit/>
+          </a:bodyPr>
+          <a:lstStyle/>
+          <a:p>
+            <a:pPr lvl="4" indent="0" algn="l"/>
+            <a:r>
+              <a:rPr lang="en-US" sz="2000" dirty="0"/>
+              <a:t>Physical Interaction</a:t>
+            </a:r>
+          </a:p>
+        </p:txBody>
+      </p:sp>
+      <p:sp>
+        <p:nvSpPr>
+          <p:cNvPr id="4" name="Rectangle 3"/>
+          <p:cNvSpPr/>
+          <p:nvPr/>
+        </p:nvSpPr>
+        <p:spPr>
+          <a:xfrm>
+            <a:off x="7954682" y="4031158"/>
+            <a:ext cx="3834704" cy="400110"/>
+          </a:xfrm>
+          <a:prstGeom prst="rect">
+            <a:avLst/>
+          </a:prstGeom>
+        </p:spPr>
+        <p:txBody>
+          <a:bodyPr wrap="none">
+            <a:spAutoFit/>
+          </a:bodyPr>
+          <a:lstStyle/>
+          <a:p>
+            <a:pPr lvl="4" indent="0" algn="l"/>
+            <a:r>
+              <a:rPr lang="en-US" sz="2000" dirty="0"/>
+              <a:t>Scheduling everybody is difficult</a:t>
+            </a:r>
+          </a:p>
+        </p:txBody>
+      </p:sp>
+      <p:sp>
+        <p:nvSpPr>
+          <p:cNvPr id="7" name="Rectangle 6"/>
+          <p:cNvSpPr/>
+          <p:nvPr/>
+        </p:nvSpPr>
+        <p:spPr>
+          <a:xfrm>
+            <a:off x="2147682" y="4499282"/>
+            <a:ext cx="4028667" cy="400110"/>
+          </a:xfrm>
+          <a:prstGeom prst="rect">
+            <a:avLst/>
+          </a:prstGeom>
+        </p:spPr>
+        <p:txBody>
+          <a:bodyPr wrap="none">
+            <a:spAutoFit/>
+          </a:bodyPr>
+          <a:lstStyle/>
+          <a:p>
+            <a:pPr lvl="4" indent="0" algn="l"/>
+            <a:r>
+              <a:rPr lang="en-US" sz="2000" dirty="0"/>
+              <a:t>Hard to keep up with the progress</a:t>
+            </a:r>
+          </a:p>
+        </p:txBody>
+      </p:sp>
+      <p:sp>
+        <p:nvSpPr>
+          <p:cNvPr id="8" name="Rectangle 7"/>
+          <p:cNvSpPr/>
+          <p:nvPr/>
+        </p:nvSpPr>
+        <p:spPr>
+          <a:xfrm>
+            <a:off x="6948282" y="4499282"/>
+            <a:ext cx="2449710" cy="400110"/>
+          </a:xfrm>
+          <a:prstGeom prst="rect">
+            <a:avLst/>
+          </a:prstGeom>
+        </p:spPr>
+        <p:txBody>
+          <a:bodyPr wrap="none">
+            <a:spAutoFit/>
+          </a:bodyPr>
+          <a:lstStyle/>
+          <a:p>
+            <a:pPr lvl="4" indent="0" algn="l"/>
+            <a:r>
+              <a:rPr lang="en-US" sz="2000" dirty="0"/>
+              <a:t>Different Time Zone</a:t>
+            </a:r>
+          </a:p>
+        </p:txBody>
+      </p:sp>
+      <p:sp>
+        <p:nvSpPr>
+          <p:cNvPr id="15" name="Rectangle 14"/>
+          <p:cNvSpPr/>
+          <p:nvPr/>
+        </p:nvSpPr>
+        <p:spPr>
+          <a:xfrm>
+            <a:off x="584200" y="6019800"/>
+            <a:ext cx="11887200" cy="954107"/>
+          </a:xfrm>
+          <a:prstGeom prst="rect">
+            <a:avLst/>
+          </a:prstGeom>
+        </p:spPr>
+        <p:txBody>
+          <a:bodyPr wrap="square">
+            <a:spAutoFit/>
+          </a:bodyPr>
+          <a:lstStyle/>
+          <a:p>
+            <a:pPr lvl="1" indent="0" algn="l" hangingPunct="1"/>
+            <a:r>
+              <a:rPr lang="en-US" sz="2800" dirty="0" smtClean="0"/>
+              <a:t>2- Virtual Teams </a:t>
+            </a:r>
+            <a:r>
+              <a:rPr lang="en-US" sz="1700" dirty="0"/>
+              <a:t>(Analysis based on Bruce Tuckman’s Model)</a:t>
+            </a:r>
+            <a:endParaRPr lang="en-US" sz="3000" dirty="0"/>
+          </a:p>
+          <a:p>
+            <a:pPr algn="l"/>
+            <a:endParaRPr lang="en-US" sz="2800" dirty="0"/>
+          </a:p>
+        </p:txBody>
+      </p:sp>
+      <p:sp>
+        <p:nvSpPr>
+          <p:cNvPr id="21" name="Rectangle 20"/>
+          <p:cNvSpPr/>
+          <p:nvPr/>
+        </p:nvSpPr>
+        <p:spPr>
+          <a:xfrm>
+            <a:off x="1557132" y="6755993"/>
+            <a:ext cx="7186583" cy="400110"/>
+          </a:xfrm>
+          <a:prstGeom prst="rect">
+            <a:avLst/>
+          </a:prstGeom>
+        </p:spPr>
+        <p:txBody>
+          <a:bodyPr wrap="none">
+            <a:spAutoFit/>
+          </a:bodyPr>
+          <a:lstStyle/>
+          <a:p>
+            <a:pPr lvl="4" indent="0" algn="l"/>
+            <a:r>
+              <a:rPr lang="en-US" sz="2000" b="1" dirty="0"/>
+              <a:t>Forming:</a:t>
+            </a:r>
+            <a:r>
+              <a:rPr lang="en-US" sz="2000" dirty="0"/>
+              <a:t> Project Team Members vary from Project to Project</a:t>
+            </a:r>
+            <a:endParaRPr lang="en-US" sz="2000" b="1" dirty="0"/>
+          </a:p>
+        </p:txBody>
+      </p:sp>
+      <p:sp>
+        <p:nvSpPr>
+          <p:cNvPr id="14" name="Rectangle 13"/>
+          <p:cNvSpPr/>
+          <p:nvPr/>
+        </p:nvSpPr>
+        <p:spPr>
+          <a:xfrm>
+            <a:off x="1270000" y="7268856"/>
+            <a:ext cx="10972800" cy="400110"/>
+          </a:xfrm>
+          <a:prstGeom prst="rect">
+            <a:avLst/>
+          </a:prstGeom>
+        </p:spPr>
+        <p:txBody>
+          <a:bodyPr wrap="square">
+            <a:spAutoFit/>
+          </a:bodyPr>
+          <a:lstStyle/>
+          <a:p>
+            <a:pPr lvl="1" algn="l"/>
+            <a:r>
+              <a:rPr lang="en-US" sz="2000" b="1" dirty="0"/>
+              <a:t>Storming</a:t>
+            </a:r>
+            <a:r>
+              <a:rPr lang="en-US" sz="2000" dirty="0"/>
+              <a:t>: Team dynamics are difficult to going, Positive Peer pressure is </a:t>
+            </a:r>
+            <a:r>
+              <a:rPr lang="en-US" sz="2000" dirty="0" smtClean="0"/>
+              <a:t>infectious</a:t>
+            </a:r>
+            <a:endParaRPr lang="en-US" sz="2000" dirty="0"/>
+          </a:p>
+        </p:txBody>
+      </p:sp>
+      <p:sp>
+        <p:nvSpPr>
+          <p:cNvPr id="22" name="Rectangle 21"/>
+          <p:cNvSpPr/>
+          <p:nvPr/>
+        </p:nvSpPr>
+        <p:spPr>
+          <a:xfrm>
+            <a:off x="1270000" y="7781719"/>
+            <a:ext cx="10134600" cy="400110"/>
+          </a:xfrm>
+          <a:prstGeom prst="rect">
+            <a:avLst/>
+          </a:prstGeom>
+        </p:spPr>
+        <p:txBody>
+          <a:bodyPr wrap="square">
+            <a:spAutoFit/>
+          </a:bodyPr>
+          <a:lstStyle/>
+          <a:p>
+            <a:pPr lvl="1" algn="l"/>
+            <a:r>
+              <a:rPr lang="en-US" sz="2000" b="1" dirty="0"/>
+              <a:t>Norming</a:t>
+            </a:r>
+            <a:r>
+              <a:rPr lang="en-US" sz="2000" dirty="0"/>
+              <a:t>: Communication is difficult although having daily Skype sessions.</a:t>
+            </a:r>
+          </a:p>
+        </p:txBody>
+      </p:sp>
+      <p:sp>
+        <p:nvSpPr>
+          <p:cNvPr id="23" name="Rectangle 22"/>
+          <p:cNvSpPr/>
+          <p:nvPr/>
+        </p:nvSpPr>
+        <p:spPr>
+          <a:xfrm>
+            <a:off x="1276350" y="8294582"/>
+            <a:ext cx="9137650" cy="400110"/>
+          </a:xfrm>
+          <a:prstGeom prst="rect">
+            <a:avLst/>
+          </a:prstGeom>
+        </p:spPr>
+        <p:txBody>
+          <a:bodyPr wrap="square">
+            <a:spAutoFit/>
+          </a:bodyPr>
+          <a:lstStyle/>
+          <a:p>
+            <a:pPr lvl="1" algn="l"/>
+            <a:r>
+              <a:rPr lang="en-US" sz="2000" b="1" dirty="0"/>
+              <a:t>Performing</a:t>
+            </a:r>
+            <a:r>
+              <a:rPr lang="en-US" sz="2000" dirty="0"/>
+              <a:t>: Not open environment, barriers, limitations.</a:t>
+            </a:r>
           </a:p>
         </p:txBody>
       </p:sp>
     </p:spTree>
+    <p:extLst>
+      <p:ext uri="{BB962C8B-B14F-4D97-AF65-F5344CB8AC3E}">
+        <p14:creationId xmlns:p14="http://schemas.microsoft.com/office/powerpoint/2010/main" val="3109079018"/>
+      </p:ext>
+    </p:extLst>
   </p:cSld>
   <p:clrMapOvr>
     <a:masterClrMapping/>
   </p:clrMapOvr>
   <p:transition spd="slow"/>
+  <p:timing>
+    <p:tnLst>
+      <p:par>
+        <p:cTn id="1" dur="indefinite" restart="never" nodeType="tmRoot">
+          <p:childTnLst>
+            <p:seq concurrent="1" nextAc="seek">
+              <p:cTn id="2" dur="indefinite" nodeType="mainSeq">
+                <p:childTnLst>
+                  <p:par>
+                    <p:cTn id="3" fill="hold">
+                      <p:stCondLst>
+                        <p:cond delay="indefinite"/>
+                      </p:stCondLst>
+                      <p:childTnLst>
+                        <p:par>
+                          <p:cTn id="4" fill="hold">
+                            <p:stCondLst>
+                              <p:cond delay="0"/>
+                            </p:stCondLst>
+                            <p:childTnLst>
+                              <p:par>
+                                <p:cTn id="5" presetID="10" presetClass="entr" presetSubtype="0" fill="hold" grpId="0" nodeType="clickEffect">
+                                  <p:stCondLst>
+                                    <p:cond delay="0"/>
+                                  </p:stCondLst>
+                                  <p:childTnLst>
+                                    <p:set>
+                                      <p:cBhvr>
+                                        <p:cTn id="6" dur="1" fill="hold">
+                                          <p:stCondLst>
+                                            <p:cond delay="0"/>
+                                          </p:stCondLst>
+                                        </p:cTn>
+                                        <p:tgtEl>
+                                          <p:spTgt spid="5"/>
+                                        </p:tgtEl>
+                                        <p:attrNameLst>
+                                          <p:attrName>style.visibility</p:attrName>
+                                        </p:attrNameLst>
+                                      </p:cBhvr>
+                                      <p:to>
+                                        <p:strVal val="visible"/>
+                                      </p:to>
+                                    </p:set>
+                                    <p:animEffect transition="in" filter="fade">
+                                      <p:cBhvr>
+                                        <p:cTn id="7" dur="500"/>
+                                        <p:tgtEl>
+                                          <p:spTgt spid="5"/>
+                                        </p:tgtEl>
+                                      </p:cBhvr>
+                                    </p:animEffect>
+                                  </p:childTnLst>
+                                </p:cTn>
+                              </p:par>
+                            </p:childTnLst>
+                          </p:cTn>
+                        </p:par>
+                      </p:childTnLst>
+                    </p:cTn>
+                  </p:par>
+                  <p:par>
+                    <p:cTn id="8" fill="hold">
+                      <p:stCondLst>
+                        <p:cond delay="indefinite"/>
+                      </p:stCondLst>
+                      <p:childTnLst>
+                        <p:par>
+                          <p:cTn id="9" fill="hold">
+                            <p:stCondLst>
+                              <p:cond delay="0"/>
+                            </p:stCondLst>
+                            <p:childTnLst>
+                              <p:par>
+                                <p:cTn id="10" presetID="10" presetClass="entr" presetSubtype="0" fill="hold" grpId="0" nodeType="clickEffect">
+                                  <p:stCondLst>
+                                    <p:cond delay="0"/>
+                                  </p:stCondLst>
+                                  <p:childTnLst>
+                                    <p:set>
+                                      <p:cBhvr>
+                                        <p:cTn id="11" dur="1" fill="hold">
+                                          <p:stCondLst>
+                                            <p:cond delay="0"/>
+                                          </p:stCondLst>
+                                        </p:cTn>
+                                        <p:tgtEl>
+                                          <p:spTgt spid="9"/>
+                                        </p:tgtEl>
+                                        <p:attrNameLst>
+                                          <p:attrName>style.visibility</p:attrName>
+                                        </p:attrNameLst>
+                                      </p:cBhvr>
+                                      <p:to>
+                                        <p:strVal val="visible"/>
+                                      </p:to>
+                                    </p:set>
+                                    <p:animEffect transition="in" filter="fade">
+                                      <p:cBhvr>
+                                        <p:cTn id="12" dur="500"/>
+                                        <p:tgtEl>
+                                          <p:spTgt spid="9"/>
+                                        </p:tgtEl>
+                                      </p:cBhvr>
+                                    </p:animEffect>
+                                  </p:childTnLst>
+                                </p:cTn>
+                              </p:par>
+                              <p:par>
+                                <p:cTn id="13" presetID="10" presetClass="entr" presetSubtype="0" fill="hold" grpId="0" nodeType="withEffect">
+                                  <p:stCondLst>
+                                    <p:cond delay="0"/>
+                                  </p:stCondLst>
+                                  <p:childTnLst>
+                                    <p:set>
+                                      <p:cBhvr>
+                                        <p:cTn id="14" dur="1" fill="hold">
+                                          <p:stCondLst>
+                                            <p:cond delay="0"/>
+                                          </p:stCondLst>
+                                        </p:cTn>
+                                        <p:tgtEl>
+                                          <p:spTgt spid="2"/>
+                                        </p:tgtEl>
+                                        <p:attrNameLst>
+                                          <p:attrName>style.visibility</p:attrName>
+                                        </p:attrNameLst>
+                                      </p:cBhvr>
+                                      <p:to>
+                                        <p:strVal val="visible"/>
+                                      </p:to>
+                                    </p:set>
+                                    <p:animEffect transition="in" filter="fade">
+                                      <p:cBhvr>
+                                        <p:cTn id="15" dur="500"/>
+                                        <p:tgtEl>
+                                          <p:spTgt spid="2"/>
+                                        </p:tgtEl>
+                                      </p:cBhvr>
+                                    </p:animEffect>
+                                  </p:childTnLst>
+                                </p:cTn>
+                              </p:par>
+                              <p:par>
+                                <p:cTn id="16" presetID="10" presetClass="entr" presetSubtype="0" fill="hold" grpId="0" nodeType="withEffect">
+                                  <p:stCondLst>
+                                    <p:cond delay="0"/>
+                                  </p:stCondLst>
+                                  <p:childTnLst>
+                                    <p:set>
+                                      <p:cBhvr>
+                                        <p:cTn id="17" dur="1" fill="hold">
+                                          <p:stCondLst>
+                                            <p:cond delay="0"/>
+                                          </p:stCondLst>
+                                        </p:cTn>
+                                        <p:tgtEl>
+                                          <p:spTgt spid="3"/>
+                                        </p:tgtEl>
+                                        <p:attrNameLst>
+                                          <p:attrName>style.visibility</p:attrName>
+                                        </p:attrNameLst>
+                                      </p:cBhvr>
+                                      <p:to>
+                                        <p:strVal val="visible"/>
+                                      </p:to>
+                                    </p:set>
+                                    <p:animEffect transition="in" filter="fade">
+                                      <p:cBhvr>
+                                        <p:cTn id="18" dur="500"/>
+                                        <p:tgtEl>
+                                          <p:spTgt spid="3"/>
+                                        </p:tgtEl>
+                                      </p:cBhvr>
+                                    </p:animEffect>
+                                  </p:childTnLst>
+                                </p:cTn>
+                              </p:par>
+                              <p:par>
+                                <p:cTn id="19" presetID="10" presetClass="entr" presetSubtype="0" fill="hold" grpId="0" nodeType="withEffect">
+                                  <p:stCondLst>
+                                    <p:cond delay="0"/>
+                                  </p:stCondLst>
+                                  <p:childTnLst>
+                                    <p:set>
+                                      <p:cBhvr>
+                                        <p:cTn id="20" dur="1" fill="hold">
+                                          <p:stCondLst>
+                                            <p:cond delay="0"/>
+                                          </p:stCondLst>
+                                        </p:cTn>
+                                        <p:tgtEl>
+                                          <p:spTgt spid="7"/>
+                                        </p:tgtEl>
+                                        <p:attrNameLst>
+                                          <p:attrName>style.visibility</p:attrName>
+                                        </p:attrNameLst>
+                                      </p:cBhvr>
+                                      <p:to>
+                                        <p:strVal val="visible"/>
+                                      </p:to>
+                                    </p:set>
+                                    <p:animEffect transition="in" filter="fade">
+                                      <p:cBhvr>
+                                        <p:cTn id="21" dur="500"/>
+                                        <p:tgtEl>
+                                          <p:spTgt spid="7"/>
+                                        </p:tgtEl>
+                                      </p:cBhvr>
+                                    </p:animEffect>
+                                  </p:childTnLst>
+                                </p:cTn>
+                              </p:par>
+                              <p:par>
+                                <p:cTn id="22" presetID="10" presetClass="entr" presetSubtype="0" fill="hold" grpId="0" nodeType="withEffect">
+                                  <p:stCondLst>
+                                    <p:cond delay="0"/>
+                                  </p:stCondLst>
+                                  <p:childTnLst>
+                                    <p:set>
+                                      <p:cBhvr>
+                                        <p:cTn id="23" dur="1" fill="hold">
+                                          <p:stCondLst>
+                                            <p:cond delay="0"/>
+                                          </p:stCondLst>
+                                        </p:cTn>
+                                        <p:tgtEl>
+                                          <p:spTgt spid="4"/>
+                                        </p:tgtEl>
+                                        <p:attrNameLst>
+                                          <p:attrName>style.visibility</p:attrName>
+                                        </p:attrNameLst>
+                                      </p:cBhvr>
+                                      <p:to>
+                                        <p:strVal val="visible"/>
+                                      </p:to>
+                                    </p:set>
+                                    <p:animEffect transition="in" filter="fade">
+                                      <p:cBhvr>
+                                        <p:cTn id="24" dur="500"/>
+                                        <p:tgtEl>
+                                          <p:spTgt spid="4"/>
+                                        </p:tgtEl>
+                                      </p:cBhvr>
+                                    </p:animEffect>
+                                  </p:childTnLst>
+                                </p:cTn>
+                              </p:par>
+                              <p:par>
+                                <p:cTn id="25" presetID="10" presetClass="entr" presetSubtype="0" fill="hold" grpId="0" nodeType="withEffect">
+                                  <p:stCondLst>
+                                    <p:cond delay="0"/>
+                                  </p:stCondLst>
+                                  <p:childTnLst>
+                                    <p:set>
+                                      <p:cBhvr>
+                                        <p:cTn id="26" dur="1" fill="hold">
+                                          <p:stCondLst>
+                                            <p:cond delay="0"/>
+                                          </p:stCondLst>
+                                        </p:cTn>
+                                        <p:tgtEl>
+                                          <p:spTgt spid="8"/>
+                                        </p:tgtEl>
+                                        <p:attrNameLst>
+                                          <p:attrName>style.visibility</p:attrName>
+                                        </p:attrNameLst>
+                                      </p:cBhvr>
+                                      <p:to>
+                                        <p:strVal val="visible"/>
+                                      </p:to>
+                                    </p:set>
+                                    <p:animEffect transition="in" filter="fade">
+                                      <p:cBhvr>
+                                        <p:cTn id="27" dur="500"/>
+                                        <p:tgtEl>
+                                          <p:spTgt spid="8"/>
+                                        </p:tgtEl>
+                                      </p:cBhvr>
+                                    </p:animEffect>
+                                  </p:childTnLst>
+                                </p:cTn>
+                              </p:par>
+                            </p:childTnLst>
+                          </p:cTn>
+                        </p:par>
+                      </p:childTnLst>
+                    </p:cTn>
+                  </p:par>
+                  <p:par>
+                    <p:cTn id="28" fill="hold">
+                      <p:stCondLst>
+                        <p:cond delay="indefinite"/>
+                      </p:stCondLst>
+                      <p:childTnLst>
+                        <p:par>
+                          <p:cTn id="29" fill="hold">
+                            <p:stCondLst>
+                              <p:cond delay="0"/>
+                            </p:stCondLst>
+                            <p:childTnLst>
+                              <p:par>
+                                <p:cTn id="30" presetID="10" presetClass="entr" presetSubtype="0" fill="hold" grpId="0" nodeType="clickEffect">
+                                  <p:stCondLst>
+                                    <p:cond delay="0"/>
+                                  </p:stCondLst>
+                                  <p:childTnLst>
+                                    <p:set>
+                                      <p:cBhvr>
+                                        <p:cTn id="31" dur="1" fill="hold">
+                                          <p:stCondLst>
+                                            <p:cond delay="0"/>
+                                          </p:stCondLst>
+                                        </p:cTn>
+                                        <p:tgtEl>
+                                          <p:spTgt spid="15"/>
+                                        </p:tgtEl>
+                                        <p:attrNameLst>
+                                          <p:attrName>style.visibility</p:attrName>
+                                        </p:attrNameLst>
+                                      </p:cBhvr>
+                                      <p:to>
+                                        <p:strVal val="visible"/>
+                                      </p:to>
+                                    </p:set>
+                                    <p:animEffect transition="in" filter="fade">
+                                      <p:cBhvr>
+                                        <p:cTn id="32" dur="500"/>
+                                        <p:tgtEl>
+                                          <p:spTgt spid="15"/>
+                                        </p:tgtEl>
+                                      </p:cBhvr>
+                                    </p:animEffect>
+                                  </p:childTnLst>
+                                </p:cTn>
+                              </p:par>
+                              <p:par>
+                                <p:cTn id="33" presetID="10" presetClass="entr" presetSubtype="0" fill="hold" grpId="0" nodeType="withEffect">
+                                  <p:stCondLst>
+                                    <p:cond delay="0"/>
+                                  </p:stCondLst>
+                                  <p:childTnLst>
+                                    <p:set>
+                                      <p:cBhvr>
+                                        <p:cTn id="34" dur="1" fill="hold">
+                                          <p:stCondLst>
+                                            <p:cond delay="0"/>
+                                          </p:stCondLst>
+                                        </p:cTn>
+                                        <p:tgtEl>
+                                          <p:spTgt spid="21"/>
+                                        </p:tgtEl>
+                                        <p:attrNameLst>
+                                          <p:attrName>style.visibility</p:attrName>
+                                        </p:attrNameLst>
+                                      </p:cBhvr>
+                                      <p:to>
+                                        <p:strVal val="visible"/>
+                                      </p:to>
+                                    </p:set>
+                                    <p:animEffect transition="in" filter="fade">
+                                      <p:cBhvr>
+                                        <p:cTn id="35" dur="500"/>
+                                        <p:tgtEl>
+                                          <p:spTgt spid="21"/>
+                                        </p:tgtEl>
+                                      </p:cBhvr>
+                                    </p:animEffect>
+                                  </p:childTnLst>
+                                </p:cTn>
+                              </p:par>
+                              <p:par>
+                                <p:cTn id="36" presetID="10" presetClass="entr" presetSubtype="0" fill="hold" grpId="0" nodeType="withEffect">
+                                  <p:stCondLst>
+                                    <p:cond delay="0"/>
+                                  </p:stCondLst>
+                                  <p:childTnLst>
+                                    <p:set>
+                                      <p:cBhvr>
+                                        <p:cTn id="37" dur="1" fill="hold">
+                                          <p:stCondLst>
+                                            <p:cond delay="0"/>
+                                          </p:stCondLst>
+                                        </p:cTn>
+                                        <p:tgtEl>
+                                          <p:spTgt spid="14"/>
+                                        </p:tgtEl>
+                                        <p:attrNameLst>
+                                          <p:attrName>style.visibility</p:attrName>
+                                        </p:attrNameLst>
+                                      </p:cBhvr>
+                                      <p:to>
+                                        <p:strVal val="visible"/>
+                                      </p:to>
+                                    </p:set>
+                                    <p:animEffect transition="in" filter="fade">
+                                      <p:cBhvr>
+                                        <p:cTn id="38" dur="500"/>
+                                        <p:tgtEl>
+                                          <p:spTgt spid="14"/>
+                                        </p:tgtEl>
+                                      </p:cBhvr>
+                                    </p:animEffect>
+                                  </p:childTnLst>
+                                </p:cTn>
+                              </p:par>
+                              <p:par>
+                                <p:cTn id="39" presetID="10" presetClass="entr" presetSubtype="0" fill="hold" grpId="0" nodeType="withEffect">
+                                  <p:stCondLst>
+                                    <p:cond delay="0"/>
+                                  </p:stCondLst>
+                                  <p:childTnLst>
+                                    <p:set>
+                                      <p:cBhvr>
+                                        <p:cTn id="40" dur="1" fill="hold">
+                                          <p:stCondLst>
+                                            <p:cond delay="0"/>
+                                          </p:stCondLst>
+                                        </p:cTn>
+                                        <p:tgtEl>
+                                          <p:spTgt spid="22"/>
+                                        </p:tgtEl>
+                                        <p:attrNameLst>
+                                          <p:attrName>style.visibility</p:attrName>
+                                        </p:attrNameLst>
+                                      </p:cBhvr>
+                                      <p:to>
+                                        <p:strVal val="visible"/>
+                                      </p:to>
+                                    </p:set>
+                                    <p:animEffect transition="in" filter="fade">
+                                      <p:cBhvr>
+                                        <p:cTn id="41" dur="500"/>
+                                        <p:tgtEl>
+                                          <p:spTgt spid="22"/>
+                                        </p:tgtEl>
+                                      </p:cBhvr>
+                                    </p:animEffect>
+                                  </p:childTnLst>
+                                </p:cTn>
+                              </p:par>
+                              <p:par>
+                                <p:cTn id="42" presetID="10" presetClass="entr" presetSubtype="0" fill="hold" grpId="0" nodeType="withEffect">
+                                  <p:stCondLst>
+                                    <p:cond delay="0"/>
+                                  </p:stCondLst>
+                                  <p:childTnLst>
+                                    <p:set>
+                                      <p:cBhvr>
+                                        <p:cTn id="43" dur="1" fill="hold">
+                                          <p:stCondLst>
+                                            <p:cond delay="0"/>
+                                          </p:stCondLst>
+                                        </p:cTn>
+                                        <p:tgtEl>
+                                          <p:spTgt spid="23"/>
+                                        </p:tgtEl>
+                                        <p:attrNameLst>
+                                          <p:attrName>style.visibility</p:attrName>
+                                        </p:attrNameLst>
+                                      </p:cBhvr>
+                                      <p:to>
+                                        <p:strVal val="visible"/>
+                                      </p:to>
+                                    </p:set>
+                                    <p:animEffect transition="in" filter="fade">
+                                      <p:cBhvr>
+                                        <p:cTn id="44" dur="500"/>
+                                        <p:tgtEl>
+                                          <p:spTgt spid="23"/>
+                                        </p:tgtEl>
+                                      </p:cBhvr>
+                                    </p:animEffect>
+                                  </p:childTnLst>
+                                </p:cTn>
+                              </p:par>
+                            </p:childTnLst>
+                          </p:cTn>
+                        </p:par>
+                      </p:childTnLst>
+                    </p:cTn>
+                  </p:par>
+                </p:childTnLst>
+              </p:cTn>
+              <p:prevCondLst>
+                <p:cond evt="onPrev" delay="0">
+                  <p:tgtEl>
+                    <p:sldTgt/>
+                  </p:tgtEl>
+                </p:cond>
+              </p:prevCondLst>
+              <p:nextCondLst>
+                <p:cond evt="onNext" delay="0">
+                  <p:tgtEl>
+                    <p:sldTgt/>
+                  </p:tgtEl>
+                </p:cond>
+              </p:nextCondLst>
+            </p:seq>
+          </p:childTnLst>
+        </p:cTn>
+      </p:par>
+    </p:tnLst>
+    <p:bldLst>
+      <p:bldP spid="5" grpId="0"/>
+      <p:bldP spid="9" grpId="0"/>
+      <p:bldP spid="2" grpId="0"/>
+      <p:bldP spid="3" grpId="0"/>
+      <p:bldP spid="4" grpId="0"/>
+      <p:bldP spid="7" grpId="0"/>
+      <p:bldP spid="8" grpId="0"/>
+      <p:bldP spid="15" grpId="0"/>
+      <p:bldP spid="21" grpId="0"/>
+      <p:bldP spid="14" grpId="0"/>
+      <p:bldP spid="22" grpId="0"/>
+      <p:bldP spid="23" grpId="0"/>
+    </p:bldLst>
+  </p:timing>
 </p:sld>
 </file>
 
@@ -3884,7 +5438,7 @@
       </p:grpSpPr>
       <p:sp>
         <p:nvSpPr>
-          <p:cNvPr id="135" name="Shape 135"/>
+          <p:cNvPr id="128" name="Shape 128"/>
           <p:cNvSpPr>
             <a:spLocks noGrp="1"/>
           </p:cNvSpPr>
@@ -3893,49 +5447,2428 @@
           </p:nvPr>
         </p:nvSpPr>
         <p:spPr>
+          <a:xfrm>
+            <a:off x="952500" y="635000"/>
+            <a:ext cx="11264900" cy="965200"/>
+          </a:xfrm>
           <a:prstGeom prst="rect">
             <a:avLst/>
           </a:prstGeom>
         </p:spPr>
         <p:txBody>
-          <a:bodyPr/>
+          <a:bodyPr>
+            <a:normAutofit fontScale="90000"/>
+          </a:bodyPr>
           <a:lstStyle/>
           <a:p>
             <a:r>
-              <a:t>Drawbacks</a:t>
+              <a:rPr dirty="0"/>
+              <a:t>Virtual Challenges</a:t>
             </a:r>
           </a:p>
         </p:txBody>
       </p:sp>
       <p:sp>
         <p:nvSpPr>
-          <p:cNvPr id="136" name="Shape 136"/>
-          <p:cNvSpPr>
-            <a:spLocks noGrp="1"/>
-          </p:cNvSpPr>
-          <p:nvPr>
-            <p:ph type="body" idx="1"/>
-          </p:nvPr>
+          <p:cNvPr id="5" name="Rectangle 4"/>
+          <p:cNvSpPr/>
+          <p:nvPr/>
         </p:nvSpPr>
         <p:spPr>
+          <a:xfrm>
+            <a:off x="558800" y="2057400"/>
+            <a:ext cx="11887200" cy="646331"/>
+          </a:xfrm>
           <a:prstGeom prst="rect">
             <a:avLst/>
           </a:prstGeom>
         </p:spPr>
         <p:txBody>
-          <a:bodyPr/>
+          <a:bodyPr wrap="square">
+            <a:spAutoFit/>
+          </a:bodyPr>
           <a:lstStyle/>
           <a:p>
-            <a:endParaRPr/>
+            <a:pPr algn="l"/>
+            <a:r>
+              <a:rPr lang="en-US" dirty="0"/>
+              <a:t>Challenges in Virtual Project Management</a:t>
+            </a:r>
+          </a:p>
+        </p:txBody>
+      </p:sp>
+      <p:sp>
+        <p:nvSpPr>
+          <p:cNvPr id="9" name="Rectangle 8"/>
+          <p:cNvSpPr/>
+          <p:nvPr/>
+        </p:nvSpPr>
+        <p:spPr>
+          <a:xfrm>
+            <a:off x="584200" y="3439924"/>
+            <a:ext cx="11887200" cy="523220"/>
+          </a:xfrm>
+          <a:prstGeom prst="rect">
+            <a:avLst/>
+          </a:prstGeom>
+        </p:spPr>
+        <p:txBody>
+          <a:bodyPr wrap="square">
+            <a:spAutoFit/>
+          </a:bodyPr>
+          <a:lstStyle/>
+          <a:p>
+            <a:pPr algn="l"/>
+            <a:r>
+              <a:rPr lang="en-US" sz="2800" dirty="0" smtClean="0"/>
+              <a:t>3- Intercultural Virtual Project</a:t>
+            </a:r>
+            <a:endParaRPr lang="en-US" sz="2800" dirty="0"/>
+          </a:p>
+        </p:txBody>
+      </p:sp>
+      <p:sp>
+        <p:nvSpPr>
+          <p:cNvPr id="2" name="Rectangle 1"/>
+          <p:cNvSpPr/>
+          <p:nvPr/>
+        </p:nvSpPr>
+        <p:spPr>
+          <a:xfrm>
+            <a:off x="1270000" y="4031158"/>
+            <a:ext cx="5751896" cy="400110"/>
+          </a:xfrm>
+          <a:prstGeom prst="rect">
+            <a:avLst/>
+          </a:prstGeom>
+        </p:spPr>
+        <p:txBody>
+          <a:bodyPr wrap="none">
+            <a:spAutoFit/>
+          </a:bodyPr>
+          <a:lstStyle/>
+          <a:p>
+            <a:pPr lvl="0" algn="l"/>
+            <a:r>
+              <a:rPr lang="en-US" sz="2000" dirty="0"/>
+              <a:t>With similar culture it’s easy to see its motivation.</a:t>
+            </a:r>
+          </a:p>
+        </p:txBody>
+      </p:sp>
+      <p:sp>
+        <p:nvSpPr>
+          <p:cNvPr id="4" name="Rectangle 3"/>
+          <p:cNvSpPr/>
+          <p:nvPr/>
+        </p:nvSpPr>
+        <p:spPr>
+          <a:xfrm>
+            <a:off x="3471242" y="4526162"/>
+            <a:ext cx="5259773" cy="400110"/>
+          </a:xfrm>
+          <a:prstGeom prst="rect">
+            <a:avLst/>
+          </a:prstGeom>
+        </p:spPr>
+        <p:txBody>
+          <a:bodyPr wrap="none">
+            <a:spAutoFit/>
+          </a:bodyPr>
+          <a:lstStyle/>
+          <a:p>
+            <a:pPr lvl="0" algn="l"/>
+            <a:r>
+              <a:rPr lang="en-US" sz="2000" dirty="0"/>
+              <a:t>Difficult to build relationship in the beginning.</a:t>
+            </a:r>
+          </a:p>
+        </p:txBody>
+      </p:sp>
+      <p:sp>
+        <p:nvSpPr>
+          <p:cNvPr id="7" name="Rectangle 6"/>
+          <p:cNvSpPr/>
+          <p:nvPr/>
+        </p:nvSpPr>
+        <p:spPr>
+          <a:xfrm>
+            <a:off x="8026400" y="4044598"/>
+            <a:ext cx="2037737" cy="400110"/>
+          </a:xfrm>
+          <a:prstGeom prst="rect">
+            <a:avLst/>
+          </a:prstGeom>
+        </p:spPr>
+        <p:txBody>
+          <a:bodyPr wrap="none">
+            <a:spAutoFit/>
+          </a:bodyPr>
+          <a:lstStyle/>
+          <a:p>
+            <a:pPr lvl="0" algn="l"/>
+            <a:r>
+              <a:rPr lang="en-US" sz="2000" dirty="0"/>
+              <a:t>Cultural Barriers</a:t>
+            </a:r>
+          </a:p>
+        </p:txBody>
+      </p:sp>
+      <p:sp>
+        <p:nvSpPr>
+          <p:cNvPr id="15" name="Rectangle 14"/>
+          <p:cNvSpPr/>
+          <p:nvPr/>
+        </p:nvSpPr>
+        <p:spPr>
+          <a:xfrm>
+            <a:off x="584200" y="6019800"/>
+            <a:ext cx="11887200" cy="954107"/>
+          </a:xfrm>
+          <a:prstGeom prst="rect">
+            <a:avLst/>
+          </a:prstGeom>
+        </p:spPr>
+        <p:txBody>
+          <a:bodyPr wrap="square">
+            <a:spAutoFit/>
+          </a:bodyPr>
+          <a:lstStyle/>
+          <a:p>
+            <a:pPr lvl="1" indent="0" algn="l" hangingPunct="1"/>
+            <a:r>
+              <a:rPr lang="en-US" sz="2800" dirty="0"/>
+              <a:t>4</a:t>
+            </a:r>
+            <a:r>
+              <a:rPr lang="en-US" sz="2800" dirty="0" smtClean="0"/>
+              <a:t>- Self-</a:t>
+            </a:r>
+            <a:r>
+              <a:rPr lang="en-US" sz="2800" dirty="0" err="1" smtClean="0"/>
+              <a:t>Demotivaters</a:t>
+            </a:r>
+            <a:r>
+              <a:rPr lang="en-US" sz="2800" dirty="0" smtClean="0"/>
+              <a:t> in Virtual Intercultural Project Environment</a:t>
+            </a:r>
+            <a:endParaRPr lang="en-US" sz="3000" dirty="0"/>
+          </a:p>
+          <a:p>
+            <a:pPr algn="l"/>
+            <a:endParaRPr lang="en-US" sz="2800" dirty="0"/>
+          </a:p>
+        </p:txBody>
+      </p:sp>
+      <p:sp>
+        <p:nvSpPr>
+          <p:cNvPr id="21" name="Rectangle 20"/>
+          <p:cNvSpPr/>
+          <p:nvPr/>
+        </p:nvSpPr>
+        <p:spPr>
+          <a:xfrm>
+            <a:off x="1301750" y="6755993"/>
+            <a:ext cx="8558753" cy="400110"/>
+          </a:xfrm>
+          <a:prstGeom prst="rect">
+            <a:avLst/>
+          </a:prstGeom>
+        </p:spPr>
+        <p:txBody>
+          <a:bodyPr wrap="none">
+            <a:spAutoFit/>
+          </a:bodyPr>
+          <a:lstStyle/>
+          <a:p>
+            <a:pPr lvl="0" algn="l"/>
+            <a:r>
+              <a:rPr lang="en-US" sz="2000" dirty="0" smtClean="0"/>
+              <a:t>Projects deadline </a:t>
+            </a:r>
+            <a:r>
+              <a:rPr lang="en-US" sz="2000" dirty="0"/>
+              <a:t>and diversity of culture </a:t>
+            </a:r>
+            <a:r>
+              <a:rPr lang="en-US" sz="2000" dirty="0" smtClean="0"/>
+              <a:t>in </a:t>
+            </a:r>
+            <a:r>
+              <a:rPr lang="en-US" sz="2000" dirty="0"/>
+              <a:t>that too in virtual environment.</a:t>
+            </a:r>
+          </a:p>
+        </p:txBody>
+      </p:sp>
+      <p:sp>
+        <p:nvSpPr>
+          <p:cNvPr id="16" name="Rectangle 15"/>
+          <p:cNvSpPr/>
+          <p:nvPr/>
+        </p:nvSpPr>
+        <p:spPr>
+          <a:xfrm>
+            <a:off x="1301750" y="7271890"/>
+            <a:ext cx="4713150" cy="400110"/>
+          </a:xfrm>
+          <a:prstGeom prst="rect">
+            <a:avLst/>
+          </a:prstGeom>
+        </p:spPr>
+        <p:txBody>
+          <a:bodyPr wrap="none">
+            <a:spAutoFit/>
+          </a:bodyPr>
+          <a:lstStyle/>
+          <a:p>
+            <a:pPr lvl="0" algn="l"/>
+            <a:r>
+              <a:rPr lang="en-US" sz="2000" dirty="0"/>
+              <a:t>Understanding other cultures takes time</a:t>
+            </a:r>
+          </a:p>
+        </p:txBody>
+      </p:sp>
+      <p:sp>
+        <p:nvSpPr>
+          <p:cNvPr id="17" name="Rectangle 16"/>
+          <p:cNvSpPr/>
+          <p:nvPr/>
+        </p:nvSpPr>
+        <p:spPr>
+          <a:xfrm>
+            <a:off x="1301750" y="7787787"/>
+            <a:ext cx="912429" cy="400110"/>
+          </a:xfrm>
+          <a:prstGeom prst="rect">
+            <a:avLst/>
+          </a:prstGeom>
+        </p:spPr>
+        <p:txBody>
+          <a:bodyPr wrap="none">
+            <a:spAutoFit/>
+          </a:bodyPr>
+          <a:lstStyle/>
+          <a:p>
+            <a:pPr lvl="0" algn="l"/>
+            <a:r>
+              <a:rPr lang="en-US" sz="2000" dirty="0" smtClean="0"/>
+              <a:t>Salary</a:t>
+            </a:r>
+            <a:endParaRPr lang="en-US" sz="2000" dirty="0"/>
           </a:p>
         </p:txBody>
       </p:sp>
     </p:spTree>
+    <p:extLst>
+      <p:ext uri="{BB962C8B-B14F-4D97-AF65-F5344CB8AC3E}">
+        <p14:creationId xmlns:p14="http://schemas.microsoft.com/office/powerpoint/2010/main" val="197823067"/>
+      </p:ext>
+    </p:extLst>
   </p:cSld>
   <p:clrMapOvr>
     <a:masterClrMapping/>
   </p:clrMapOvr>
   <p:transition spd="slow"/>
+  <p:timing>
+    <p:tnLst>
+      <p:par>
+        <p:cTn id="1" dur="indefinite" restart="never" nodeType="tmRoot">
+          <p:childTnLst>
+            <p:seq concurrent="1" nextAc="seek">
+              <p:cTn id="2" dur="indefinite" nodeType="mainSeq">
+                <p:childTnLst>
+                  <p:par>
+                    <p:cTn id="3" fill="hold">
+                      <p:stCondLst>
+                        <p:cond delay="indefinite"/>
+                      </p:stCondLst>
+                      <p:childTnLst>
+                        <p:par>
+                          <p:cTn id="4" fill="hold">
+                            <p:stCondLst>
+                              <p:cond delay="0"/>
+                            </p:stCondLst>
+                            <p:childTnLst>
+                              <p:par>
+                                <p:cTn id="5" presetID="10" presetClass="entr" presetSubtype="0" fill="hold" grpId="0" nodeType="clickEffect">
+                                  <p:stCondLst>
+                                    <p:cond delay="0"/>
+                                  </p:stCondLst>
+                                  <p:childTnLst>
+                                    <p:set>
+                                      <p:cBhvr>
+                                        <p:cTn id="6" dur="1" fill="hold">
+                                          <p:stCondLst>
+                                            <p:cond delay="0"/>
+                                          </p:stCondLst>
+                                        </p:cTn>
+                                        <p:tgtEl>
+                                          <p:spTgt spid="9"/>
+                                        </p:tgtEl>
+                                        <p:attrNameLst>
+                                          <p:attrName>style.visibility</p:attrName>
+                                        </p:attrNameLst>
+                                      </p:cBhvr>
+                                      <p:to>
+                                        <p:strVal val="visible"/>
+                                      </p:to>
+                                    </p:set>
+                                    <p:animEffect transition="in" filter="fade">
+                                      <p:cBhvr>
+                                        <p:cTn id="7" dur="500"/>
+                                        <p:tgtEl>
+                                          <p:spTgt spid="9"/>
+                                        </p:tgtEl>
+                                      </p:cBhvr>
+                                    </p:animEffect>
+                                  </p:childTnLst>
+                                </p:cTn>
+                              </p:par>
+                              <p:par>
+                                <p:cTn id="8" presetID="10" presetClass="entr" presetSubtype="0" fill="hold" grpId="0" nodeType="withEffect">
+                                  <p:stCondLst>
+                                    <p:cond delay="0"/>
+                                  </p:stCondLst>
+                                  <p:childTnLst>
+                                    <p:set>
+                                      <p:cBhvr>
+                                        <p:cTn id="9" dur="1" fill="hold">
+                                          <p:stCondLst>
+                                            <p:cond delay="0"/>
+                                          </p:stCondLst>
+                                        </p:cTn>
+                                        <p:tgtEl>
+                                          <p:spTgt spid="2"/>
+                                        </p:tgtEl>
+                                        <p:attrNameLst>
+                                          <p:attrName>style.visibility</p:attrName>
+                                        </p:attrNameLst>
+                                      </p:cBhvr>
+                                      <p:to>
+                                        <p:strVal val="visible"/>
+                                      </p:to>
+                                    </p:set>
+                                    <p:animEffect transition="in" filter="fade">
+                                      <p:cBhvr>
+                                        <p:cTn id="10" dur="500"/>
+                                        <p:tgtEl>
+                                          <p:spTgt spid="2"/>
+                                        </p:tgtEl>
+                                      </p:cBhvr>
+                                    </p:animEffect>
+                                  </p:childTnLst>
+                                </p:cTn>
+                              </p:par>
+                              <p:par>
+                                <p:cTn id="11" presetID="10" presetClass="entr" presetSubtype="0" fill="hold" grpId="0" nodeType="withEffect">
+                                  <p:stCondLst>
+                                    <p:cond delay="0"/>
+                                  </p:stCondLst>
+                                  <p:childTnLst>
+                                    <p:set>
+                                      <p:cBhvr>
+                                        <p:cTn id="12" dur="1" fill="hold">
+                                          <p:stCondLst>
+                                            <p:cond delay="0"/>
+                                          </p:stCondLst>
+                                        </p:cTn>
+                                        <p:tgtEl>
+                                          <p:spTgt spid="7"/>
+                                        </p:tgtEl>
+                                        <p:attrNameLst>
+                                          <p:attrName>style.visibility</p:attrName>
+                                        </p:attrNameLst>
+                                      </p:cBhvr>
+                                      <p:to>
+                                        <p:strVal val="visible"/>
+                                      </p:to>
+                                    </p:set>
+                                    <p:animEffect transition="in" filter="fade">
+                                      <p:cBhvr>
+                                        <p:cTn id="13" dur="500"/>
+                                        <p:tgtEl>
+                                          <p:spTgt spid="7"/>
+                                        </p:tgtEl>
+                                      </p:cBhvr>
+                                    </p:animEffect>
+                                  </p:childTnLst>
+                                </p:cTn>
+                              </p:par>
+                              <p:par>
+                                <p:cTn id="14" presetID="10" presetClass="entr" presetSubtype="0" fill="hold" grpId="0" nodeType="withEffect">
+                                  <p:stCondLst>
+                                    <p:cond delay="0"/>
+                                  </p:stCondLst>
+                                  <p:childTnLst>
+                                    <p:set>
+                                      <p:cBhvr>
+                                        <p:cTn id="15" dur="1" fill="hold">
+                                          <p:stCondLst>
+                                            <p:cond delay="0"/>
+                                          </p:stCondLst>
+                                        </p:cTn>
+                                        <p:tgtEl>
+                                          <p:spTgt spid="4"/>
+                                        </p:tgtEl>
+                                        <p:attrNameLst>
+                                          <p:attrName>style.visibility</p:attrName>
+                                        </p:attrNameLst>
+                                      </p:cBhvr>
+                                      <p:to>
+                                        <p:strVal val="visible"/>
+                                      </p:to>
+                                    </p:set>
+                                    <p:animEffect transition="in" filter="fade">
+                                      <p:cBhvr>
+                                        <p:cTn id="16" dur="500"/>
+                                        <p:tgtEl>
+                                          <p:spTgt spid="4"/>
+                                        </p:tgtEl>
+                                      </p:cBhvr>
+                                    </p:animEffect>
+                                  </p:childTnLst>
+                                </p:cTn>
+                              </p:par>
+                            </p:childTnLst>
+                          </p:cTn>
+                        </p:par>
+                      </p:childTnLst>
+                    </p:cTn>
+                  </p:par>
+                  <p:par>
+                    <p:cTn id="17" fill="hold">
+                      <p:stCondLst>
+                        <p:cond delay="indefinite"/>
+                      </p:stCondLst>
+                      <p:childTnLst>
+                        <p:par>
+                          <p:cTn id="18" fill="hold">
+                            <p:stCondLst>
+                              <p:cond delay="0"/>
+                            </p:stCondLst>
+                            <p:childTnLst>
+                              <p:par>
+                                <p:cTn id="19" presetID="10" presetClass="entr" presetSubtype="0" fill="hold" grpId="0" nodeType="clickEffect">
+                                  <p:stCondLst>
+                                    <p:cond delay="0"/>
+                                  </p:stCondLst>
+                                  <p:childTnLst>
+                                    <p:set>
+                                      <p:cBhvr>
+                                        <p:cTn id="20" dur="1" fill="hold">
+                                          <p:stCondLst>
+                                            <p:cond delay="0"/>
+                                          </p:stCondLst>
+                                        </p:cTn>
+                                        <p:tgtEl>
+                                          <p:spTgt spid="15"/>
+                                        </p:tgtEl>
+                                        <p:attrNameLst>
+                                          <p:attrName>style.visibility</p:attrName>
+                                        </p:attrNameLst>
+                                      </p:cBhvr>
+                                      <p:to>
+                                        <p:strVal val="visible"/>
+                                      </p:to>
+                                    </p:set>
+                                    <p:animEffect transition="in" filter="fade">
+                                      <p:cBhvr>
+                                        <p:cTn id="21" dur="500"/>
+                                        <p:tgtEl>
+                                          <p:spTgt spid="15"/>
+                                        </p:tgtEl>
+                                      </p:cBhvr>
+                                    </p:animEffect>
+                                  </p:childTnLst>
+                                </p:cTn>
+                              </p:par>
+                              <p:par>
+                                <p:cTn id="22" presetID="10" presetClass="entr" presetSubtype="0" fill="hold" grpId="0" nodeType="withEffect">
+                                  <p:stCondLst>
+                                    <p:cond delay="0"/>
+                                  </p:stCondLst>
+                                  <p:childTnLst>
+                                    <p:set>
+                                      <p:cBhvr>
+                                        <p:cTn id="23" dur="1" fill="hold">
+                                          <p:stCondLst>
+                                            <p:cond delay="0"/>
+                                          </p:stCondLst>
+                                        </p:cTn>
+                                        <p:tgtEl>
+                                          <p:spTgt spid="21"/>
+                                        </p:tgtEl>
+                                        <p:attrNameLst>
+                                          <p:attrName>style.visibility</p:attrName>
+                                        </p:attrNameLst>
+                                      </p:cBhvr>
+                                      <p:to>
+                                        <p:strVal val="visible"/>
+                                      </p:to>
+                                    </p:set>
+                                    <p:animEffect transition="in" filter="fade">
+                                      <p:cBhvr>
+                                        <p:cTn id="24" dur="500"/>
+                                        <p:tgtEl>
+                                          <p:spTgt spid="21"/>
+                                        </p:tgtEl>
+                                      </p:cBhvr>
+                                    </p:animEffect>
+                                  </p:childTnLst>
+                                </p:cTn>
+                              </p:par>
+                              <p:par>
+                                <p:cTn id="25" presetID="10" presetClass="entr" presetSubtype="0" fill="hold" grpId="0" nodeType="withEffect">
+                                  <p:stCondLst>
+                                    <p:cond delay="0"/>
+                                  </p:stCondLst>
+                                  <p:childTnLst>
+                                    <p:set>
+                                      <p:cBhvr>
+                                        <p:cTn id="26" dur="1" fill="hold">
+                                          <p:stCondLst>
+                                            <p:cond delay="0"/>
+                                          </p:stCondLst>
+                                        </p:cTn>
+                                        <p:tgtEl>
+                                          <p:spTgt spid="16"/>
+                                        </p:tgtEl>
+                                        <p:attrNameLst>
+                                          <p:attrName>style.visibility</p:attrName>
+                                        </p:attrNameLst>
+                                      </p:cBhvr>
+                                      <p:to>
+                                        <p:strVal val="visible"/>
+                                      </p:to>
+                                    </p:set>
+                                    <p:animEffect transition="in" filter="fade">
+                                      <p:cBhvr>
+                                        <p:cTn id="27" dur="500"/>
+                                        <p:tgtEl>
+                                          <p:spTgt spid="16"/>
+                                        </p:tgtEl>
+                                      </p:cBhvr>
+                                    </p:animEffect>
+                                  </p:childTnLst>
+                                </p:cTn>
+                              </p:par>
+                              <p:par>
+                                <p:cTn id="28" presetID="10" presetClass="entr" presetSubtype="0" fill="hold" grpId="0" nodeType="withEffect">
+                                  <p:stCondLst>
+                                    <p:cond delay="0"/>
+                                  </p:stCondLst>
+                                  <p:childTnLst>
+                                    <p:set>
+                                      <p:cBhvr>
+                                        <p:cTn id="29" dur="1" fill="hold">
+                                          <p:stCondLst>
+                                            <p:cond delay="0"/>
+                                          </p:stCondLst>
+                                        </p:cTn>
+                                        <p:tgtEl>
+                                          <p:spTgt spid="17"/>
+                                        </p:tgtEl>
+                                        <p:attrNameLst>
+                                          <p:attrName>style.visibility</p:attrName>
+                                        </p:attrNameLst>
+                                      </p:cBhvr>
+                                      <p:to>
+                                        <p:strVal val="visible"/>
+                                      </p:to>
+                                    </p:set>
+                                    <p:animEffect transition="in" filter="fade">
+                                      <p:cBhvr>
+                                        <p:cTn id="30" dur="500"/>
+                                        <p:tgtEl>
+                                          <p:spTgt spid="17"/>
+                                        </p:tgtEl>
+                                      </p:cBhvr>
+                                    </p:animEffect>
+                                  </p:childTnLst>
+                                </p:cTn>
+                              </p:par>
+                            </p:childTnLst>
+                          </p:cTn>
+                        </p:par>
+                      </p:childTnLst>
+                    </p:cTn>
+                  </p:par>
+                </p:childTnLst>
+              </p:cTn>
+              <p:prevCondLst>
+                <p:cond evt="onPrev" delay="0">
+                  <p:tgtEl>
+                    <p:sldTgt/>
+                  </p:tgtEl>
+                </p:cond>
+              </p:prevCondLst>
+              <p:nextCondLst>
+                <p:cond evt="onNext" delay="0">
+                  <p:tgtEl>
+                    <p:sldTgt/>
+                  </p:tgtEl>
+                </p:cond>
+              </p:nextCondLst>
+            </p:seq>
+          </p:childTnLst>
+        </p:cTn>
+      </p:par>
+    </p:tnLst>
+    <p:bldLst>
+      <p:bldP spid="9" grpId="0"/>
+      <p:bldP spid="2" grpId="0"/>
+      <p:bldP spid="4" grpId="0"/>
+      <p:bldP spid="7" grpId="0"/>
+      <p:bldP spid="15" grpId="0"/>
+      <p:bldP spid="21" grpId="0"/>
+      <p:bldP spid="16" grpId="0"/>
+      <p:bldP spid="17" grpId="0"/>
+    </p:bldLst>
+  </p:timing>
+</p:sld>
+</file>
+
+<file path=ppt/slides/slide9.xml><?xml version="1.0" encoding="utf-8"?>
+<p:sld xmlns:a="http://schemas.openxmlformats.org/drawingml/2006/main" xmlns:r="http://schemas.openxmlformats.org/officeDocument/2006/relationships" xmlns:p="http://schemas.openxmlformats.org/presentationml/2006/main">
+  <p:cSld>
+    <p:spTree>
+      <p:nvGrpSpPr>
+        <p:cNvPr id="1" name=""/>
+        <p:cNvGrpSpPr/>
+        <p:nvPr/>
+      </p:nvGrpSpPr>
+      <p:grpSpPr>
+        <a:xfrm>
+          <a:off x="0" y="0"/>
+          <a:ext cx="0" cy="0"/>
+          <a:chOff x="0" y="0"/>
+          <a:chExt cx="0" cy="0"/>
+        </a:xfrm>
+      </p:grpSpPr>
+      <p:sp>
+        <p:nvSpPr>
+          <p:cNvPr id="128" name="Shape 128"/>
+          <p:cNvSpPr>
+            <a:spLocks noGrp="1"/>
+          </p:cNvSpPr>
+          <p:nvPr>
+            <p:ph type="title"/>
+          </p:nvPr>
+        </p:nvSpPr>
+        <p:spPr>
+          <a:xfrm>
+            <a:off x="952500" y="635000"/>
+            <a:ext cx="11264900" cy="965200"/>
+          </a:xfrm>
+          <a:prstGeom prst="rect">
+            <a:avLst/>
+          </a:prstGeom>
+        </p:spPr>
+        <p:txBody>
+          <a:bodyPr>
+            <a:normAutofit fontScale="90000"/>
+          </a:bodyPr>
+          <a:lstStyle/>
+          <a:p>
+            <a:r>
+              <a:rPr dirty="0"/>
+              <a:t>Virtual Challenges</a:t>
+            </a:r>
+          </a:p>
+        </p:txBody>
+      </p:sp>
+      <p:sp>
+        <p:nvSpPr>
+          <p:cNvPr id="4" name="Shape 129"/>
+          <p:cNvSpPr txBox="1">
+            <a:spLocks/>
+          </p:cNvSpPr>
+          <p:nvPr/>
+        </p:nvSpPr>
+        <p:spPr>
+          <a:xfrm>
+            <a:off x="996950" y="3905250"/>
+            <a:ext cx="10960100" cy="762000"/>
+          </a:xfrm>
+          <a:prstGeom prst="rect">
+            <a:avLst/>
+          </a:prstGeom>
+          <a:ln w="12700">
+            <a:miter lim="400000"/>
+          </a:ln>
+          <a:extLst>
+            <a:ext uri="{C572A759-6A51-4108-AA02-DFA0A04FC94B}">
+              <ma14:wrappingTextBoxFlag xmlns="" xmlns:ma14="http://schemas.microsoft.com/office/mac/drawingml/2011/main" val="1"/>
+            </a:ext>
+          </a:extLst>
+        </p:spPr>
+        <p:txBody>
+          <a:bodyPr lIns="50800" tIns="50800" rIns="50800" bIns="50800" anchor="t">
+            <a:normAutofit/>
+          </a:bodyPr>
+          <a:lstStyle>
+            <a:lvl1pPr marL="0" marR="0" indent="0" algn="ctr" defTabSz="584200" rtl="0" latinLnBrk="0">
+              <a:lnSpc>
+                <a:spcPct val="100000"/>
+              </a:lnSpc>
+              <a:spcBef>
+                <a:spcPts val="0"/>
+              </a:spcBef>
+              <a:spcAft>
+                <a:spcPts val="0"/>
+              </a:spcAft>
+              <a:buClrTx/>
+              <a:buSzTx/>
+              <a:buFontTx/>
+              <a:buNone/>
+              <a:tabLst/>
+              <a:defRPr sz="3200" b="0" i="0" u="none" strike="noStrike" cap="none" spc="0" baseline="0">
+                <a:ln>
+                  <a:noFill/>
+                </a:ln>
+                <a:solidFill>
+                  <a:srgbClr val="000000"/>
+                </a:solidFill>
+                <a:uFillTx/>
+                <a:latin typeface="+mn-lt"/>
+                <a:ea typeface="+mn-ea"/>
+                <a:cs typeface="+mn-cs"/>
+                <a:sym typeface="Helvetica Light"/>
+              </a:defRPr>
+            </a:lvl1pPr>
+            <a:lvl2pPr marL="0" marR="0" indent="228600" algn="ctr" defTabSz="584200" rtl="0" latinLnBrk="0">
+              <a:lnSpc>
+                <a:spcPct val="100000"/>
+              </a:lnSpc>
+              <a:spcBef>
+                <a:spcPts val="0"/>
+              </a:spcBef>
+              <a:spcAft>
+                <a:spcPts val="0"/>
+              </a:spcAft>
+              <a:buClrTx/>
+              <a:buSzTx/>
+              <a:buFontTx/>
+              <a:buNone/>
+              <a:tabLst/>
+              <a:defRPr sz="3200" b="0" i="0" u="none" strike="noStrike" cap="none" spc="0" baseline="0">
+                <a:ln>
+                  <a:noFill/>
+                </a:ln>
+                <a:solidFill>
+                  <a:srgbClr val="000000"/>
+                </a:solidFill>
+                <a:uFillTx/>
+                <a:latin typeface="+mn-lt"/>
+                <a:ea typeface="+mn-ea"/>
+                <a:cs typeface="+mn-cs"/>
+                <a:sym typeface="Helvetica Light"/>
+              </a:defRPr>
+            </a:lvl2pPr>
+            <a:lvl3pPr marL="0" marR="0" indent="457200" algn="ctr" defTabSz="584200" rtl="0" latinLnBrk="0">
+              <a:lnSpc>
+                <a:spcPct val="100000"/>
+              </a:lnSpc>
+              <a:spcBef>
+                <a:spcPts val="0"/>
+              </a:spcBef>
+              <a:spcAft>
+                <a:spcPts val="0"/>
+              </a:spcAft>
+              <a:buClrTx/>
+              <a:buSzTx/>
+              <a:buFontTx/>
+              <a:buNone/>
+              <a:tabLst/>
+              <a:defRPr sz="3200" b="0" i="0" u="none" strike="noStrike" cap="none" spc="0" baseline="0">
+                <a:ln>
+                  <a:noFill/>
+                </a:ln>
+                <a:solidFill>
+                  <a:srgbClr val="000000"/>
+                </a:solidFill>
+                <a:uFillTx/>
+                <a:latin typeface="+mn-lt"/>
+                <a:ea typeface="+mn-ea"/>
+                <a:cs typeface="+mn-cs"/>
+                <a:sym typeface="Helvetica Light"/>
+              </a:defRPr>
+            </a:lvl3pPr>
+            <a:lvl4pPr marL="0" marR="0" indent="685800" algn="ctr" defTabSz="584200" rtl="0" latinLnBrk="0">
+              <a:lnSpc>
+                <a:spcPct val="100000"/>
+              </a:lnSpc>
+              <a:spcBef>
+                <a:spcPts val="0"/>
+              </a:spcBef>
+              <a:spcAft>
+                <a:spcPts val="0"/>
+              </a:spcAft>
+              <a:buClrTx/>
+              <a:buSzTx/>
+              <a:buFontTx/>
+              <a:buNone/>
+              <a:tabLst/>
+              <a:defRPr sz="3200" b="0" i="0" u="none" strike="noStrike" cap="none" spc="0" baseline="0">
+                <a:ln>
+                  <a:noFill/>
+                </a:ln>
+                <a:solidFill>
+                  <a:srgbClr val="000000"/>
+                </a:solidFill>
+                <a:uFillTx/>
+                <a:latin typeface="+mn-lt"/>
+                <a:ea typeface="+mn-ea"/>
+                <a:cs typeface="+mn-cs"/>
+                <a:sym typeface="Helvetica Light"/>
+              </a:defRPr>
+            </a:lvl4pPr>
+            <a:lvl5pPr marL="0" marR="0" indent="914400" algn="ctr" defTabSz="584200" rtl="0" latinLnBrk="0">
+              <a:lnSpc>
+                <a:spcPct val="100000"/>
+              </a:lnSpc>
+              <a:spcBef>
+                <a:spcPts val="0"/>
+              </a:spcBef>
+              <a:spcAft>
+                <a:spcPts val="0"/>
+              </a:spcAft>
+              <a:buClrTx/>
+              <a:buSzTx/>
+              <a:buFontTx/>
+              <a:buNone/>
+              <a:tabLst/>
+              <a:defRPr sz="3200" b="0" i="0" u="none" strike="noStrike" cap="none" spc="0" baseline="0">
+                <a:ln>
+                  <a:noFill/>
+                </a:ln>
+                <a:solidFill>
+                  <a:srgbClr val="000000"/>
+                </a:solidFill>
+                <a:uFillTx/>
+                <a:latin typeface="+mn-lt"/>
+                <a:ea typeface="+mn-ea"/>
+                <a:cs typeface="+mn-cs"/>
+                <a:sym typeface="Helvetica Light"/>
+              </a:defRPr>
+            </a:lvl5pPr>
+            <a:lvl6pPr marL="2667000" marR="0" indent="-444500" algn="l" defTabSz="584200" rtl="0" latinLnBrk="0">
+              <a:lnSpc>
+                <a:spcPct val="100000"/>
+              </a:lnSpc>
+              <a:spcBef>
+                <a:spcPts val="4200"/>
+              </a:spcBef>
+              <a:spcAft>
+                <a:spcPts val="0"/>
+              </a:spcAft>
+              <a:buClrTx/>
+              <a:buSzPct val="75000"/>
+              <a:buFontTx/>
+              <a:buChar char="•"/>
+              <a:tabLst/>
+              <a:defRPr sz="3600" b="0" i="0" u="none" strike="noStrike" cap="none" spc="0" baseline="0">
+                <a:ln>
+                  <a:noFill/>
+                </a:ln>
+                <a:solidFill>
+                  <a:srgbClr val="000000"/>
+                </a:solidFill>
+                <a:uFillTx/>
+                <a:latin typeface="+mn-lt"/>
+                <a:ea typeface="+mn-ea"/>
+                <a:cs typeface="+mn-cs"/>
+                <a:sym typeface="Helvetica Light"/>
+              </a:defRPr>
+            </a:lvl6pPr>
+            <a:lvl7pPr marL="3111500" marR="0" indent="-444500" algn="l" defTabSz="584200" rtl="0" latinLnBrk="0">
+              <a:lnSpc>
+                <a:spcPct val="100000"/>
+              </a:lnSpc>
+              <a:spcBef>
+                <a:spcPts val="4200"/>
+              </a:spcBef>
+              <a:spcAft>
+                <a:spcPts val="0"/>
+              </a:spcAft>
+              <a:buClrTx/>
+              <a:buSzPct val="75000"/>
+              <a:buFontTx/>
+              <a:buChar char="•"/>
+              <a:tabLst/>
+              <a:defRPr sz="3600" b="0" i="0" u="none" strike="noStrike" cap="none" spc="0" baseline="0">
+                <a:ln>
+                  <a:noFill/>
+                </a:ln>
+                <a:solidFill>
+                  <a:srgbClr val="000000"/>
+                </a:solidFill>
+                <a:uFillTx/>
+                <a:latin typeface="+mn-lt"/>
+                <a:ea typeface="+mn-ea"/>
+                <a:cs typeface="+mn-cs"/>
+                <a:sym typeface="Helvetica Light"/>
+              </a:defRPr>
+            </a:lvl7pPr>
+            <a:lvl8pPr marL="3556000" marR="0" indent="-444500" algn="l" defTabSz="584200" rtl="0" latinLnBrk="0">
+              <a:lnSpc>
+                <a:spcPct val="100000"/>
+              </a:lnSpc>
+              <a:spcBef>
+                <a:spcPts val="4200"/>
+              </a:spcBef>
+              <a:spcAft>
+                <a:spcPts val="0"/>
+              </a:spcAft>
+              <a:buClrTx/>
+              <a:buSzPct val="75000"/>
+              <a:buFontTx/>
+              <a:buChar char="•"/>
+              <a:tabLst/>
+              <a:defRPr sz="3600" b="0" i="0" u="none" strike="noStrike" cap="none" spc="0" baseline="0">
+                <a:ln>
+                  <a:noFill/>
+                </a:ln>
+                <a:solidFill>
+                  <a:srgbClr val="000000"/>
+                </a:solidFill>
+                <a:uFillTx/>
+                <a:latin typeface="+mn-lt"/>
+                <a:ea typeface="+mn-ea"/>
+                <a:cs typeface="+mn-cs"/>
+                <a:sym typeface="Helvetica Light"/>
+              </a:defRPr>
+            </a:lvl8pPr>
+            <a:lvl9pPr marL="4000500" marR="0" indent="-444500" algn="l" defTabSz="584200" rtl="0" latinLnBrk="0">
+              <a:lnSpc>
+                <a:spcPct val="100000"/>
+              </a:lnSpc>
+              <a:spcBef>
+                <a:spcPts val="4200"/>
+              </a:spcBef>
+              <a:spcAft>
+                <a:spcPts val="0"/>
+              </a:spcAft>
+              <a:buClrTx/>
+              <a:buSzPct val="75000"/>
+              <a:buFontTx/>
+              <a:buChar char="•"/>
+              <a:tabLst/>
+              <a:defRPr sz="3600" b="0" i="0" u="none" strike="noStrike" cap="none" spc="0" baseline="0">
+                <a:ln>
+                  <a:noFill/>
+                </a:ln>
+                <a:solidFill>
+                  <a:srgbClr val="000000"/>
+                </a:solidFill>
+                <a:uFillTx/>
+                <a:latin typeface="+mn-lt"/>
+                <a:ea typeface="+mn-ea"/>
+                <a:cs typeface="+mn-cs"/>
+                <a:sym typeface="Helvetica Light"/>
+              </a:defRPr>
+            </a:lvl9pPr>
+          </a:lstStyle>
+          <a:p>
+            <a:pPr hangingPunct="1"/>
+            <a:r>
+              <a:rPr lang="en-US" sz="3600" dirty="0" smtClean="0"/>
+              <a:t>Consider the following 25 rules</a:t>
+            </a:r>
+            <a:endParaRPr lang="en-US" dirty="0"/>
+          </a:p>
+        </p:txBody>
+      </p:sp>
+      <p:sp>
+        <p:nvSpPr>
+          <p:cNvPr id="6" name="Shape 129"/>
+          <p:cNvSpPr txBox="1">
+            <a:spLocks/>
+          </p:cNvSpPr>
+          <p:nvPr/>
+        </p:nvSpPr>
+        <p:spPr>
+          <a:xfrm>
+            <a:off x="920750" y="4953000"/>
+            <a:ext cx="10960100" cy="762000"/>
+          </a:xfrm>
+          <a:prstGeom prst="rect">
+            <a:avLst/>
+          </a:prstGeom>
+          <a:ln w="12700">
+            <a:miter lim="400000"/>
+          </a:ln>
+          <a:extLst>
+            <a:ext uri="{C572A759-6A51-4108-AA02-DFA0A04FC94B}">
+              <ma14:wrappingTextBoxFlag xmlns="" xmlns:ma14="http://schemas.microsoft.com/office/mac/drawingml/2011/main" val="1"/>
+            </a:ext>
+          </a:extLst>
+        </p:spPr>
+        <p:txBody>
+          <a:bodyPr lIns="50800" tIns="50800" rIns="50800" bIns="50800" anchor="t">
+            <a:normAutofit/>
+          </a:bodyPr>
+          <a:lstStyle>
+            <a:lvl1pPr marL="0" marR="0" indent="0" algn="ctr" defTabSz="584200" rtl="0" latinLnBrk="0">
+              <a:lnSpc>
+                <a:spcPct val="100000"/>
+              </a:lnSpc>
+              <a:spcBef>
+                <a:spcPts val="0"/>
+              </a:spcBef>
+              <a:spcAft>
+                <a:spcPts val="0"/>
+              </a:spcAft>
+              <a:buClrTx/>
+              <a:buSzTx/>
+              <a:buFontTx/>
+              <a:buNone/>
+              <a:tabLst/>
+              <a:defRPr sz="3200" b="0" i="0" u="none" strike="noStrike" cap="none" spc="0" baseline="0">
+                <a:ln>
+                  <a:noFill/>
+                </a:ln>
+                <a:solidFill>
+                  <a:srgbClr val="000000"/>
+                </a:solidFill>
+                <a:uFillTx/>
+                <a:latin typeface="+mn-lt"/>
+                <a:ea typeface="+mn-ea"/>
+                <a:cs typeface="+mn-cs"/>
+                <a:sym typeface="Helvetica Light"/>
+              </a:defRPr>
+            </a:lvl1pPr>
+            <a:lvl2pPr marL="0" marR="0" indent="228600" algn="ctr" defTabSz="584200" rtl="0" latinLnBrk="0">
+              <a:lnSpc>
+                <a:spcPct val="100000"/>
+              </a:lnSpc>
+              <a:spcBef>
+                <a:spcPts val="0"/>
+              </a:spcBef>
+              <a:spcAft>
+                <a:spcPts val="0"/>
+              </a:spcAft>
+              <a:buClrTx/>
+              <a:buSzTx/>
+              <a:buFontTx/>
+              <a:buNone/>
+              <a:tabLst/>
+              <a:defRPr sz="3200" b="0" i="0" u="none" strike="noStrike" cap="none" spc="0" baseline="0">
+                <a:ln>
+                  <a:noFill/>
+                </a:ln>
+                <a:solidFill>
+                  <a:srgbClr val="000000"/>
+                </a:solidFill>
+                <a:uFillTx/>
+                <a:latin typeface="+mn-lt"/>
+                <a:ea typeface="+mn-ea"/>
+                <a:cs typeface="+mn-cs"/>
+                <a:sym typeface="Helvetica Light"/>
+              </a:defRPr>
+            </a:lvl2pPr>
+            <a:lvl3pPr marL="0" marR="0" indent="457200" algn="ctr" defTabSz="584200" rtl="0" latinLnBrk="0">
+              <a:lnSpc>
+                <a:spcPct val="100000"/>
+              </a:lnSpc>
+              <a:spcBef>
+                <a:spcPts val="0"/>
+              </a:spcBef>
+              <a:spcAft>
+                <a:spcPts val="0"/>
+              </a:spcAft>
+              <a:buClrTx/>
+              <a:buSzTx/>
+              <a:buFontTx/>
+              <a:buNone/>
+              <a:tabLst/>
+              <a:defRPr sz="3200" b="0" i="0" u="none" strike="noStrike" cap="none" spc="0" baseline="0">
+                <a:ln>
+                  <a:noFill/>
+                </a:ln>
+                <a:solidFill>
+                  <a:srgbClr val="000000"/>
+                </a:solidFill>
+                <a:uFillTx/>
+                <a:latin typeface="+mn-lt"/>
+                <a:ea typeface="+mn-ea"/>
+                <a:cs typeface="+mn-cs"/>
+                <a:sym typeface="Helvetica Light"/>
+              </a:defRPr>
+            </a:lvl3pPr>
+            <a:lvl4pPr marL="0" marR="0" indent="685800" algn="ctr" defTabSz="584200" rtl="0" latinLnBrk="0">
+              <a:lnSpc>
+                <a:spcPct val="100000"/>
+              </a:lnSpc>
+              <a:spcBef>
+                <a:spcPts val="0"/>
+              </a:spcBef>
+              <a:spcAft>
+                <a:spcPts val="0"/>
+              </a:spcAft>
+              <a:buClrTx/>
+              <a:buSzTx/>
+              <a:buFontTx/>
+              <a:buNone/>
+              <a:tabLst/>
+              <a:defRPr sz="3200" b="0" i="0" u="none" strike="noStrike" cap="none" spc="0" baseline="0">
+                <a:ln>
+                  <a:noFill/>
+                </a:ln>
+                <a:solidFill>
+                  <a:srgbClr val="000000"/>
+                </a:solidFill>
+                <a:uFillTx/>
+                <a:latin typeface="+mn-lt"/>
+                <a:ea typeface="+mn-ea"/>
+                <a:cs typeface="+mn-cs"/>
+                <a:sym typeface="Helvetica Light"/>
+              </a:defRPr>
+            </a:lvl4pPr>
+            <a:lvl5pPr marL="0" marR="0" indent="914400" algn="ctr" defTabSz="584200" rtl="0" latinLnBrk="0">
+              <a:lnSpc>
+                <a:spcPct val="100000"/>
+              </a:lnSpc>
+              <a:spcBef>
+                <a:spcPts val="0"/>
+              </a:spcBef>
+              <a:spcAft>
+                <a:spcPts val="0"/>
+              </a:spcAft>
+              <a:buClrTx/>
+              <a:buSzTx/>
+              <a:buFontTx/>
+              <a:buNone/>
+              <a:tabLst/>
+              <a:defRPr sz="3200" b="0" i="0" u="none" strike="noStrike" cap="none" spc="0" baseline="0">
+                <a:ln>
+                  <a:noFill/>
+                </a:ln>
+                <a:solidFill>
+                  <a:srgbClr val="000000"/>
+                </a:solidFill>
+                <a:uFillTx/>
+                <a:latin typeface="+mn-lt"/>
+                <a:ea typeface="+mn-ea"/>
+                <a:cs typeface="+mn-cs"/>
+                <a:sym typeface="Helvetica Light"/>
+              </a:defRPr>
+            </a:lvl5pPr>
+            <a:lvl6pPr marL="2667000" marR="0" indent="-444500" algn="l" defTabSz="584200" rtl="0" latinLnBrk="0">
+              <a:lnSpc>
+                <a:spcPct val="100000"/>
+              </a:lnSpc>
+              <a:spcBef>
+                <a:spcPts val="4200"/>
+              </a:spcBef>
+              <a:spcAft>
+                <a:spcPts val="0"/>
+              </a:spcAft>
+              <a:buClrTx/>
+              <a:buSzPct val="75000"/>
+              <a:buFontTx/>
+              <a:buChar char="•"/>
+              <a:tabLst/>
+              <a:defRPr sz="3600" b="0" i="0" u="none" strike="noStrike" cap="none" spc="0" baseline="0">
+                <a:ln>
+                  <a:noFill/>
+                </a:ln>
+                <a:solidFill>
+                  <a:srgbClr val="000000"/>
+                </a:solidFill>
+                <a:uFillTx/>
+                <a:latin typeface="+mn-lt"/>
+                <a:ea typeface="+mn-ea"/>
+                <a:cs typeface="+mn-cs"/>
+                <a:sym typeface="Helvetica Light"/>
+              </a:defRPr>
+            </a:lvl6pPr>
+            <a:lvl7pPr marL="3111500" marR="0" indent="-444500" algn="l" defTabSz="584200" rtl="0" latinLnBrk="0">
+              <a:lnSpc>
+                <a:spcPct val="100000"/>
+              </a:lnSpc>
+              <a:spcBef>
+                <a:spcPts val="4200"/>
+              </a:spcBef>
+              <a:spcAft>
+                <a:spcPts val="0"/>
+              </a:spcAft>
+              <a:buClrTx/>
+              <a:buSzPct val="75000"/>
+              <a:buFontTx/>
+              <a:buChar char="•"/>
+              <a:tabLst/>
+              <a:defRPr sz="3600" b="0" i="0" u="none" strike="noStrike" cap="none" spc="0" baseline="0">
+                <a:ln>
+                  <a:noFill/>
+                </a:ln>
+                <a:solidFill>
+                  <a:srgbClr val="000000"/>
+                </a:solidFill>
+                <a:uFillTx/>
+                <a:latin typeface="+mn-lt"/>
+                <a:ea typeface="+mn-ea"/>
+                <a:cs typeface="+mn-cs"/>
+                <a:sym typeface="Helvetica Light"/>
+              </a:defRPr>
+            </a:lvl7pPr>
+            <a:lvl8pPr marL="3556000" marR="0" indent="-444500" algn="l" defTabSz="584200" rtl="0" latinLnBrk="0">
+              <a:lnSpc>
+                <a:spcPct val="100000"/>
+              </a:lnSpc>
+              <a:spcBef>
+                <a:spcPts val="4200"/>
+              </a:spcBef>
+              <a:spcAft>
+                <a:spcPts val="0"/>
+              </a:spcAft>
+              <a:buClrTx/>
+              <a:buSzPct val="75000"/>
+              <a:buFontTx/>
+              <a:buChar char="•"/>
+              <a:tabLst/>
+              <a:defRPr sz="3600" b="0" i="0" u="none" strike="noStrike" cap="none" spc="0" baseline="0">
+                <a:ln>
+                  <a:noFill/>
+                </a:ln>
+                <a:solidFill>
+                  <a:srgbClr val="000000"/>
+                </a:solidFill>
+                <a:uFillTx/>
+                <a:latin typeface="+mn-lt"/>
+                <a:ea typeface="+mn-ea"/>
+                <a:cs typeface="+mn-cs"/>
+                <a:sym typeface="Helvetica Light"/>
+              </a:defRPr>
+            </a:lvl8pPr>
+            <a:lvl9pPr marL="4000500" marR="0" indent="-444500" algn="l" defTabSz="584200" rtl="0" latinLnBrk="0">
+              <a:lnSpc>
+                <a:spcPct val="100000"/>
+              </a:lnSpc>
+              <a:spcBef>
+                <a:spcPts val="4200"/>
+              </a:spcBef>
+              <a:spcAft>
+                <a:spcPts val="0"/>
+              </a:spcAft>
+              <a:buClrTx/>
+              <a:buSzPct val="75000"/>
+              <a:buFontTx/>
+              <a:buChar char="•"/>
+              <a:tabLst/>
+              <a:defRPr sz="3600" b="0" i="0" u="none" strike="noStrike" cap="none" spc="0" baseline="0">
+                <a:ln>
+                  <a:noFill/>
+                </a:ln>
+                <a:solidFill>
+                  <a:srgbClr val="000000"/>
+                </a:solidFill>
+                <a:uFillTx/>
+                <a:latin typeface="+mn-lt"/>
+                <a:ea typeface="+mn-ea"/>
+                <a:cs typeface="+mn-cs"/>
+                <a:sym typeface="Helvetica Light"/>
+              </a:defRPr>
+            </a:lvl9pPr>
+          </a:lstStyle>
+          <a:p>
+            <a:pPr algn="l" hangingPunct="1"/>
+            <a:r>
+              <a:rPr lang="en-US" dirty="0" smtClean="0"/>
+              <a:t>1- Goal oriented</a:t>
+            </a:r>
+            <a:endParaRPr lang="en-US" dirty="0"/>
+          </a:p>
+        </p:txBody>
+      </p:sp>
+      <p:sp>
+        <p:nvSpPr>
+          <p:cNvPr id="7" name="Shape 129"/>
+          <p:cNvSpPr txBox="1">
+            <a:spLocks/>
+          </p:cNvSpPr>
+          <p:nvPr/>
+        </p:nvSpPr>
+        <p:spPr>
+          <a:xfrm>
+            <a:off x="958850" y="5638800"/>
+            <a:ext cx="10960100" cy="762000"/>
+          </a:xfrm>
+          <a:prstGeom prst="rect">
+            <a:avLst/>
+          </a:prstGeom>
+          <a:ln w="12700">
+            <a:miter lim="400000"/>
+          </a:ln>
+          <a:extLst>
+            <a:ext uri="{C572A759-6A51-4108-AA02-DFA0A04FC94B}">
+              <ma14:wrappingTextBoxFlag xmlns="" xmlns:ma14="http://schemas.microsoft.com/office/mac/drawingml/2011/main" val="1"/>
+            </a:ext>
+          </a:extLst>
+        </p:spPr>
+        <p:txBody>
+          <a:bodyPr lIns="50800" tIns="50800" rIns="50800" bIns="50800" anchor="t">
+            <a:normAutofit/>
+          </a:bodyPr>
+          <a:lstStyle>
+            <a:lvl1pPr marL="0" marR="0" indent="0" algn="ctr" defTabSz="584200" rtl="0" latinLnBrk="0">
+              <a:lnSpc>
+                <a:spcPct val="100000"/>
+              </a:lnSpc>
+              <a:spcBef>
+                <a:spcPts val="0"/>
+              </a:spcBef>
+              <a:spcAft>
+                <a:spcPts val="0"/>
+              </a:spcAft>
+              <a:buClrTx/>
+              <a:buSzTx/>
+              <a:buFontTx/>
+              <a:buNone/>
+              <a:tabLst/>
+              <a:defRPr sz="3200" b="0" i="0" u="none" strike="noStrike" cap="none" spc="0" baseline="0">
+                <a:ln>
+                  <a:noFill/>
+                </a:ln>
+                <a:solidFill>
+                  <a:srgbClr val="000000"/>
+                </a:solidFill>
+                <a:uFillTx/>
+                <a:latin typeface="+mn-lt"/>
+                <a:ea typeface="+mn-ea"/>
+                <a:cs typeface="+mn-cs"/>
+                <a:sym typeface="Helvetica Light"/>
+              </a:defRPr>
+            </a:lvl1pPr>
+            <a:lvl2pPr marL="0" marR="0" indent="228600" algn="ctr" defTabSz="584200" rtl="0" latinLnBrk="0">
+              <a:lnSpc>
+                <a:spcPct val="100000"/>
+              </a:lnSpc>
+              <a:spcBef>
+                <a:spcPts val="0"/>
+              </a:spcBef>
+              <a:spcAft>
+                <a:spcPts val="0"/>
+              </a:spcAft>
+              <a:buClrTx/>
+              <a:buSzTx/>
+              <a:buFontTx/>
+              <a:buNone/>
+              <a:tabLst/>
+              <a:defRPr sz="3200" b="0" i="0" u="none" strike="noStrike" cap="none" spc="0" baseline="0">
+                <a:ln>
+                  <a:noFill/>
+                </a:ln>
+                <a:solidFill>
+                  <a:srgbClr val="000000"/>
+                </a:solidFill>
+                <a:uFillTx/>
+                <a:latin typeface="+mn-lt"/>
+                <a:ea typeface="+mn-ea"/>
+                <a:cs typeface="+mn-cs"/>
+                <a:sym typeface="Helvetica Light"/>
+              </a:defRPr>
+            </a:lvl2pPr>
+            <a:lvl3pPr marL="0" marR="0" indent="457200" algn="ctr" defTabSz="584200" rtl="0" latinLnBrk="0">
+              <a:lnSpc>
+                <a:spcPct val="100000"/>
+              </a:lnSpc>
+              <a:spcBef>
+                <a:spcPts val="0"/>
+              </a:spcBef>
+              <a:spcAft>
+                <a:spcPts val="0"/>
+              </a:spcAft>
+              <a:buClrTx/>
+              <a:buSzTx/>
+              <a:buFontTx/>
+              <a:buNone/>
+              <a:tabLst/>
+              <a:defRPr sz="3200" b="0" i="0" u="none" strike="noStrike" cap="none" spc="0" baseline="0">
+                <a:ln>
+                  <a:noFill/>
+                </a:ln>
+                <a:solidFill>
+                  <a:srgbClr val="000000"/>
+                </a:solidFill>
+                <a:uFillTx/>
+                <a:latin typeface="+mn-lt"/>
+                <a:ea typeface="+mn-ea"/>
+                <a:cs typeface="+mn-cs"/>
+                <a:sym typeface="Helvetica Light"/>
+              </a:defRPr>
+            </a:lvl3pPr>
+            <a:lvl4pPr marL="0" marR="0" indent="685800" algn="ctr" defTabSz="584200" rtl="0" latinLnBrk="0">
+              <a:lnSpc>
+                <a:spcPct val="100000"/>
+              </a:lnSpc>
+              <a:spcBef>
+                <a:spcPts val="0"/>
+              </a:spcBef>
+              <a:spcAft>
+                <a:spcPts val="0"/>
+              </a:spcAft>
+              <a:buClrTx/>
+              <a:buSzTx/>
+              <a:buFontTx/>
+              <a:buNone/>
+              <a:tabLst/>
+              <a:defRPr sz="3200" b="0" i="0" u="none" strike="noStrike" cap="none" spc="0" baseline="0">
+                <a:ln>
+                  <a:noFill/>
+                </a:ln>
+                <a:solidFill>
+                  <a:srgbClr val="000000"/>
+                </a:solidFill>
+                <a:uFillTx/>
+                <a:latin typeface="+mn-lt"/>
+                <a:ea typeface="+mn-ea"/>
+                <a:cs typeface="+mn-cs"/>
+                <a:sym typeface="Helvetica Light"/>
+              </a:defRPr>
+            </a:lvl4pPr>
+            <a:lvl5pPr marL="0" marR="0" indent="914400" algn="ctr" defTabSz="584200" rtl="0" latinLnBrk="0">
+              <a:lnSpc>
+                <a:spcPct val="100000"/>
+              </a:lnSpc>
+              <a:spcBef>
+                <a:spcPts val="0"/>
+              </a:spcBef>
+              <a:spcAft>
+                <a:spcPts val="0"/>
+              </a:spcAft>
+              <a:buClrTx/>
+              <a:buSzTx/>
+              <a:buFontTx/>
+              <a:buNone/>
+              <a:tabLst/>
+              <a:defRPr sz="3200" b="0" i="0" u="none" strike="noStrike" cap="none" spc="0" baseline="0">
+                <a:ln>
+                  <a:noFill/>
+                </a:ln>
+                <a:solidFill>
+                  <a:srgbClr val="000000"/>
+                </a:solidFill>
+                <a:uFillTx/>
+                <a:latin typeface="+mn-lt"/>
+                <a:ea typeface="+mn-ea"/>
+                <a:cs typeface="+mn-cs"/>
+                <a:sym typeface="Helvetica Light"/>
+              </a:defRPr>
+            </a:lvl5pPr>
+            <a:lvl6pPr marL="2667000" marR="0" indent="-444500" algn="l" defTabSz="584200" rtl="0" latinLnBrk="0">
+              <a:lnSpc>
+                <a:spcPct val="100000"/>
+              </a:lnSpc>
+              <a:spcBef>
+                <a:spcPts val="4200"/>
+              </a:spcBef>
+              <a:spcAft>
+                <a:spcPts val="0"/>
+              </a:spcAft>
+              <a:buClrTx/>
+              <a:buSzPct val="75000"/>
+              <a:buFontTx/>
+              <a:buChar char="•"/>
+              <a:tabLst/>
+              <a:defRPr sz="3600" b="0" i="0" u="none" strike="noStrike" cap="none" spc="0" baseline="0">
+                <a:ln>
+                  <a:noFill/>
+                </a:ln>
+                <a:solidFill>
+                  <a:srgbClr val="000000"/>
+                </a:solidFill>
+                <a:uFillTx/>
+                <a:latin typeface="+mn-lt"/>
+                <a:ea typeface="+mn-ea"/>
+                <a:cs typeface="+mn-cs"/>
+                <a:sym typeface="Helvetica Light"/>
+              </a:defRPr>
+            </a:lvl6pPr>
+            <a:lvl7pPr marL="3111500" marR="0" indent="-444500" algn="l" defTabSz="584200" rtl="0" latinLnBrk="0">
+              <a:lnSpc>
+                <a:spcPct val="100000"/>
+              </a:lnSpc>
+              <a:spcBef>
+                <a:spcPts val="4200"/>
+              </a:spcBef>
+              <a:spcAft>
+                <a:spcPts val="0"/>
+              </a:spcAft>
+              <a:buClrTx/>
+              <a:buSzPct val="75000"/>
+              <a:buFontTx/>
+              <a:buChar char="•"/>
+              <a:tabLst/>
+              <a:defRPr sz="3600" b="0" i="0" u="none" strike="noStrike" cap="none" spc="0" baseline="0">
+                <a:ln>
+                  <a:noFill/>
+                </a:ln>
+                <a:solidFill>
+                  <a:srgbClr val="000000"/>
+                </a:solidFill>
+                <a:uFillTx/>
+                <a:latin typeface="+mn-lt"/>
+                <a:ea typeface="+mn-ea"/>
+                <a:cs typeface="+mn-cs"/>
+                <a:sym typeface="Helvetica Light"/>
+              </a:defRPr>
+            </a:lvl7pPr>
+            <a:lvl8pPr marL="3556000" marR="0" indent="-444500" algn="l" defTabSz="584200" rtl="0" latinLnBrk="0">
+              <a:lnSpc>
+                <a:spcPct val="100000"/>
+              </a:lnSpc>
+              <a:spcBef>
+                <a:spcPts val="4200"/>
+              </a:spcBef>
+              <a:spcAft>
+                <a:spcPts val="0"/>
+              </a:spcAft>
+              <a:buClrTx/>
+              <a:buSzPct val="75000"/>
+              <a:buFontTx/>
+              <a:buChar char="•"/>
+              <a:tabLst/>
+              <a:defRPr sz="3600" b="0" i="0" u="none" strike="noStrike" cap="none" spc="0" baseline="0">
+                <a:ln>
+                  <a:noFill/>
+                </a:ln>
+                <a:solidFill>
+                  <a:srgbClr val="000000"/>
+                </a:solidFill>
+                <a:uFillTx/>
+                <a:latin typeface="+mn-lt"/>
+                <a:ea typeface="+mn-ea"/>
+                <a:cs typeface="+mn-cs"/>
+                <a:sym typeface="Helvetica Light"/>
+              </a:defRPr>
+            </a:lvl8pPr>
+            <a:lvl9pPr marL="4000500" marR="0" indent="-444500" algn="l" defTabSz="584200" rtl="0" latinLnBrk="0">
+              <a:lnSpc>
+                <a:spcPct val="100000"/>
+              </a:lnSpc>
+              <a:spcBef>
+                <a:spcPts val="4200"/>
+              </a:spcBef>
+              <a:spcAft>
+                <a:spcPts val="0"/>
+              </a:spcAft>
+              <a:buClrTx/>
+              <a:buSzPct val="75000"/>
+              <a:buFontTx/>
+              <a:buChar char="•"/>
+              <a:tabLst/>
+              <a:defRPr sz="3600" b="0" i="0" u="none" strike="noStrike" cap="none" spc="0" baseline="0">
+                <a:ln>
+                  <a:noFill/>
+                </a:ln>
+                <a:solidFill>
+                  <a:srgbClr val="000000"/>
+                </a:solidFill>
+                <a:uFillTx/>
+                <a:latin typeface="+mn-lt"/>
+                <a:ea typeface="+mn-ea"/>
+                <a:cs typeface="+mn-cs"/>
+                <a:sym typeface="Helvetica Light"/>
+              </a:defRPr>
+            </a:lvl9pPr>
+          </a:lstStyle>
+          <a:p>
+            <a:pPr algn="l" hangingPunct="1"/>
+            <a:r>
+              <a:rPr lang="en-US" dirty="0" smtClean="0"/>
+              <a:t>2- Open to the intercultural differences</a:t>
+            </a:r>
+            <a:endParaRPr lang="en-US" dirty="0"/>
+          </a:p>
+        </p:txBody>
+      </p:sp>
+      <p:sp>
+        <p:nvSpPr>
+          <p:cNvPr id="8" name="Shape 129"/>
+          <p:cNvSpPr txBox="1">
+            <a:spLocks/>
+          </p:cNvSpPr>
+          <p:nvPr/>
+        </p:nvSpPr>
+        <p:spPr>
+          <a:xfrm>
+            <a:off x="946150" y="4343400"/>
+            <a:ext cx="10960100" cy="762000"/>
+          </a:xfrm>
+          <a:prstGeom prst="rect">
+            <a:avLst/>
+          </a:prstGeom>
+          <a:ln w="12700">
+            <a:miter lim="400000"/>
+          </a:ln>
+          <a:extLst>
+            <a:ext uri="{C572A759-6A51-4108-AA02-DFA0A04FC94B}">
+              <ma14:wrappingTextBoxFlag xmlns="" xmlns:ma14="http://schemas.microsoft.com/office/mac/drawingml/2011/main" val="1"/>
+            </a:ext>
+          </a:extLst>
+        </p:spPr>
+        <p:txBody>
+          <a:bodyPr lIns="50800" tIns="50800" rIns="50800" bIns="50800" anchor="t">
+            <a:noAutofit/>
+          </a:bodyPr>
+          <a:lstStyle>
+            <a:lvl1pPr marL="0" marR="0" indent="0" algn="ctr" defTabSz="584200" rtl="0" latinLnBrk="0">
+              <a:lnSpc>
+                <a:spcPct val="100000"/>
+              </a:lnSpc>
+              <a:spcBef>
+                <a:spcPts val="0"/>
+              </a:spcBef>
+              <a:spcAft>
+                <a:spcPts val="0"/>
+              </a:spcAft>
+              <a:buClrTx/>
+              <a:buSzTx/>
+              <a:buFontTx/>
+              <a:buNone/>
+              <a:tabLst/>
+              <a:defRPr sz="3200" b="0" i="0" u="none" strike="noStrike" cap="none" spc="0" baseline="0">
+                <a:ln>
+                  <a:noFill/>
+                </a:ln>
+                <a:solidFill>
+                  <a:srgbClr val="000000"/>
+                </a:solidFill>
+                <a:uFillTx/>
+                <a:latin typeface="+mn-lt"/>
+                <a:ea typeface="+mn-ea"/>
+                <a:cs typeface="+mn-cs"/>
+                <a:sym typeface="Helvetica Light"/>
+              </a:defRPr>
+            </a:lvl1pPr>
+            <a:lvl2pPr marL="0" marR="0" indent="228600" algn="ctr" defTabSz="584200" rtl="0" latinLnBrk="0">
+              <a:lnSpc>
+                <a:spcPct val="100000"/>
+              </a:lnSpc>
+              <a:spcBef>
+                <a:spcPts val="0"/>
+              </a:spcBef>
+              <a:spcAft>
+                <a:spcPts val="0"/>
+              </a:spcAft>
+              <a:buClrTx/>
+              <a:buSzTx/>
+              <a:buFontTx/>
+              <a:buNone/>
+              <a:tabLst/>
+              <a:defRPr sz="3200" b="0" i="0" u="none" strike="noStrike" cap="none" spc="0" baseline="0">
+                <a:ln>
+                  <a:noFill/>
+                </a:ln>
+                <a:solidFill>
+                  <a:srgbClr val="000000"/>
+                </a:solidFill>
+                <a:uFillTx/>
+                <a:latin typeface="+mn-lt"/>
+                <a:ea typeface="+mn-ea"/>
+                <a:cs typeface="+mn-cs"/>
+                <a:sym typeface="Helvetica Light"/>
+              </a:defRPr>
+            </a:lvl2pPr>
+            <a:lvl3pPr marL="0" marR="0" indent="457200" algn="ctr" defTabSz="584200" rtl="0" latinLnBrk="0">
+              <a:lnSpc>
+                <a:spcPct val="100000"/>
+              </a:lnSpc>
+              <a:spcBef>
+                <a:spcPts val="0"/>
+              </a:spcBef>
+              <a:spcAft>
+                <a:spcPts val="0"/>
+              </a:spcAft>
+              <a:buClrTx/>
+              <a:buSzTx/>
+              <a:buFontTx/>
+              <a:buNone/>
+              <a:tabLst/>
+              <a:defRPr sz="3200" b="0" i="0" u="none" strike="noStrike" cap="none" spc="0" baseline="0">
+                <a:ln>
+                  <a:noFill/>
+                </a:ln>
+                <a:solidFill>
+                  <a:srgbClr val="000000"/>
+                </a:solidFill>
+                <a:uFillTx/>
+                <a:latin typeface="+mn-lt"/>
+                <a:ea typeface="+mn-ea"/>
+                <a:cs typeface="+mn-cs"/>
+                <a:sym typeface="Helvetica Light"/>
+              </a:defRPr>
+            </a:lvl3pPr>
+            <a:lvl4pPr marL="0" marR="0" indent="685800" algn="ctr" defTabSz="584200" rtl="0" latinLnBrk="0">
+              <a:lnSpc>
+                <a:spcPct val="100000"/>
+              </a:lnSpc>
+              <a:spcBef>
+                <a:spcPts val="0"/>
+              </a:spcBef>
+              <a:spcAft>
+                <a:spcPts val="0"/>
+              </a:spcAft>
+              <a:buClrTx/>
+              <a:buSzTx/>
+              <a:buFontTx/>
+              <a:buNone/>
+              <a:tabLst/>
+              <a:defRPr sz="3200" b="0" i="0" u="none" strike="noStrike" cap="none" spc="0" baseline="0">
+                <a:ln>
+                  <a:noFill/>
+                </a:ln>
+                <a:solidFill>
+                  <a:srgbClr val="000000"/>
+                </a:solidFill>
+                <a:uFillTx/>
+                <a:latin typeface="+mn-lt"/>
+                <a:ea typeface="+mn-ea"/>
+                <a:cs typeface="+mn-cs"/>
+                <a:sym typeface="Helvetica Light"/>
+              </a:defRPr>
+            </a:lvl4pPr>
+            <a:lvl5pPr marL="0" marR="0" indent="914400" algn="ctr" defTabSz="584200" rtl="0" latinLnBrk="0">
+              <a:lnSpc>
+                <a:spcPct val="100000"/>
+              </a:lnSpc>
+              <a:spcBef>
+                <a:spcPts val="0"/>
+              </a:spcBef>
+              <a:spcAft>
+                <a:spcPts val="0"/>
+              </a:spcAft>
+              <a:buClrTx/>
+              <a:buSzTx/>
+              <a:buFontTx/>
+              <a:buNone/>
+              <a:tabLst/>
+              <a:defRPr sz="3200" b="0" i="0" u="none" strike="noStrike" cap="none" spc="0" baseline="0">
+                <a:ln>
+                  <a:noFill/>
+                </a:ln>
+                <a:solidFill>
+                  <a:srgbClr val="000000"/>
+                </a:solidFill>
+                <a:uFillTx/>
+                <a:latin typeface="+mn-lt"/>
+                <a:ea typeface="+mn-ea"/>
+                <a:cs typeface="+mn-cs"/>
+                <a:sym typeface="Helvetica Light"/>
+              </a:defRPr>
+            </a:lvl5pPr>
+            <a:lvl6pPr marL="2667000" marR="0" indent="-444500" algn="l" defTabSz="584200" rtl="0" latinLnBrk="0">
+              <a:lnSpc>
+                <a:spcPct val="100000"/>
+              </a:lnSpc>
+              <a:spcBef>
+                <a:spcPts val="4200"/>
+              </a:spcBef>
+              <a:spcAft>
+                <a:spcPts val="0"/>
+              </a:spcAft>
+              <a:buClrTx/>
+              <a:buSzPct val="75000"/>
+              <a:buFontTx/>
+              <a:buChar char="•"/>
+              <a:tabLst/>
+              <a:defRPr sz="3600" b="0" i="0" u="none" strike="noStrike" cap="none" spc="0" baseline="0">
+                <a:ln>
+                  <a:noFill/>
+                </a:ln>
+                <a:solidFill>
+                  <a:srgbClr val="000000"/>
+                </a:solidFill>
+                <a:uFillTx/>
+                <a:latin typeface="+mn-lt"/>
+                <a:ea typeface="+mn-ea"/>
+                <a:cs typeface="+mn-cs"/>
+                <a:sym typeface="Helvetica Light"/>
+              </a:defRPr>
+            </a:lvl6pPr>
+            <a:lvl7pPr marL="3111500" marR="0" indent="-444500" algn="l" defTabSz="584200" rtl="0" latinLnBrk="0">
+              <a:lnSpc>
+                <a:spcPct val="100000"/>
+              </a:lnSpc>
+              <a:spcBef>
+                <a:spcPts val="4200"/>
+              </a:spcBef>
+              <a:spcAft>
+                <a:spcPts val="0"/>
+              </a:spcAft>
+              <a:buClrTx/>
+              <a:buSzPct val="75000"/>
+              <a:buFontTx/>
+              <a:buChar char="•"/>
+              <a:tabLst/>
+              <a:defRPr sz="3600" b="0" i="0" u="none" strike="noStrike" cap="none" spc="0" baseline="0">
+                <a:ln>
+                  <a:noFill/>
+                </a:ln>
+                <a:solidFill>
+                  <a:srgbClr val="000000"/>
+                </a:solidFill>
+                <a:uFillTx/>
+                <a:latin typeface="+mn-lt"/>
+                <a:ea typeface="+mn-ea"/>
+                <a:cs typeface="+mn-cs"/>
+                <a:sym typeface="Helvetica Light"/>
+              </a:defRPr>
+            </a:lvl7pPr>
+            <a:lvl8pPr marL="3556000" marR="0" indent="-444500" algn="l" defTabSz="584200" rtl="0" latinLnBrk="0">
+              <a:lnSpc>
+                <a:spcPct val="100000"/>
+              </a:lnSpc>
+              <a:spcBef>
+                <a:spcPts val="4200"/>
+              </a:spcBef>
+              <a:spcAft>
+                <a:spcPts val="0"/>
+              </a:spcAft>
+              <a:buClrTx/>
+              <a:buSzPct val="75000"/>
+              <a:buFontTx/>
+              <a:buChar char="•"/>
+              <a:tabLst/>
+              <a:defRPr sz="3600" b="0" i="0" u="none" strike="noStrike" cap="none" spc="0" baseline="0">
+                <a:ln>
+                  <a:noFill/>
+                </a:ln>
+                <a:solidFill>
+                  <a:srgbClr val="000000"/>
+                </a:solidFill>
+                <a:uFillTx/>
+                <a:latin typeface="+mn-lt"/>
+                <a:ea typeface="+mn-ea"/>
+                <a:cs typeface="+mn-cs"/>
+                <a:sym typeface="Helvetica Light"/>
+              </a:defRPr>
+            </a:lvl8pPr>
+            <a:lvl9pPr marL="4000500" marR="0" indent="-444500" algn="l" defTabSz="584200" rtl="0" latinLnBrk="0">
+              <a:lnSpc>
+                <a:spcPct val="100000"/>
+              </a:lnSpc>
+              <a:spcBef>
+                <a:spcPts val="4200"/>
+              </a:spcBef>
+              <a:spcAft>
+                <a:spcPts val="0"/>
+              </a:spcAft>
+              <a:buClrTx/>
+              <a:buSzPct val="75000"/>
+              <a:buFontTx/>
+              <a:buChar char="•"/>
+              <a:tabLst/>
+              <a:defRPr sz="3600" b="0" i="0" u="none" strike="noStrike" cap="none" spc="0" baseline="0">
+                <a:ln>
+                  <a:noFill/>
+                </a:ln>
+                <a:solidFill>
+                  <a:srgbClr val="000000"/>
+                </a:solidFill>
+                <a:uFillTx/>
+                <a:latin typeface="+mn-lt"/>
+                <a:ea typeface="+mn-ea"/>
+                <a:cs typeface="+mn-cs"/>
+                <a:sym typeface="Helvetica Light"/>
+              </a:defRPr>
+            </a:lvl9pPr>
+          </a:lstStyle>
+          <a:p>
+            <a:pPr hangingPunct="1"/>
+            <a:r>
+              <a:rPr lang="en-US" sz="4800" dirty="0" smtClean="0"/>
+              <a:t>BE YOURSELF</a:t>
+            </a:r>
+            <a:endParaRPr lang="en-US" sz="4800" dirty="0"/>
+          </a:p>
+        </p:txBody>
+      </p:sp>
+      <p:sp>
+        <p:nvSpPr>
+          <p:cNvPr id="3" name="Rectangle 2"/>
+          <p:cNvSpPr/>
+          <p:nvPr/>
+        </p:nvSpPr>
+        <p:spPr>
+          <a:xfrm>
+            <a:off x="2241550" y="2590800"/>
+            <a:ext cx="8686800" cy="1200329"/>
+          </a:xfrm>
+          <a:prstGeom prst="rect">
+            <a:avLst/>
+          </a:prstGeom>
+        </p:spPr>
+        <p:txBody>
+          <a:bodyPr wrap="square">
+            <a:spAutoFit/>
+          </a:bodyPr>
+          <a:lstStyle/>
+          <a:p>
+            <a:r>
+              <a:rPr lang="en-US" dirty="0"/>
+              <a:t>How to overcome </a:t>
+            </a:r>
+            <a:r>
+              <a:rPr lang="en-US" dirty="0" smtClean="0"/>
+              <a:t>the </a:t>
+            </a:r>
+            <a:r>
+              <a:rPr lang="en-US" dirty="0"/>
+              <a:t>challenges?</a:t>
+            </a:r>
+          </a:p>
+          <a:p>
+            <a:pPr marL="457200" lvl="1" indent="-457200" algn="l">
+              <a:buFontTx/>
+              <a:buChar char="-"/>
+            </a:pPr>
+            <a:endParaRPr lang="en-US" dirty="0"/>
+          </a:p>
+        </p:txBody>
+      </p:sp>
+    </p:spTree>
+    <p:extLst>
+      <p:ext uri="{BB962C8B-B14F-4D97-AF65-F5344CB8AC3E}">
+        <p14:creationId xmlns:p14="http://schemas.microsoft.com/office/powerpoint/2010/main" val="708679485"/>
+      </p:ext>
+    </p:extLst>
+  </p:cSld>
+  <p:clrMapOvr>
+    <a:masterClrMapping/>
+  </p:clrMapOvr>
+  <p:transition spd="slow"/>
+  <p:timing>
+    <p:tnLst>
+      <p:par>
+        <p:cTn id="1" dur="indefinite" restart="never" nodeType="tmRoot">
+          <p:childTnLst>
+            <p:seq concurrent="1" nextAc="seek">
+              <p:cTn id="2" dur="indefinite" nodeType="mainSeq">
+                <p:childTnLst>
+                  <p:par>
+                    <p:cTn id="3" fill="hold">
+                      <p:stCondLst>
+                        <p:cond delay="indefinite"/>
+                      </p:stCondLst>
+                      <p:childTnLst>
+                        <p:par>
+                          <p:cTn id="4" fill="hold">
+                            <p:stCondLst>
+                              <p:cond delay="0"/>
+                            </p:stCondLst>
+                            <p:childTnLst>
+                              <p:par>
+                                <p:cTn id="5" presetID="10" presetClass="entr" presetSubtype="0" fill="hold" grpId="0" nodeType="clickEffect">
+                                  <p:stCondLst>
+                                    <p:cond delay="0"/>
+                                  </p:stCondLst>
+                                  <p:childTnLst>
+                                    <p:set>
+                                      <p:cBhvr>
+                                        <p:cTn id="6" dur="1" fill="hold">
+                                          <p:stCondLst>
+                                            <p:cond delay="0"/>
+                                          </p:stCondLst>
+                                        </p:cTn>
+                                        <p:tgtEl>
+                                          <p:spTgt spid="3"/>
+                                        </p:tgtEl>
+                                        <p:attrNameLst>
+                                          <p:attrName>style.visibility</p:attrName>
+                                        </p:attrNameLst>
+                                      </p:cBhvr>
+                                      <p:to>
+                                        <p:strVal val="visible"/>
+                                      </p:to>
+                                    </p:set>
+                                    <p:animEffect transition="in" filter="fade">
+                                      <p:cBhvr>
+                                        <p:cTn id="7" dur="500"/>
+                                        <p:tgtEl>
+                                          <p:spTgt spid="3"/>
+                                        </p:tgtEl>
+                                      </p:cBhvr>
+                                    </p:animEffect>
+                                  </p:childTnLst>
+                                </p:cTn>
+                              </p:par>
+                            </p:childTnLst>
+                          </p:cTn>
+                        </p:par>
+                      </p:childTnLst>
+                    </p:cTn>
+                  </p:par>
+                  <p:par>
+                    <p:cTn id="8" fill="hold">
+                      <p:stCondLst>
+                        <p:cond delay="indefinite"/>
+                      </p:stCondLst>
+                      <p:childTnLst>
+                        <p:par>
+                          <p:cTn id="9" fill="hold">
+                            <p:stCondLst>
+                              <p:cond delay="0"/>
+                            </p:stCondLst>
+                            <p:childTnLst>
+                              <p:par>
+                                <p:cTn id="10" presetID="10" presetClass="entr" presetSubtype="0" fill="hold" grpId="0" nodeType="clickEffect">
+                                  <p:stCondLst>
+                                    <p:cond delay="0"/>
+                                  </p:stCondLst>
+                                  <p:childTnLst>
+                                    <p:set>
+                                      <p:cBhvr>
+                                        <p:cTn id="11" dur="1" fill="hold">
+                                          <p:stCondLst>
+                                            <p:cond delay="0"/>
+                                          </p:stCondLst>
+                                        </p:cTn>
+                                        <p:tgtEl>
+                                          <p:spTgt spid="4"/>
+                                        </p:tgtEl>
+                                        <p:attrNameLst>
+                                          <p:attrName>style.visibility</p:attrName>
+                                        </p:attrNameLst>
+                                      </p:cBhvr>
+                                      <p:to>
+                                        <p:strVal val="visible"/>
+                                      </p:to>
+                                    </p:set>
+                                    <p:animEffect transition="in" filter="fade">
+                                      <p:cBhvr>
+                                        <p:cTn id="12" dur="500"/>
+                                        <p:tgtEl>
+                                          <p:spTgt spid="4"/>
+                                        </p:tgtEl>
+                                      </p:cBhvr>
+                                    </p:animEffect>
+                                  </p:childTnLst>
+                                </p:cTn>
+                              </p:par>
+                            </p:childTnLst>
+                          </p:cTn>
+                        </p:par>
+                      </p:childTnLst>
+                    </p:cTn>
+                  </p:par>
+                  <p:par>
+                    <p:cTn id="13" fill="hold">
+                      <p:stCondLst>
+                        <p:cond delay="indefinite"/>
+                      </p:stCondLst>
+                      <p:childTnLst>
+                        <p:par>
+                          <p:cTn id="14" fill="hold">
+                            <p:stCondLst>
+                              <p:cond delay="0"/>
+                            </p:stCondLst>
+                            <p:childTnLst>
+                              <p:par>
+                                <p:cTn id="15" presetID="10" presetClass="entr" presetSubtype="0" fill="hold" grpId="0" nodeType="clickEffect">
+                                  <p:stCondLst>
+                                    <p:cond delay="0"/>
+                                  </p:stCondLst>
+                                  <p:childTnLst>
+                                    <p:set>
+                                      <p:cBhvr>
+                                        <p:cTn id="16" dur="1" fill="hold">
+                                          <p:stCondLst>
+                                            <p:cond delay="0"/>
+                                          </p:stCondLst>
+                                        </p:cTn>
+                                        <p:tgtEl>
+                                          <p:spTgt spid="6"/>
+                                        </p:tgtEl>
+                                        <p:attrNameLst>
+                                          <p:attrName>style.visibility</p:attrName>
+                                        </p:attrNameLst>
+                                      </p:cBhvr>
+                                      <p:to>
+                                        <p:strVal val="visible"/>
+                                      </p:to>
+                                    </p:set>
+                                    <p:animEffect transition="in" filter="fade">
+                                      <p:cBhvr>
+                                        <p:cTn id="17" dur="500"/>
+                                        <p:tgtEl>
+                                          <p:spTgt spid="6"/>
+                                        </p:tgtEl>
+                                      </p:cBhvr>
+                                    </p:animEffect>
+                                  </p:childTnLst>
+                                </p:cTn>
+                              </p:par>
+                            </p:childTnLst>
+                          </p:cTn>
+                        </p:par>
+                      </p:childTnLst>
+                    </p:cTn>
+                  </p:par>
+                  <p:par>
+                    <p:cTn id="18" fill="hold">
+                      <p:stCondLst>
+                        <p:cond delay="indefinite"/>
+                      </p:stCondLst>
+                      <p:childTnLst>
+                        <p:par>
+                          <p:cTn id="19" fill="hold">
+                            <p:stCondLst>
+                              <p:cond delay="0"/>
+                            </p:stCondLst>
+                            <p:childTnLst>
+                              <p:par>
+                                <p:cTn id="20" presetID="10" presetClass="entr" presetSubtype="0" fill="hold" grpId="0" nodeType="clickEffect">
+                                  <p:stCondLst>
+                                    <p:cond delay="0"/>
+                                  </p:stCondLst>
+                                  <p:childTnLst>
+                                    <p:set>
+                                      <p:cBhvr>
+                                        <p:cTn id="21" dur="1" fill="hold">
+                                          <p:stCondLst>
+                                            <p:cond delay="0"/>
+                                          </p:stCondLst>
+                                        </p:cTn>
+                                        <p:tgtEl>
+                                          <p:spTgt spid="7"/>
+                                        </p:tgtEl>
+                                        <p:attrNameLst>
+                                          <p:attrName>style.visibility</p:attrName>
+                                        </p:attrNameLst>
+                                      </p:cBhvr>
+                                      <p:to>
+                                        <p:strVal val="visible"/>
+                                      </p:to>
+                                    </p:set>
+                                    <p:animEffect transition="in" filter="fade">
+                                      <p:cBhvr>
+                                        <p:cTn id="22" dur="500"/>
+                                        <p:tgtEl>
+                                          <p:spTgt spid="7"/>
+                                        </p:tgtEl>
+                                      </p:cBhvr>
+                                    </p:animEffect>
+                                  </p:childTnLst>
+                                </p:cTn>
+                              </p:par>
+                            </p:childTnLst>
+                          </p:cTn>
+                        </p:par>
+                      </p:childTnLst>
+                    </p:cTn>
+                  </p:par>
+                  <p:par>
+                    <p:cTn id="23" fill="hold">
+                      <p:stCondLst>
+                        <p:cond delay="indefinite"/>
+                      </p:stCondLst>
+                      <p:childTnLst>
+                        <p:par>
+                          <p:cTn id="24" fill="hold">
+                            <p:stCondLst>
+                              <p:cond delay="0"/>
+                            </p:stCondLst>
+                            <p:childTnLst>
+                              <p:par>
+                                <p:cTn id="25" presetID="10" presetClass="exit" presetSubtype="0" fill="hold" grpId="1" nodeType="clickEffect">
+                                  <p:stCondLst>
+                                    <p:cond delay="0"/>
+                                  </p:stCondLst>
+                                  <p:childTnLst>
+                                    <p:animEffect transition="out" filter="fade">
+                                      <p:cBhvr>
+                                        <p:cTn id="26" dur="500"/>
+                                        <p:tgtEl>
+                                          <p:spTgt spid="4"/>
+                                        </p:tgtEl>
+                                      </p:cBhvr>
+                                    </p:animEffect>
+                                    <p:set>
+                                      <p:cBhvr>
+                                        <p:cTn id="27" dur="1" fill="hold">
+                                          <p:stCondLst>
+                                            <p:cond delay="499"/>
+                                          </p:stCondLst>
+                                        </p:cTn>
+                                        <p:tgtEl>
+                                          <p:spTgt spid="4"/>
+                                        </p:tgtEl>
+                                        <p:attrNameLst>
+                                          <p:attrName>style.visibility</p:attrName>
+                                        </p:attrNameLst>
+                                      </p:cBhvr>
+                                      <p:to>
+                                        <p:strVal val="hidden"/>
+                                      </p:to>
+                                    </p:set>
+                                  </p:childTnLst>
+                                </p:cTn>
+                              </p:par>
+                              <p:par>
+                                <p:cTn id="28" presetID="10" presetClass="exit" presetSubtype="0" fill="hold" grpId="1" nodeType="withEffect">
+                                  <p:stCondLst>
+                                    <p:cond delay="0"/>
+                                  </p:stCondLst>
+                                  <p:childTnLst>
+                                    <p:animEffect transition="out" filter="fade">
+                                      <p:cBhvr>
+                                        <p:cTn id="29" dur="500"/>
+                                        <p:tgtEl>
+                                          <p:spTgt spid="6"/>
+                                        </p:tgtEl>
+                                      </p:cBhvr>
+                                    </p:animEffect>
+                                    <p:set>
+                                      <p:cBhvr>
+                                        <p:cTn id="30" dur="1" fill="hold">
+                                          <p:stCondLst>
+                                            <p:cond delay="499"/>
+                                          </p:stCondLst>
+                                        </p:cTn>
+                                        <p:tgtEl>
+                                          <p:spTgt spid="6"/>
+                                        </p:tgtEl>
+                                        <p:attrNameLst>
+                                          <p:attrName>style.visibility</p:attrName>
+                                        </p:attrNameLst>
+                                      </p:cBhvr>
+                                      <p:to>
+                                        <p:strVal val="hidden"/>
+                                      </p:to>
+                                    </p:set>
+                                  </p:childTnLst>
+                                </p:cTn>
+                              </p:par>
+                              <p:par>
+                                <p:cTn id="31" presetID="10" presetClass="exit" presetSubtype="0" fill="hold" grpId="1" nodeType="withEffect">
+                                  <p:stCondLst>
+                                    <p:cond delay="0"/>
+                                  </p:stCondLst>
+                                  <p:childTnLst>
+                                    <p:animEffect transition="out" filter="fade">
+                                      <p:cBhvr>
+                                        <p:cTn id="32" dur="500"/>
+                                        <p:tgtEl>
+                                          <p:spTgt spid="7"/>
+                                        </p:tgtEl>
+                                      </p:cBhvr>
+                                    </p:animEffect>
+                                    <p:set>
+                                      <p:cBhvr>
+                                        <p:cTn id="33" dur="1" fill="hold">
+                                          <p:stCondLst>
+                                            <p:cond delay="499"/>
+                                          </p:stCondLst>
+                                        </p:cTn>
+                                        <p:tgtEl>
+                                          <p:spTgt spid="7"/>
+                                        </p:tgtEl>
+                                        <p:attrNameLst>
+                                          <p:attrName>style.visibility</p:attrName>
+                                        </p:attrNameLst>
+                                      </p:cBhvr>
+                                      <p:to>
+                                        <p:strVal val="hidden"/>
+                                      </p:to>
+                                    </p:set>
+                                  </p:childTnLst>
+                                </p:cTn>
+                              </p:par>
+                            </p:childTnLst>
+                          </p:cTn>
+                        </p:par>
+                      </p:childTnLst>
+                    </p:cTn>
+                  </p:par>
+                  <p:par>
+                    <p:cTn id="34" fill="hold">
+                      <p:stCondLst>
+                        <p:cond delay="indefinite"/>
+                      </p:stCondLst>
+                      <p:childTnLst>
+                        <p:par>
+                          <p:cTn id="35" fill="hold">
+                            <p:stCondLst>
+                              <p:cond delay="0"/>
+                            </p:stCondLst>
+                            <p:childTnLst>
+                              <p:par>
+                                <p:cTn id="36" presetID="10" presetClass="entr" presetSubtype="0" fill="hold" grpId="0" nodeType="clickEffect">
+                                  <p:stCondLst>
+                                    <p:cond delay="0"/>
+                                  </p:stCondLst>
+                                  <p:childTnLst>
+                                    <p:set>
+                                      <p:cBhvr>
+                                        <p:cTn id="37" dur="1" fill="hold">
+                                          <p:stCondLst>
+                                            <p:cond delay="0"/>
+                                          </p:stCondLst>
+                                        </p:cTn>
+                                        <p:tgtEl>
+                                          <p:spTgt spid="8"/>
+                                        </p:tgtEl>
+                                        <p:attrNameLst>
+                                          <p:attrName>style.visibility</p:attrName>
+                                        </p:attrNameLst>
+                                      </p:cBhvr>
+                                      <p:to>
+                                        <p:strVal val="visible"/>
+                                      </p:to>
+                                    </p:set>
+                                    <p:animEffect transition="in" filter="fade">
+                                      <p:cBhvr>
+                                        <p:cTn id="38" dur="500"/>
+                                        <p:tgtEl>
+                                          <p:spTgt spid="8"/>
+                                        </p:tgtEl>
+                                      </p:cBhvr>
+                                    </p:animEffect>
+                                  </p:childTnLst>
+                                </p:cTn>
+                              </p:par>
+                            </p:childTnLst>
+                          </p:cTn>
+                        </p:par>
+                      </p:childTnLst>
+                    </p:cTn>
+                  </p:par>
+                </p:childTnLst>
+              </p:cTn>
+              <p:prevCondLst>
+                <p:cond evt="onPrev" delay="0">
+                  <p:tgtEl>
+                    <p:sldTgt/>
+                  </p:tgtEl>
+                </p:cond>
+              </p:prevCondLst>
+              <p:nextCondLst>
+                <p:cond evt="onNext" delay="0">
+                  <p:tgtEl>
+                    <p:sldTgt/>
+                  </p:tgtEl>
+                </p:cond>
+              </p:nextCondLst>
+            </p:seq>
+          </p:childTnLst>
+        </p:cTn>
+      </p:par>
+    </p:tnLst>
+    <p:bldLst>
+      <p:bldP spid="4" grpId="0" animBg="1"/>
+      <p:bldP spid="4" grpId="1" animBg="1"/>
+      <p:bldP spid="6" grpId="0" animBg="1"/>
+      <p:bldP spid="6" grpId="1" animBg="1"/>
+      <p:bldP spid="7" grpId="0" animBg="1"/>
+      <p:bldP spid="7" grpId="1" animBg="1"/>
+      <p:bldP spid="8" grpId="0" animBg="1"/>
+      <p:bldP spid="3" grpId="0"/>
+    </p:bldLst>
+  </p:timing>
 </p:sld>
 </file>
 

--- a/PPT.pptx
+++ b/PPT.pptx
@@ -5,20 +5,26 @@
     <p:sldMasterId id="2147483648" r:id="rId1"/>
   </p:sldMasterIdLst>
   <p:notesMasterIdLst>
-    <p:notesMasterId r:id="rId13"/>
+    <p:notesMasterId r:id="rId19"/>
   </p:notesMasterIdLst>
   <p:sldIdLst>
     <p:sldId id="256" r:id="rId2"/>
-    <p:sldId id="257" r:id="rId3"/>
-    <p:sldId id="261" r:id="rId4"/>
-    <p:sldId id="262" r:id="rId5"/>
-    <p:sldId id="263" r:id="rId6"/>
-    <p:sldId id="258" r:id="rId7"/>
-    <p:sldId id="266" r:id="rId8"/>
-    <p:sldId id="267" r:id="rId9"/>
-    <p:sldId id="265" r:id="rId10"/>
-    <p:sldId id="259" r:id="rId11"/>
-    <p:sldId id="260" r:id="rId12"/>
+    <p:sldId id="271" r:id="rId3"/>
+    <p:sldId id="269" r:id="rId4"/>
+    <p:sldId id="257" r:id="rId5"/>
+    <p:sldId id="272" r:id="rId6"/>
+    <p:sldId id="268" r:id="rId7"/>
+    <p:sldId id="261" r:id="rId8"/>
+    <p:sldId id="262" r:id="rId9"/>
+    <p:sldId id="263" r:id="rId10"/>
+    <p:sldId id="273" r:id="rId11"/>
+    <p:sldId id="274" r:id="rId12"/>
+    <p:sldId id="258" r:id="rId13"/>
+    <p:sldId id="266" r:id="rId14"/>
+    <p:sldId id="267" r:id="rId15"/>
+    <p:sldId id="265" r:id="rId16"/>
+    <p:sldId id="259" r:id="rId17"/>
+    <p:sldId id="260" r:id="rId18"/>
   </p:sldIdLst>
   <p:sldSz cx="13004800" cy="9753600"/>
   <p:notesSz cx="6858000" cy="9144000"/>
@@ -322,7 +328,7 @@
   </p:defaultTextStyle>
   <p:extLst>
     <p:ext uri="{EFAFB233-063F-42B5-8137-9DF3F51BA10A}">
-      <p15:sldGuideLst xmlns:p15="http://schemas.microsoft.com/office/powerpoint/2012/main">
+      <p15:sldGuideLst xmlns:p15="http://schemas.microsoft.com/office/powerpoint/2012/main" xmlns="">
         <p15:guide id="1" orient="horz" pos="3072">
           <p15:clr>
             <a:srgbClr val="A4A3A4"/>
@@ -2149,7 +2155,7 @@
           </a:ln>
           <a:extLst>
             <a:ext uri="{C572A759-6A51-4108-AA02-DFA0A04FC94B}">
-              <ma14:wrappingTextBoxFlag xmlns="" xmlns:ma14="http://schemas.microsoft.com/office/mac/drawingml/2011/main" val="1"/>
+              <ma14:wrappingTextBoxFlag xmlns:ma14="http://schemas.microsoft.com/office/mac/drawingml/2011/main" xmlns="" val="1"/>
             </a:ext>
           </a:extLst>
         </p:spPr>
@@ -2188,7 +2194,7 @@
           </a:ln>
           <a:extLst>
             <a:ext uri="{C572A759-6A51-4108-AA02-DFA0A04FC94B}">
-              <ma14:wrappingTextBoxFlag xmlns="" xmlns:ma14="http://schemas.microsoft.com/office/mac/drawingml/2011/main" val="1"/>
+              <ma14:wrappingTextBoxFlag xmlns:ma14="http://schemas.microsoft.com/office/mac/drawingml/2011/main" xmlns="" val="1"/>
             </a:ext>
           </a:extLst>
         </p:spPr>
@@ -3122,6 +3128,7 @@
           </a:lstStyle>
           <a:p>
             <a:r>
+              <a:rPr dirty="0"/>
               <a:t>Challenges of Intercultural Project Management</a:t>
             </a:r>
           </a:p>
@@ -3171,7 +3178,7 @@
           </a:ln>
           <a:extLst>
             <a:ext uri="{C572A759-6A51-4108-AA02-DFA0A04FC94B}">
-              <ma14:wrappingTextBoxFlag xmlns="" xmlns:ma14="http://schemas.microsoft.com/office/mac/drawingml/2011/main" val="1"/>
+              <ma14:wrappingTextBoxFlag xmlns:ma14="http://schemas.microsoft.com/office/mac/drawingml/2011/main" xmlns="" val="1"/>
             </a:ext>
           </a:extLst>
         </p:spPr>
@@ -3219,7 +3226,7 @@
       </p:grpSpPr>
       <p:pic>
         <p:nvPicPr>
-          <p:cNvPr id="131" name="110809_familychineseoahu_en_00317_2040x1360.jpeg"/>
+          <p:cNvPr id="123" name="110809_familychineseoahu_en_00317_2040x1360.jpeg"/>
           <p:cNvPicPr>
             <a:picLocks noGrp="1" noChangeAspect="1"/>
           </p:cNvPicPr>
@@ -3229,14 +3236,21 @@
         </p:nvPicPr>
         <p:blipFill>
           <a:blip r:embed="rId2">
-            <a:extLst/>
+            <a:extLst>
+              <a:ext uri="{28A0092B-C50C-407E-A947-70E740481C1C}">
+                <a14:useLocalDpi xmlns:a14="http://schemas.microsoft.com/office/drawing/2010/main" val="0"/>
+              </a:ext>
+            </a:extLst>
           </a:blip>
-          <a:srcRect l="32374" r="24460" b="102"/>
           <a:stretch>
             <a:fillRect/>
           </a:stretch>
         </p:blipFill>
         <p:spPr>
+          <a:xfrm>
+            <a:off x="6807200" y="2895600"/>
+            <a:ext cx="5334000" cy="5715000"/>
+          </a:xfrm>
           <a:prstGeom prst="rect">
             <a:avLst/>
           </a:prstGeom>
@@ -3244,7 +3258,7 @@
       </p:pic>
       <p:sp>
         <p:nvSpPr>
-          <p:cNvPr id="132" name="Shape 132"/>
+          <p:cNvPr id="124" name="Shape 124"/>
           <p:cNvSpPr>
             <a:spLocks noGrp="1"/>
           </p:cNvSpPr>
@@ -3253,6 +3267,10 @@
           </p:nvPr>
         </p:nvSpPr>
         <p:spPr>
+          <a:xfrm>
+            <a:off x="1016000" y="533400"/>
+            <a:ext cx="5334000" cy="2184400"/>
+          </a:xfrm>
           <a:prstGeom prst="rect">
             <a:avLst/>
           </a:prstGeom>
@@ -3262,14 +3280,15 @@
           <a:lstStyle/>
           <a:p>
             <a:r>
-              <a:t>Onsite </a:t>
+              <a:rPr dirty="0"/>
+              <a:t>General Challenges</a:t>
             </a:r>
           </a:p>
         </p:txBody>
       </p:sp>
       <p:sp>
         <p:nvSpPr>
-          <p:cNvPr id="133" name="Shape 133"/>
+          <p:cNvPr id="125" name="Shape 125"/>
           <p:cNvSpPr>
             <a:spLocks noGrp="1"/>
           </p:cNvSpPr>
@@ -3278,20 +3297,93 @@
           </p:nvPr>
         </p:nvSpPr>
         <p:spPr>
+          <a:xfrm>
+            <a:off x="952500" y="2971800"/>
+            <a:ext cx="5334000" cy="5892800"/>
+          </a:xfrm>
           <a:prstGeom prst="rect">
             <a:avLst/>
           </a:prstGeom>
         </p:spPr>
         <p:txBody>
-          <a:bodyPr/>
+          <a:bodyPr>
+            <a:normAutofit fontScale="77500" lnSpcReduction="20000"/>
+          </a:bodyPr>
           <a:lstStyle/>
           <a:p>
+            <a:pPr algn="just"/>
+            <a:r>
+              <a:rPr lang="en-US" dirty="0"/>
+              <a:t>Understand and respect cultural differences</a:t>
+            </a:r>
+            <a:endParaRPr lang="en-US" dirty="0"/>
+          </a:p>
+          <a:p>
+            <a:pPr algn="just"/>
+            <a:r>
+              <a:rPr lang="en-US" dirty="0"/>
+              <a:t>– Know your clients/team and be prepared; not knowing can affect </a:t>
+            </a:r>
+            <a:r>
+              <a:rPr lang="en-US" dirty="0" smtClean="0"/>
+              <a:t>relationship</a:t>
+            </a:r>
+          </a:p>
+          <a:p>
+            <a:pPr algn="just"/>
+            <a:endParaRPr lang="en-US" dirty="0"/>
+          </a:p>
+          <a:p>
+            <a:pPr algn="just"/>
+            <a:r>
+              <a:rPr lang="en-US" dirty="0"/>
+              <a:t>– Judging people’s origin by looks Physical appearance or by their last names, for</a:t>
+            </a:r>
+            <a:endParaRPr lang="en-US" dirty="0"/>
+          </a:p>
+          <a:p>
+            <a:pPr algn="just"/>
+            <a:r>
+              <a:rPr lang="en-US" dirty="0"/>
+              <a:t>example Pakistanis are not Indian, Taiwanese are not Chinese, Korean are </a:t>
+            </a:r>
+            <a:r>
+              <a:rPr lang="en-US" dirty="0" smtClean="0"/>
+              <a:t>not Japanese</a:t>
+            </a:r>
+          </a:p>
+          <a:p>
+            <a:pPr algn="just"/>
+            <a:endParaRPr lang="en-US" dirty="0"/>
+          </a:p>
+          <a:p>
+            <a:pPr algn="just"/>
+            <a:r>
+              <a:rPr lang="en-US" dirty="0"/>
+              <a:t>– Accent can usually tell where people are from</a:t>
+            </a:r>
+            <a:endParaRPr lang="en-US" dirty="0"/>
+          </a:p>
+          <a:p>
+            <a:pPr algn="just"/>
+            <a:r>
+              <a:rPr lang="en-US" dirty="0"/>
+              <a:t>– Respect culture by trying their food; can be a good conversation topic</a:t>
+            </a:r>
+            <a:endParaRPr lang="en-US" dirty="0"/>
+          </a:p>
+          <a:p>
             <a:pPr algn="l"/>
-            <a:endParaRPr/>
+            <a:endParaRPr dirty="0"/>
           </a:p>
         </p:txBody>
       </p:sp>
     </p:spTree>
+    <p:extLst>
+      <p:ext uri="{BB962C8B-B14F-4D97-AF65-F5344CB8AC3E}">
+        <p14:creationId xmlns:p14="http://schemas.microsoft.com/office/powerpoint/2010/main" val="3730208288"/>
+      </p:ext>
+    </p:extLst>
   </p:cSld>
   <p:clrMapOvr>
     <a:masterClrMapping/>
@@ -3324,87 +3416,6 @@
           <a:chExt cx="0" cy="0"/>
         </a:xfrm>
       </p:grpSpPr>
-      <p:sp>
-        <p:nvSpPr>
-          <p:cNvPr id="135" name="Shape 135"/>
-          <p:cNvSpPr>
-            <a:spLocks noGrp="1"/>
-          </p:cNvSpPr>
-          <p:nvPr>
-            <p:ph type="title"/>
-          </p:nvPr>
-        </p:nvSpPr>
-        <p:spPr>
-          <a:prstGeom prst="rect">
-            <a:avLst/>
-          </a:prstGeom>
-        </p:spPr>
-        <p:txBody>
-          <a:bodyPr/>
-          <a:lstStyle/>
-          <a:p>
-            <a:r>
-              <a:t>Drawbacks</a:t>
-            </a:r>
-          </a:p>
-        </p:txBody>
-      </p:sp>
-      <p:sp>
-        <p:nvSpPr>
-          <p:cNvPr id="136" name="Shape 136"/>
-          <p:cNvSpPr>
-            <a:spLocks noGrp="1"/>
-          </p:cNvSpPr>
-          <p:nvPr>
-            <p:ph type="body" idx="1"/>
-          </p:nvPr>
-        </p:nvSpPr>
-        <p:spPr>
-          <a:prstGeom prst="rect">
-            <a:avLst/>
-          </a:prstGeom>
-        </p:spPr>
-        <p:txBody>
-          <a:bodyPr/>
-          <a:lstStyle/>
-          <a:p>
-            <a:endParaRPr/>
-          </a:p>
-        </p:txBody>
-      </p:sp>
-    </p:spTree>
-  </p:cSld>
-  <p:clrMapOvr>
-    <a:masterClrMapping/>
-  </p:clrMapOvr>
-  <p:transition spd="slow"/>
-  <p:timing>
-    <p:tnLst>
-      <p:par>
-        <p:cTn id="1" dur="indefinite" restart="never" nodeType="tmRoot"/>
-      </p:par>
-    </p:tnLst>
-  </p:timing>
-</p:sld>
-</file>
-
-<file path=ppt/slides/slide2.xml><?xml version="1.0" encoding="utf-8"?>
-<p:sld xmlns:a="http://schemas.openxmlformats.org/drawingml/2006/main" xmlns:r="http://schemas.openxmlformats.org/officeDocument/2006/relationships" xmlns:p="http://schemas.openxmlformats.org/presentationml/2006/main">
-  <p:cSld>
-    <p:spTree>
-      <p:nvGrpSpPr>
-        <p:cNvPr id="1" name=""/>
-        <p:cNvGrpSpPr/>
-        <p:nvPr/>
-      </p:nvGrpSpPr>
-      <p:grpSpPr>
-        <a:xfrm>
-          <a:off x="0" y="0"/>
-          <a:ext cx="0" cy="0"/>
-          <a:chOff x="0" y="0"/>
-          <a:chExt cx="0" cy="0"/>
-        </a:xfrm>
-      </p:grpSpPr>
       <p:pic>
         <p:nvPicPr>
           <p:cNvPr id="123" name="110809_familychineseoahu_en_00317_2040x1360.jpeg"/>
@@ -3417,14 +3428,21 @@
         </p:nvPicPr>
         <p:blipFill>
           <a:blip r:embed="rId2">
-            <a:extLst/>
+            <a:extLst>
+              <a:ext uri="{28A0092B-C50C-407E-A947-70E740481C1C}">
+                <a14:useLocalDpi xmlns:a14="http://schemas.microsoft.com/office/drawing/2010/main" val="0"/>
+              </a:ext>
+            </a:extLst>
           </a:blip>
-          <a:srcRect l="32374" r="24460" b="102"/>
           <a:stretch>
             <a:fillRect/>
           </a:stretch>
         </p:blipFill>
         <p:spPr>
+          <a:xfrm>
+            <a:off x="6654800" y="2667000"/>
+            <a:ext cx="5486400" cy="5562600"/>
+          </a:xfrm>
           <a:prstGeom prst="rect">
             <a:avLst/>
           </a:prstGeom>
@@ -3441,6 +3459,10 @@
           </p:nvPr>
         </p:nvSpPr>
         <p:spPr>
+          <a:xfrm>
+            <a:off x="1016000" y="533400"/>
+            <a:ext cx="5334000" cy="2184400"/>
+          </a:xfrm>
           <a:prstGeom prst="rect">
             <a:avLst/>
           </a:prstGeom>
@@ -3467,132 +3489,111 @@
           </p:nvPr>
         </p:nvSpPr>
         <p:spPr>
-          <a:prstGeom prst="rect">
-            <a:avLst/>
-          </a:prstGeom>
-        </p:spPr>
-        <p:txBody>
-          <a:bodyPr/>
-          <a:lstStyle/>
-          <a:p>
-            <a:pPr algn="l"/>
-            <a:r>
-              <a:rPr lang="en-US" dirty="0"/>
-              <a:t>The PMs should be aware of the following challenges while working in a culturally diverse team -</a:t>
-            </a:r>
-          </a:p>
-        </p:txBody>
-      </p:sp>
-    </p:spTree>
-  </p:cSld>
-  <p:clrMapOvr>
-    <a:masterClrMapping/>
-  </p:clrMapOvr>
-  <p:transition spd="slow"/>
-</p:sld>
-</file>
-
-<file path=ppt/slides/slide3.xml><?xml version="1.0" encoding="utf-8"?>
-<p:sld xmlns:a="http://schemas.openxmlformats.org/drawingml/2006/main" xmlns:r="http://schemas.openxmlformats.org/officeDocument/2006/relationships" xmlns:p="http://schemas.openxmlformats.org/presentationml/2006/main">
-  <p:cSld>
-    <p:spTree>
-      <p:nvGrpSpPr>
-        <p:cNvPr id="1" name=""/>
-        <p:cNvGrpSpPr/>
-        <p:nvPr/>
-      </p:nvGrpSpPr>
-      <p:grpSpPr>
-        <a:xfrm>
-          <a:off x="0" y="0"/>
-          <a:ext cx="0" cy="0"/>
-          <a:chOff x="0" y="0"/>
-          <a:chExt cx="0" cy="0"/>
-        </a:xfrm>
-      </p:grpSpPr>
-      <p:pic>
-        <p:nvPicPr>
-          <p:cNvPr id="123" name="110809_familychineseoahu_en_00317_2040x1360.jpeg"/>
-          <p:cNvPicPr>
-            <a:picLocks noGrp="1" noChangeAspect="1"/>
-          </p:cNvPicPr>
-          <p:nvPr>
-            <p:ph type="pic" idx="13"/>
-          </p:nvPr>
-        </p:nvPicPr>
-        <p:blipFill>
-          <a:blip r:embed="rId2">
-            <a:extLst/>
-          </a:blip>
-          <a:srcRect l="32374" r="24460" b="102"/>
-          <a:stretch>
-            <a:fillRect/>
-          </a:stretch>
-        </p:blipFill>
-        <p:spPr>
-          <a:prstGeom prst="rect">
-            <a:avLst/>
-          </a:prstGeom>
-        </p:spPr>
-      </p:pic>
-      <p:sp>
-        <p:nvSpPr>
-          <p:cNvPr id="124" name="Shape 124"/>
-          <p:cNvSpPr>
-            <a:spLocks noGrp="1"/>
-          </p:cNvSpPr>
-          <p:nvPr>
-            <p:ph type="title"/>
-          </p:nvPr>
-        </p:nvSpPr>
-        <p:spPr>
-          <a:prstGeom prst="rect">
-            <a:avLst/>
-          </a:prstGeom>
-        </p:spPr>
-        <p:txBody>
-          <a:bodyPr/>
-          <a:lstStyle/>
-          <a:p>
-            <a:r>
-              <a:rPr dirty="0"/>
-              <a:t>General Challenges</a:t>
-            </a:r>
-          </a:p>
-        </p:txBody>
-      </p:sp>
-      <p:sp>
-        <p:nvSpPr>
-          <p:cNvPr id="125" name="Shape 125"/>
-          <p:cNvSpPr>
-            <a:spLocks noGrp="1"/>
-          </p:cNvSpPr>
-          <p:nvPr>
-            <p:ph type="body" sz="quarter" idx="1"/>
-          </p:nvPr>
-        </p:nvSpPr>
-        <p:spPr>
+          <a:xfrm>
+            <a:off x="952500" y="2971800"/>
+            <a:ext cx="5334000" cy="5892800"/>
+          </a:xfrm>
           <a:prstGeom prst="rect">
             <a:avLst/>
           </a:prstGeom>
         </p:spPr>
         <p:txBody>
           <a:bodyPr>
-            <a:normAutofit fontScale="92500" lnSpcReduction="10000"/>
+            <a:normAutofit fontScale="70000" lnSpcReduction="20000"/>
           </a:bodyPr>
           <a:lstStyle/>
           <a:p>
             <a:pPr algn="just"/>
             <a:r>
               <a:rPr lang="en-US" dirty="0"/>
-              <a:t>Every country or even the states within the country have some different national culture and ways of business thinking. Not understanding them might create issues </a:t>
+              <a:t>Understand and respect cultural </a:t>
             </a:r>
             <a:r>
               <a:rPr lang="en-US" dirty="0" smtClean="0"/>
-              <a:t>during the </a:t>
-            </a:r>
+              <a:t>differences</a:t>
+            </a:r>
+          </a:p>
+          <a:p>
+            <a:pPr algn="just"/>
+            <a:endParaRPr lang="en-US" dirty="0"/>
+          </a:p>
+          <a:p>
+            <a:pPr algn="just"/>
             <a:r>
               <a:rPr lang="en-US" dirty="0"/>
-              <a:t>projects. PMs should be encouraged to realize and respect these issues.</a:t>
+              <a:t>– Religion/Culture vs. professionalism (get help from HR) Prayer before </a:t>
+            </a:r>
+            <a:r>
+              <a:rPr lang="en-US" dirty="0" smtClean="0"/>
+              <a:t>sunset</a:t>
+            </a:r>
+          </a:p>
+          <a:p>
+            <a:pPr algn="just"/>
+            <a:endParaRPr lang="en-US" dirty="0"/>
+          </a:p>
+          <a:p>
+            <a:pPr algn="just"/>
+            <a:r>
+              <a:rPr lang="en-US" dirty="0"/>
+              <a:t>– People fasting (Ramadan). Not working on Sundays. Caste issue in India</a:t>
+            </a:r>
+            <a:r>
+              <a:rPr lang="en-US" dirty="0" smtClean="0"/>
+              <a:t>;</a:t>
+            </a:r>
+          </a:p>
+          <a:p>
+            <a:pPr algn="just"/>
+            <a:endParaRPr lang="en-US" dirty="0"/>
+          </a:p>
+          <a:p>
+            <a:pPr algn="just"/>
+            <a:r>
+              <a:rPr lang="en-US" dirty="0"/>
+              <a:t>– taught to respect elders. Eye contact may be interpreted as rude</a:t>
+            </a:r>
+            <a:r>
+              <a:rPr lang="en-US" dirty="0" smtClean="0"/>
+              <a:t>.</a:t>
+            </a:r>
+          </a:p>
+          <a:p>
+            <a:pPr algn="just"/>
+            <a:endParaRPr lang="en-US" dirty="0"/>
+          </a:p>
+          <a:p>
+            <a:pPr algn="just"/>
+            <a:r>
+              <a:rPr lang="en-US" dirty="0"/>
+              <a:t>– Siesta - a nap in the early afternoon (especially in hot countries</a:t>
+            </a:r>
+            <a:r>
+              <a:rPr lang="en-US" dirty="0" smtClean="0"/>
+              <a:t>)</a:t>
+            </a:r>
+          </a:p>
+          <a:p>
+            <a:pPr algn="just"/>
+            <a:endParaRPr lang="en-US" dirty="0"/>
+          </a:p>
+          <a:p>
+            <a:pPr algn="just"/>
+            <a:r>
+              <a:rPr lang="en-US" dirty="0"/>
+              <a:t>– Different ways of greeting people. Namaste, Bowing, Hand shake, kissing </a:t>
+            </a:r>
+            <a:r>
+              <a:rPr lang="en-US" dirty="0" smtClean="0"/>
+              <a:t>on cheek</a:t>
+            </a:r>
+            <a:r>
+              <a:rPr lang="en-US" dirty="0"/>
+              <a:t>, Rub noses, etc</a:t>
+            </a:r>
+            <a:r>
+              <a:rPr lang="en-US" dirty="0" smtClean="0"/>
+              <a:t>.</a:t>
             </a:r>
           </a:p>
           <a:p>
@@ -3604,260 +3605,7 @@
     </p:spTree>
     <p:extLst>
       <p:ext uri="{BB962C8B-B14F-4D97-AF65-F5344CB8AC3E}">
-        <p14:creationId xmlns:p14="http://schemas.microsoft.com/office/powerpoint/2010/main" val="1135872767"/>
-      </p:ext>
-    </p:extLst>
-  </p:cSld>
-  <p:clrMapOvr>
-    <a:masterClrMapping/>
-  </p:clrMapOvr>
-  <p:transition spd="slow"/>
-</p:sld>
-</file>
-
-<file path=ppt/slides/slide4.xml><?xml version="1.0" encoding="utf-8"?>
-<p:sld xmlns:a="http://schemas.openxmlformats.org/drawingml/2006/main" xmlns:r="http://schemas.openxmlformats.org/officeDocument/2006/relationships" xmlns:p="http://schemas.openxmlformats.org/presentationml/2006/main">
-  <p:cSld>
-    <p:spTree>
-      <p:nvGrpSpPr>
-        <p:cNvPr id="1" name=""/>
-        <p:cNvGrpSpPr/>
-        <p:nvPr/>
-      </p:nvGrpSpPr>
-      <p:grpSpPr>
-        <a:xfrm>
-          <a:off x="0" y="0"/>
-          <a:ext cx="0" cy="0"/>
-          <a:chOff x="0" y="0"/>
-          <a:chExt cx="0" cy="0"/>
-        </a:xfrm>
-      </p:grpSpPr>
-      <p:pic>
-        <p:nvPicPr>
-          <p:cNvPr id="123" name="110809_familychineseoahu_en_00317_2040x1360.jpeg"/>
-          <p:cNvPicPr>
-            <a:picLocks noGrp="1" noChangeAspect="1"/>
-          </p:cNvPicPr>
-          <p:nvPr>
-            <p:ph type="pic" idx="13"/>
-          </p:nvPr>
-        </p:nvPicPr>
-        <p:blipFill>
-          <a:blip r:embed="rId2">
-            <a:extLst/>
-          </a:blip>
-          <a:srcRect l="32374" r="24460" b="102"/>
-          <a:stretch>
-            <a:fillRect/>
-          </a:stretch>
-        </p:blipFill>
-        <p:spPr>
-          <a:prstGeom prst="rect">
-            <a:avLst/>
-          </a:prstGeom>
-        </p:spPr>
-      </p:pic>
-      <p:sp>
-        <p:nvSpPr>
-          <p:cNvPr id="124" name="Shape 124"/>
-          <p:cNvSpPr>
-            <a:spLocks noGrp="1"/>
-          </p:cNvSpPr>
-          <p:nvPr>
-            <p:ph type="title"/>
-          </p:nvPr>
-        </p:nvSpPr>
-        <p:spPr>
-          <a:prstGeom prst="rect">
-            <a:avLst/>
-          </a:prstGeom>
-        </p:spPr>
-        <p:txBody>
-          <a:bodyPr/>
-          <a:lstStyle/>
-          <a:p>
-            <a:r>
-              <a:rPr dirty="0"/>
-              <a:t>General Challenges</a:t>
-            </a:r>
-          </a:p>
-        </p:txBody>
-      </p:sp>
-      <p:sp>
-        <p:nvSpPr>
-          <p:cNvPr id="125" name="Shape 125"/>
-          <p:cNvSpPr>
-            <a:spLocks noGrp="1"/>
-          </p:cNvSpPr>
-          <p:nvPr>
-            <p:ph type="body" sz="quarter" idx="1"/>
-          </p:nvPr>
-        </p:nvSpPr>
-        <p:spPr>
-          <a:prstGeom prst="rect">
-            <a:avLst/>
-          </a:prstGeom>
-        </p:spPr>
-        <p:txBody>
-          <a:bodyPr>
-            <a:normAutofit/>
-          </a:bodyPr>
-          <a:lstStyle/>
-          <a:p>
-            <a:pPr algn="just"/>
-            <a:r>
-              <a:rPr lang="en-US" dirty="0"/>
-              <a:t>Not being careful with stereotypes, and peoples perspective. Every individuals have different ideas and ways of looking at life.</a:t>
-            </a:r>
-          </a:p>
-          <a:p>
-            <a:pPr algn="l"/>
-            <a:endParaRPr dirty="0"/>
-          </a:p>
-        </p:txBody>
-      </p:sp>
-    </p:spTree>
-    <p:extLst>
-      <p:ext uri="{BB962C8B-B14F-4D97-AF65-F5344CB8AC3E}">
-        <p14:creationId xmlns:p14="http://schemas.microsoft.com/office/powerpoint/2010/main" val="1518596562"/>
-      </p:ext>
-    </p:extLst>
-  </p:cSld>
-  <p:clrMapOvr>
-    <a:masterClrMapping/>
-  </p:clrMapOvr>
-  <p:transition spd="slow"/>
-</p:sld>
-</file>
-
-<file path=ppt/slides/slide5.xml><?xml version="1.0" encoding="utf-8"?>
-<p:sld xmlns:a="http://schemas.openxmlformats.org/drawingml/2006/main" xmlns:r="http://schemas.openxmlformats.org/officeDocument/2006/relationships" xmlns:p="http://schemas.openxmlformats.org/presentationml/2006/main">
-  <p:cSld>
-    <p:spTree>
-      <p:nvGrpSpPr>
-        <p:cNvPr id="1" name=""/>
-        <p:cNvGrpSpPr/>
-        <p:nvPr/>
-      </p:nvGrpSpPr>
-      <p:grpSpPr>
-        <a:xfrm>
-          <a:off x="0" y="0"/>
-          <a:ext cx="0" cy="0"/>
-          <a:chOff x="0" y="0"/>
-          <a:chExt cx="0" cy="0"/>
-        </a:xfrm>
-      </p:grpSpPr>
-      <p:pic>
-        <p:nvPicPr>
-          <p:cNvPr id="123" name="110809_familychineseoahu_en_00317_2040x1360.jpeg"/>
-          <p:cNvPicPr>
-            <a:picLocks noGrp="1" noChangeAspect="1"/>
-          </p:cNvPicPr>
-          <p:nvPr>
-            <p:ph type="pic" idx="13"/>
-          </p:nvPr>
-        </p:nvPicPr>
-        <p:blipFill>
-          <a:blip r:embed="rId2">
-            <a:extLst/>
-          </a:blip>
-          <a:srcRect l="32374" r="24460" b="102"/>
-          <a:stretch>
-            <a:fillRect/>
-          </a:stretch>
-        </p:blipFill>
-        <p:spPr>
-          <a:prstGeom prst="rect">
-            <a:avLst/>
-          </a:prstGeom>
-        </p:spPr>
-      </p:pic>
-      <p:sp>
-        <p:nvSpPr>
-          <p:cNvPr id="124" name="Shape 124"/>
-          <p:cNvSpPr>
-            <a:spLocks noGrp="1"/>
-          </p:cNvSpPr>
-          <p:nvPr>
-            <p:ph type="title"/>
-          </p:nvPr>
-        </p:nvSpPr>
-        <p:spPr>
-          <a:prstGeom prst="rect">
-            <a:avLst/>
-          </a:prstGeom>
-        </p:spPr>
-        <p:txBody>
-          <a:bodyPr/>
-          <a:lstStyle/>
-          <a:p>
-            <a:r>
-              <a:rPr dirty="0"/>
-              <a:t>General Challenges</a:t>
-            </a:r>
-          </a:p>
-        </p:txBody>
-      </p:sp>
-      <p:sp>
-        <p:nvSpPr>
-          <p:cNvPr id="125" name="Shape 125"/>
-          <p:cNvSpPr>
-            <a:spLocks noGrp="1"/>
-          </p:cNvSpPr>
-          <p:nvPr>
-            <p:ph type="body" sz="quarter" idx="1"/>
-          </p:nvPr>
-        </p:nvSpPr>
-        <p:spPr>
-          <a:prstGeom prst="rect">
-            <a:avLst/>
-          </a:prstGeom>
-        </p:spPr>
-        <p:txBody>
-          <a:bodyPr>
-            <a:normAutofit fontScale="85000" lnSpcReduction="20000"/>
-          </a:bodyPr>
-          <a:lstStyle/>
-          <a:p>
-            <a:pPr algn="just"/>
-            <a:r>
-              <a:rPr lang="en-US" dirty="0"/>
-              <a:t>Language barrier. This is one of the primary reason behind miscommunication and misunderstanding in teams</a:t>
-            </a:r>
-            <a:r>
-              <a:rPr lang="en-US" dirty="0" smtClean="0"/>
-              <a:t>.</a:t>
-            </a:r>
-          </a:p>
-          <a:p>
-            <a:pPr algn="just"/>
-            <a:endParaRPr lang="en-US" dirty="0"/>
-          </a:p>
-          <a:p>
-            <a:pPr algn="just"/>
-            <a:r>
-              <a:rPr lang="en-US" dirty="0"/>
-              <a:t>Some languages might sound rude, some might sound polite while speaking. By looking at others' voice and tone people might get offended while the person speaking is not </a:t>
-            </a:r>
-            <a:r>
-              <a:rPr lang="en-US" dirty="0" smtClean="0"/>
-              <a:t>actually meaning </a:t>
-            </a:r>
-            <a:r>
-              <a:rPr lang="en-US" dirty="0"/>
-              <a:t>any offense.</a:t>
-            </a:r>
-          </a:p>
-          <a:p>
-            <a:pPr algn="l"/>
-            <a:endParaRPr dirty="0"/>
-          </a:p>
-        </p:txBody>
-      </p:sp>
-    </p:spTree>
-    <p:extLst>
-      <p:ext uri="{BB962C8B-B14F-4D97-AF65-F5344CB8AC3E}">
-        <p14:creationId xmlns:p14="http://schemas.microsoft.com/office/powerpoint/2010/main" val="1119995063"/>
+        <p14:creationId xmlns:p14="http://schemas.microsoft.com/office/powerpoint/2010/main" val="1210344363"/>
       </p:ext>
     </p:extLst>
   </p:cSld>
@@ -3875,7 +3623,7 @@
 </p:sld>
 </file>
 
-<file path=ppt/slides/slide6.xml><?xml version="1.0" encoding="utf-8"?>
+<file path=ppt/slides/slide12.xml><?xml version="1.0" encoding="utf-8"?>
 <p:sld xmlns:a="http://schemas.openxmlformats.org/drawingml/2006/main" xmlns:r="http://schemas.openxmlformats.org/officeDocument/2006/relationships" xmlns:p="http://schemas.openxmlformats.org/presentationml/2006/main">
   <p:cSld>
     <p:spTree>
@@ -4457,7 +4205,7 @@
 </p:sld>
 </file>
 
-<file path=ppt/slides/slide7.xml><?xml version="1.0" encoding="utf-8"?>
+<file path=ppt/slides/slide13.xml><?xml version="1.0" encoding="utf-8"?>
 <p:sld xmlns:a="http://schemas.openxmlformats.org/drawingml/2006/main" xmlns:r="http://schemas.openxmlformats.org/officeDocument/2006/relationships" xmlns:p="http://schemas.openxmlformats.org/presentationml/2006/main">
   <p:cSld>
     <p:spTree>
@@ -4591,7 +4339,6 @@
               <a:rPr lang="en-US" sz="2000" dirty="0"/>
               <a:t>Language Barriers</a:t>
             </a:r>
-            <a:endParaRPr lang="en-US" sz="2000" dirty="0"/>
           </a:p>
         </p:txBody>
       </p:sp>
@@ -5419,7 +5166,7 @@
 </p:sld>
 </file>
 
-<file path=ppt/slides/slide8.xml><?xml version="1.0" encoding="utf-8"?>
+<file path=ppt/slides/slide14.xml><?xml version="1.0" encoding="utf-8"?>
 <p:sld xmlns:a="http://schemas.openxmlformats.org/drawingml/2006/main" xmlns:r="http://schemas.openxmlformats.org/officeDocument/2006/relationships" xmlns:p="http://schemas.openxmlformats.org/presentationml/2006/main">
   <p:cSld>
     <p:spTree>
@@ -6130,7 +5877,7 @@
 </p:sld>
 </file>
 
-<file path=ppt/slides/slide9.xml><?xml version="1.0" encoding="utf-8"?>
+<file path=ppt/slides/slide15.xml><?xml version="1.0" encoding="utf-8"?>
 <p:sld xmlns:a="http://schemas.openxmlformats.org/drawingml/2006/main" xmlns:r="http://schemas.openxmlformats.org/officeDocument/2006/relationships" xmlns:p="http://schemas.openxmlformats.org/presentationml/2006/main">
   <p:cSld>
     <p:spTree>
@@ -6200,7 +5947,7 @@
           </a:ln>
           <a:extLst>
             <a:ext uri="{C572A759-6A51-4108-AA02-DFA0A04FC94B}">
-              <ma14:wrappingTextBoxFlag xmlns="" xmlns:ma14="http://schemas.microsoft.com/office/mac/drawingml/2011/main" val="1"/>
+              <ma14:wrappingTextBoxFlag xmlns:ma14="http://schemas.microsoft.com/office/mac/drawingml/2011/main" xmlns="" val="1"/>
             </a:ext>
           </a:extLst>
         </p:spPr>
@@ -6502,7 +6249,7 @@
           </a:ln>
           <a:extLst>
             <a:ext uri="{C572A759-6A51-4108-AA02-DFA0A04FC94B}">
-              <ma14:wrappingTextBoxFlag xmlns="" xmlns:ma14="http://schemas.microsoft.com/office/mac/drawingml/2011/main" val="1"/>
+              <ma14:wrappingTextBoxFlag xmlns:ma14="http://schemas.microsoft.com/office/mac/drawingml/2011/main" xmlns="" val="1"/>
             </a:ext>
           </a:extLst>
         </p:spPr>
@@ -6804,7 +6551,7 @@
           </a:ln>
           <a:extLst>
             <a:ext uri="{C572A759-6A51-4108-AA02-DFA0A04FC94B}">
-              <ma14:wrappingTextBoxFlag xmlns="" xmlns:ma14="http://schemas.microsoft.com/office/mac/drawingml/2011/main" val="1"/>
+              <ma14:wrappingTextBoxFlag xmlns:ma14="http://schemas.microsoft.com/office/mac/drawingml/2011/main" xmlns="" val="1"/>
             </a:ext>
           </a:extLst>
         </p:spPr>
@@ -7106,7 +6853,7 @@
           </a:ln>
           <a:extLst>
             <a:ext uri="{C572A759-6A51-4108-AA02-DFA0A04FC94B}">
-              <ma14:wrappingTextBoxFlag xmlns="" xmlns:ma14="http://schemas.microsoft.com/office/mac/drawingml/2011/main" val="1"/>
+              <ma14:wrappingTextBoxFlag xmlns:ma14="http://schemas.microsoft.com/office/mac/drawingml/2011/main" xmlns="" val="1"/>
             </a:ext>
           </a:extLst>
         </p:spPr>
@@ -7872,6 +7619,1536 @@
 </p:sld>
 </file>
 
+<file path=ppt/slides/slide16.xml><?xml version="1.0" encoding="utf-8"?>
+<p:sld xmlns:a="http://schemas.openxmlformats.org/drawingml/2006/main" xmlns:r="http://schemas.openxmlformats.org/officeDocument/2006/relationships" xmlns:p="http://schemas.openxmlformats.org/presentationml/2006/main">
+  <p:cSld>
+    <p:spTree>
+      <p:nvGrpSpPr>
+        <p:cNvPr id="1" name=""/>
+        <p:cNvGrpSpPr/>
+        <p:nvPr/>
+      </p:nvGrpSpPr>
+      <p:grpSpPr>
+        <a:xfrm>
+          <a:off x="0" y="0"/>
+          <a:ext cx="0" cy="0"/>
+          <a:chOff x="0" y="0"/>
+          <a:chExt cx="0" cy="0"/>
+        </a:xfrm>
+      </p:grpSpPr>
+      <p:pic>
+        <p:nvPicPr>
+          <p:cNvPr id="131" name="110809_familychineseoahu_en_00317_2040x1360.jpeg"/>
+          <p:cNvPicPr>
+            <a:picLocks noGrp="1" noChangeAspect="1"/>
+          </p:cNvPicPr>
+          <p:nvPr>
+            <p:ph type="pic" idx="13"/>
+          </p:nvPr>
+        </p:nvPicPr>
+        <p:blipFill>
+          <a:blip r:embed="rId2">
+            <a:extLst/>
+          </a:blip>
+          <a:srcRect l="32374" r="24460" b="102"/>
+          <a:stretch>
+            <a:fillRect/>
+          </a:stretch>
+        </p:blipFill>
+        <p:spPr>
+          <a:prstGeom prst="rect">
+            <a:avLst/>
+          </a:prstGeom>
+        </p:spPr>
+      </p:pic>
+      <p:sp>
+        <p:nvSpPr>
+          <p:cNvPr id="132" name="Shape 132"/>
+          <p:cNvSpPr>
+            <a:spLocks noGrp="1"/>
+          </p:cNvSpPr>
+          <p:nvPr>
+            <p:ph type="title"/>
+          </p:nvPr>
+        </p:nvSpPr>
+        <p:spPr>
+          <a:prstGeom prst="rect">
+            <a:avLst/>
+          </a:prstGeom>
+        </p:spPr>
+        <p:txBody>
+          <a:bodyPr/>
+          <a:lstStyle/>
+          <a:p>
+            <a:r>
+              <a:t>Onsite </a:t>
+            </a:r>
+          </a:p>
+        </p:txBody>
+      </p:sp>
+      <p:sp>
+        <p:nvSpPr>
+          <p:cNvPr id="133" name="Shape 133"/>
+          <p:cNvSpPr>
+            <a:spLocks noGrp="1"/>
+          </p:cNvSpPr>
+          <p:nvPr>
+            <p:ph type="body" sz="quarter" idx="1"/>
+          </p:nvPr>
+        </p:nvSpPr>
+        <p:spPr>
+          <a:prstGeom prst="rect">
+            <a:avLst/>
+          </a:prstGeom>
+        </p:spPr>
+        <p:txBody>
+          <a:bodyPr/>
+          <a:lstStyle/>
+          <a:p>
+            <a:pPr algn="l"/>
+            <a:endParaRPr/>
+          </a:p>
+        </p:txBody>
+      </p:sp>
+    </p:spTree>
+  </p:cSld>
+  <p:clrMapOvr>
+    <a:masterClrMapping/>
+  </p:clrMapOvr>
+  <p:transition spd="slow"/>
+  <p:timing>
+    <p:tnLst>
+      <p:par>
+        <p:cTn id="1" dur="indefinite" restart="never" nodeType="tmRoot"/>
+      </p:par>
+    </p:tnLst>
+  </p:timing>
+</p:sld>
+</file>
+
+<file path=ppt/slides/slide17.xml><?xml version="1.0" encoding="utf-8"?>
+<p:sld xmlns:a="http://schemas.openxmlformats.org/drawingml/2006/main" xmlns:r="http://schemas.openxmlformats.org/officeDocument/2006/relationships" xmlns:p="http://schemas.openxmlformats.org/presentationml/2006/main">
+  <p:cSld>
+    <p:spTree>
+      <p:nvGrpSpPr>
+        <p:cNvPr id="1" name=""/>
+        <p:cNvGrpSpPr/>
+        <p:nvPr/>
+      </p:nvGrpSpPr>
+      <p:grpSpPr>
+        <a:xfrm>
+          <a:off x="0" y="0"/>
+          <a:ext cx="0" cy="0"/>
+          <a:chOff x="0" y="0"/>
+          <a:chExt cx="0" cy="0"/>
+        </a:xfrm>
+      </p:grpSpPr>
+      <p:sp>
+        <p:nvSpPr>
+          <p:cNvPr id="135" name="Shape 135"/>
+          <p:cNvSpPr>
+            <a:spLocks noGrp="1"/>
+          </p:cNvSpPr>
+          <p:nvPr>
+            <p:ph type="title"/>
+          </p:nvPr>
+        </p:nvSpPr>
+        <p:spPr>
+          <a:prstGeom prst="rect">
+            <a:avLst/>
+          </a:prstGeom>
+        </p:spPr>
+        <p:txBody>
+          <a:bodyPr/>
+          <a:lstStyle/>
+          <a:p>
+            <a:r>
+              <a:t>Drawbacks</a:t>
+            </a:r>
+          </a:p>
+        </p:txBody>
+      </p:sp>
+      <p:sp>
+        <p:nvSpPr>
+          <p:cNvPr id="136" name="Shape 136"/>
+          <p:cNvSpPr>
+            <a:spLocks noGrp="1"/>
+          </p:cNvSpPr>
+          <p:nvPr>
+            <p:ph type="body" idx="1"/>
+          </p:nvPr>
+        </p:nvSpPr>
+        <p:spPr>
+          <a:prstGeom prst="rect">
+            <a:avLst/>
+          </a:prstGeom>
+        </p:spPr>
+        <p:txBody>
+          <a:bodyPr/>
+          <a:lstStyle/>
+          <a:p>
+            <a:endParaRPr/>
+          </a:p>
+        </p:txBody>
+      </p:sp>
+    </p:spTree>
+  </p:cSld>
+  <p:clrMapOvr>
+    <a:masterClrMapping/>
+  </p:clrMapOvr>
+  <p:transition spd="slow"/>
+  <p:timing>
+    <p:tnLst>
+      <p:par>
+        <p:cTn id="1" dur="indefinite" restart="never" nodeType="tmRoot"/>
+      </p:par>
+    </p:tnLst>
+  </p:timing>
+</p:sld>
+</file>
+
+<file path=ppt/slides/slide2.xml><?xml version="1.0" encoding="utf-8"?>
+<p:sld xmlns:a="http://schemas.openxmlformats.org/drawingml/2006/main" xmlns:r="http://schemas.openxmlformats.org/officeDocument/2006/relationships" xmlns:p="http://schemas.openxmlformats.org/presentationml/2006/main">
+  <p:cSld>
+    <p:spTree>
+      <p:nvGrpSpPr>
+        <p:cNvPr id="1" name=""/>
+        <p:cNvGrpSpPr/>
+        <p:nvPr/>
+      </p:nvGrpSpPr>
+      <p:grpSpPr>
+        <a:xfrm>
+          <a:off x="0" y="0"/>
+          <a:ext cx="0" cy="0"/>
+          <a:chOff x="0" y="0"/>
+          <a:chExt cx="0" cy="0"/>
+        </a:xfrm>
+      </p:grpSpPr>
+      <p:sp>
+        <p:nvSpPr>
+          <p:cNvPr id="119" name="Shape 119"/>
+          <p:cNvSpPr>
+            <a:spLocks noGrp="1"/>
+          </p:cNvSpPr>
+          <p:nvPr>
+            <p:ph type="ctrTitle"/>
+          </p:nvPr>
+        </p:nvSpPr>
+        <p:spPr>
+          <a:xfrm>
+            <a:off x="1244600" y="838200"/>
+            <a:ext cx="10464800" cy="1206500"/>
+          </a:xfrm>
+          <a:prstGeom prst="rect">
+            <a:avLst/>
+          </a:prstGeom>
+        </p:spPr>
+        <p:txBody>
+          <a:bodyPr>
+            <a:normAutofit/>
+          </a:bodyPr>
+          <a:lstStyle>
+            <a:lvl1pPr defTabSz="514095">
+              <a:defRPr sz="7040"/>
+            </a:lvl1pPr>
+          </a:lstStyle>
+          <a:p>
+            <a:r>
+              <a:rPr lang="en-US" dirty="0" smtClean="0"/>
+              <a:t>Agenda</a:t>
+            </a:r>
+            <a:endParaRPr dirty="0"/>
+          </a:p>
+        </p:txBody>
+      </p:sp>
+      <p:sp>
+        <p:nvSpPr>
+          <p:cNvPr id="5" name="TextBox 4"/>
+          <p:cNvSpPr txBox="1"/>
+          <p:nvPr/>
+        </p:nvSpPr>
+        <p:spPr>
+          <a:xfrm>
+            <a:off x="3149600" y="3191881"/>
+            <a:ext cx="7696200" cy="2318583"/>
+          </a:xfrm>
+          <a:prstGeom prst="rect">
+            <a:avLst/>
+          </a:prstGeom>
+          <a:noFill/>
+          <a:ln w="12700" cap="flat">
+            <a:noFill/>
+            <a:miter lim="400000"/>
+          </a:ln>
+          <a:effectLst/>
+          <a:sp3d/>
+        </p:spPr>
+        <p:style>
+          <a:lnRef idx="0">
+            <a:scrgbClr r="0" g="0" b="0"/>
+          </a:lnRef>
+          <a:fillRef idx="0">
+            <a:scrgbClr r="0" g="0" b="0"/>
+          </a:fillRef>
+          <a:effectRef idx="0">
+            <a:scrgbClr r="0" g="0" b="0"/>
+          </a:effectRef>
+          <a:fontRef idx="none"/>
+        </p:style>
+        <p:txBody>
+          <a:bodyPr rot="0" spcFirstLastPara="1" vertOverflow="overflow" horzOverflow="overflow" vert="horz" wrap="square" lIns="50800" tIns="50800" rIns="50800" bIns="50800" numCol="1" spcCol="38100" rtlCol="0" anchor="ctr">
+            <a:spAutoFit/>
+          </a:bodyPr>
+          <a:lstStyle/>
+          <a:p>
+            <a:pPr marL="571500" marR="0" indent="-571500" algn="l" defTabSz="584200" rtl="0" fontAlgn="auto" latinLnBrk="0" hangingPunct="0">
+              <a:lnSpc>
+                <a:spcPct val="100000"/>
+              </a:lnSpc>
+              <a:spcBef>
+                <a:spcPts val="0"/>
+              </a:spcBef>
+              <a:spcAft>
+                <a:spcPts val="0"/>
+              </a:spcAft>
+              <a:buClrTx/>
+              <a:buSzTx/>
+              <a:buFont typeface="Arial" pitchFamily="34" charset="0"/>
+              <a:buChar char="•"/>
+              <a:tabLst/>
+            </a:pPr>
+            <a:r>
+              <a:rPr kumimoji="0" lang="en-US" sz="3600" b="0" i="0" u="none" strike="noStrike" cap="none" spc="0" normalizeH="0" baseline="0" dirty="0" smtClean="0">
+                <a:ln>
+                  <a:noFill/>
+                </a:ln>
+                <a:solidFill>
+                  <a:srgbClr val="000000"/>
+                </a:solidFill>
+                <a:effectLst/>
+                <a:uFillTx/>
+                <a:latin typeface="+mn-lt"/>
+                <a:ea typeface="+mn-ea"/>
+                <a:cs typeface="+mn-cs"/>
+                <a:sym typeface="Helvetica Light"/>
+              </a:rPr>
+              <a:t>Challenges in general</a:t>
+            </a:r>
+          </a:p>
+          <a:p>
+            <a:pPr marL="571500" marR="0" indent="-571500" algn="l" defTabSz="584200" rtl="0" fontAlgn="auto" latinLnBrk="0" hangingPunct="0">
+              <a:lnSpc>
+                <a:spcPct val="100000"/>
+              </a:lnSpc>
+              <a:spcBef>
+                <a:spcPts val="0"/>
+              </a:spcBef>
+              <a:spcAft>
+                <a:spcPts val="0"/>
+              </a:spcAft>
+              <a:buClrTx/>
+              <a:buSzTx/>
+              <a:buFont typeface="Arial" pitchFamily="34" charset="0"/>
+              <a:buChar char="•"/>
+              <a:tabLst/>
+            </a:pPr>
+            <a:r>
+              <a:rPr lang="en-US" dirty="0" smtClean="0"/>
+              <a:t>Challenges in virtual PM</a:t>
+            </a:r>
+          </a:p>
+          <a:p>
+            <a:pPr marL="571500" marR="0" indent="-571500" algn="l" defTabSz="584200" rtl="0" fontAlgn="auto" latinLnBrk="0" hangingPunct="0">
+              <a:lnSpc>
+                <a:spcPct val="100000"/>
+              </a:lnSpc>
+              <a:spcBef>
+                <a:spcPts val="0"/>
+              </a:spcBef>
+              <a:spcAft>
+                <a:spcPts val="0"/>
+              </a:spcAft>
+              <a:buClrTx/>
+              <a:buSzTx/>
+              <a:buFont typeface="Arial" pitchFamily="34" charset="0"/>
+              <a:buChar char="•"/>
+              <a:tabLst/>
+            </a:pPr>
+            <a:r>
+              <a:rPr kumimoji="0" lang="en-US" sz="3600" b="0" i="0" u="none" strike="noStrike" cap="none" spc="0" normalizeH="0" baseline="0" dirty="0" smtClean="0">
+                <a:ln>
+                  <a:noFill/>
+                </a:ln>
+                <a:solidFill>
+                  <a:srgbClr val="000000"/>
+                </a:solidFill>
+                <a:effectLst/>
+                <a:uFillTx/>
+                <a:latin typeface="+mn-lt"/>
+                <a:ea typeface="+mn-ea"/>
+                <a:cs typeface="+mn-cs"/>
+                <a:sym typeface="Helvetica Light"/>
+              </a:rPr>
+              <a:t>Challenges in on site PM</a:t>
+            </a:r>
+          </a:p>
+          <a:p>
+            <a:pPr marL="571500" marR="0" indent="-571500" algn="l" defTabSz="584200" rtl="0" fontAlgn="auto" latinLnBrk="0" hangingPunct="0">
+              <a:lnSpc>
+                <a:spcPct val="100000"/>
+              </a:lnSpc>
+              <a:spcBef>
+                <a:spcPts val="0"/>
+              </a:spcBef>
+              <a:spcAft>
+                <a:spcPts val="0"/>
+              </a:spcAft>
+              <a:buClrTx/>
+              <a:buSzTx/>
+              <a:buFont typeface="Arial" pitchFamily="34" charset="0"/>
+              <a:buChar char="•"/>
+              <a:tabLst/>
+            </a:pPr>
+            <a:r>
+              <a:rPr lang="en-US" dirty="0" smtClean="0"/>
+              <a:t>QA</a:t>
+            </a:r>
+            <a:endParaRPr kumimoji="0" lang="en-US" sz="3600" b="0" i="0" u="none" strike="noStrike" cap="none" spc="0" normalizeH="0" baseline="0" dirty="0">
+              <a:ln>
+                <a:noFill/>
+              </a:ln>
+              <a:solidFill>
+                <a:srgbClr val="000000"/>
+              </a:solidFill>
+              <a:effectLst/>
+              <a:uFillTx/>
+              <a:latin typeface="+mn-lt"/>
+              <a:ea typeface="+mn-ea"/>
+              <a:cs typeface="+mn-cs"/>
+              <a:sym typeface="Helvetica Light"/>
+            </a:endParaRPr>
+          </a:p>
+        </p:txBody>
+      </p:sp>
+    </p:spTree>
+    <p:extLst>
+      <p:ext uri="{BB962C8B-B14F-4D97-AF65-F5344CB8AC3E}">
+        <p14:creationId xmlns:p14="http://schemas.microsoft.com/office/powerpoint/2010/main" val="828240650"/>
+      </p:ext>
+    </p:extLst>
+  </p:cSld>
+  <p:clrMapOvr>
+    <a:masterClrMapping/>
+  </p:clrMapOvr>
+  <p:transition spd="med"/>
+</p:sld>
+</file>
+
+<file path=ppt/slides/slide3.xml><?xml version="1.0" encoding="utf-8"?>
+<p:sld xmlns:a="http://schemas.openxmlformats.org/drawingml/2006/main" xmlns:r="http://schemas.openxmlformats.org/officeDocument/2006/relationships" xmlns:p="http://schemas.openxmlformats.org/presentationml/2006/main">
+  <p:cSld>
+    <p:spTree>
+      <p:nvGrpSpPr>
+        <p:cNvPr id="1" name=""/>
+        <p:cNvGrpSpPr/>
+        <p:nvPr/>
+      </p:nvGrpSpPr>
+      <p:grpSpPr>
+        <a:xfrm>
+          <a:off x="0" y="0"/>
+          <a:ext cx="0" cy="0"/>
+          <a:chOff x="0" y="0"/>
+          <a:chExt cx="0" cy="0"/>
+        </a:xfrm>
+      </p:grpSpPr>
+      <p:sp>
+        <p:nvSpPr>
+          <p:cNvPr id="119" name="Shape 119"/>
+          <p:cNvSpPr>
+            <a:spLocks noGrp="1"/>
+          </p:cNvSpPr>
+          <p:nvPr>
+            <p:ph type="ctrTitle"/>
+          </p:nvPr>
+        </p:nvSpPr>
+        <p:spPr>
+          <a:xfrm>
+            <a:off x="1473200" y="-304800"/>
+            <a:ext cx="10464800" cy="1587500"/>
+          </a:xfrm>
+          <a:prstGeom prst="rect">
+            <a:avLst/>
+          </a:prstGeom>
+        </p:spPr>
+        <p:txBody>
+          <a:bodyPr>
+            <a:normAutofit/>
+          </a:bodyPr>
+          <a:lstStyle>
+            <a:lvl1pPr defTabSz="514095">
+              <a:defRPr sz="7040"/>
+            </a:lvl1pPr>
+          </a:lstStyle>
+          <a:p>
+            <a:r>
+              <a:rPr lang="en-US" dirty="0"/>
+              <a:t>I</a:t>
+            </a:r>
+            <a:r>
+              <a:rPr lang="en-US" dirty="0" smtClean="0"/>
+              <a:t>ntroduction</a:t>
+            </a:r>
+            <a:endParaRPr dirty="0"/>
+          </a:p>
+        </p:txBody>
+      </p:sp>
+      <p:sp>
+        <p:nvSpPr>
+          <p:cNvPr id="121" name="Shape 121"/>
+          <p:cNvSpPr/>
+          <p:nvPr/>
+        </p:nvSpPr>
+        <p:spPr>
+          <a:xfrm>
+            <a:off x="1384300" y="6134100"/>
+            <a:ext cx="10464800" cy="1130300"/>
+          </a:xfrm>
+          <a:prstGeom prst="rect">
+            <a:avLst/>
+          </a:prstGeom>
+          <a:ln w="12700">
+            <a:miter lim="400000"/>
+          </a:ln>
+          <a:extLst>
+            <a:ext uri="{C572A759-6A51-4108-AA02-DFA0A04FC94B}">
+              <ma14:wrappingTextBoxFlag xmlns:ma14="http://schemas.microsoft.com/office/mac/drawingml/2011/main" xmlns="" val="1"/>
+            </a:ext>
+          </a:extLst>
+        </p:spPr>
+        <p:txBody>
+          <a:bodyPr lIns="50800" tIns="50800" rIns="50800" bIns="50800">
+            <a:normAutofit/>
+          </a:bodyPr>
+          <a:lstStyle>
+            <a:lvl1pPr>
+              <a:defRPr sz="3200"/>
+            </a:lvl1pPr>
+          </a:lstStyle>
+          <a:p>
+            <a:endParaRPr dirty="0"/>
+          </a:p>
+        </p:txBody>
+      </p:sp>
+      <p:pic>
+        <p:nvPicPr>
+          <p:cNvPr id="2" name="Picture 1"/>
+          <p:cNvPicPr>
+            <a:picLocks noChangeAspect="1"/>
+          </p:cNvPicPr>
+          <p:nvPr/>
+        </p:nvPicPr>
+        <p:blipFill>
+          <a:blip r:embed="rId2">
+            <a:extLst>
+              <a:ext uri="{28A0092B-C50C-407E-A947-70E740481C1C}">
+                <a14:useLocalDpi xmlns:a14="http://schemas.microsoft.com/office/drawing/2010/main" val="0"/>
+              </a:ext>
+            </a:extLst>
+          </a:blip>
+          <a:stretch>
+            <a:fillRect/>
+          </a:stretch>
+        </p:blipFill>
+        <p:spPr>
+          <a:xfrm>
+            <a:off x="558800" y="2209800"/>
+            <a:ext cx="11811000" cy="6477000"/>
+          </a:xfrm>
+          <a:prstGeom prst="rect">
+            <a:avLst/>
+          </a:prstGeom>
+        </p:spPr>
+      </p:pic>
+    </p:spTree>
+    <p:extLst>
+      <p:ext uri="{BB962C8B-B14F-4D97-AF65-F5344CB8AC3E}">
+        <p14:creationId xmlns:p14="http://schemas.microsoft.com/office/powerpoint/2010/main" val="1227890937"/>
+      </p:ext>
+    </p:extLst>
+  </p:cSld>
+  <p:clrMapOvr>
+    <a:masterClrMapping/>
+  </p:clrMapOvr>
+  <p:transition spd="med"/>
+</p:sld>
+</file>
+
+<file path=ppt/slides/slide4.xml><?xml version="1.0" encoding="utf-8"?>
+<p:sld xmlns:a="http://schemas.openxmlformats.org/drawingml/2006/main" xmlns:r="http://schemas.openxmlformats.org/officeDocument/2006/relationships" xmlns:p="http://schemas.openxmlformats.org/presentationml/2006/main">
+  <p:cSld>
+    <p:spTree>
+      <p:nvGrpSpPr>
+        <p:cNvPr id="1" name=""/>
+        <p:cNvGrpSpPr/>
+        <p:nvPr/>
+      </p:nvGrpSpPr>
+      <p:grpSpPr>
+        <a:xfrm>
+          <a:off x="0" y="0"/>
+          <a:ext cx="0" cy="0"/>
+          <a:chOff x="0" y="0"/>
+          <a:chExt cx="0" cy="0"/>
+        </a:xfrm>
+      </p:grpSpPr>
+      <p:sp>
+        <p:nvSpPr>
+          <p:cNvPr id="124" name="Shape 124"/>
+          <p:cNvSpPr>
+            <a:spLocks noGrp="1"/>
+          </p:cNvSpPr>
+          <p:nvPr>
+            <p:ph type="title"/>
+          </p:nvPr>
+        </p:nvSpPr>
+        <p:spPr>
+          <a:xfrm>
+            <a:off x="939800" y="685800"/>
+            <a:ext cx="5334000" cy="8280400"/>
+          </a:xfrm>
+          <a:prstGeom prst="rect">
+            <a:avLst/>
+          </a:prstGeom>
+        </p:spPr>
+        <p:txBody>
+          <a:bodyPr>
+            <a:noAutofit/>
+          </a:bodyPr>
+          <a:lstStyle/>
+          <a:p>
+            <a:pPr algn="just"/>
+            <a:r>
+              <a:rPr lang="en-US" sz="2100" dirty="0" smtClean="0"/>
+              <a:t/>
+            </a:r>
+            <a:br>
+              <a:rPr lang="en-US" sz="2100" dirty="0" smtClean="0"/>
+            </a:br>
+            <a:r>
+              <a:rPr lang="en-US" sz="2100" dirty="0"/>
+              <a:t/>
+            </a:r>
+            <a:br>
+              <a:rPr lang="en-US" sz="2100" dirty="0"/>
+            </a:br>
+            <a:r>
+              <a:rPr lang="en-US" sz="2100" dirty="0" smtClean="0"/>
+              <a:t/>
+            </a:r>
+            <a:br>
+              <a:rPr lang="en-US" sz="2100" dirty="0" smtClean="0"/>
+            </a:br>
+            <a:r>
+              <a:rPr lang="en-US" sz="2100" dirty="0"/>
+              <a:t/>
+            </a:r>
+            <a:br>
+              <a:rPr lang="en-US" sz="2100" dirty="0"/>
+            </a:br>
+            <a:r>
+              <a:rPr lang="en-US" sz="2100" dirty="0" smtClean="0"/>
+              <a:t>…</a:t>
+            </a:r>
+            <a:r>
+              <a:rPr lang="en-US" sz="2100" dirty="0"/>
+              <a:t>whence came all these people? They are a mixture of English, Scotch, Irish, French, Dutch, Germans, and Swedes... What, then, is the American, this new man? He is either an European or the descendant of an European; hence that strange mixture of blood, which you will find in no other country. </a:t>
+            </a:r>
+            <a:r>
+              <a:rPr lang="en-US" sz="2100" b="1" dirty="0"/>
+              <a:t>I could point out to you a family whose grandfather was an Englishman, whose wife was Dutch, whose son married a French woman, and whose present four sons have now four wives of different nations.</a:t>
+            </a:r>
+            <a:r>
+              <a:rPr lang="en-US" sz="2100" dirty="0"/>
+              <a:t> He is an American, who, leaving behind him all his ancient prejudices and manners, receives new ones from the new mode of life he has embraced, the new government he obeys, and the new rank he holds. . . . The Americans were once scattered all over Europe; here they are incorporated into one of the finest systems of population which has ever appeared.</a:t>
+            </a:r>
+            <a:br>
+              <a:rPr lang="en-US" sz="2100" dirty="0"/>
+            </a:br>
+            <a:r>
+              <a:rPr lang="en-US" sz="2100" i="1" dirty="0"/>
+              <a:t>— J. Hector St. John de Crevecoeur, Letters from an American Farmer</a:t>
+            </a:r>
+            <a:r>
+              <a:rPr lang="en-US" sz="2100" dirty="0"/>
+              <a:t/>
+            </a:r>
+            <a:br>
+              <a:rPr lang="en-US" sz="2100" dirty="0"/>
+            </a:br>
+            <a:endParaRPr sz="2100" dirty="0"/>
+          </a:p>
+        </p:txBody>
+      </p:sp>
+      <p:pic>
+        <p:nvPicPr>
+          <p:cNvPr id="4" name="Picture Placeholder 3"/>
+          <p:cNvPicPr>
+            <a:picLocks noGrp="1" noChangeAspect="1"/>
+          </p:cNvPicPr>
+          <p:nvPr>
+            <p:ph type="pic" sz="half" idx="13"/>
+          </p:nvPr>
+        </p:nvPicPr>
+        <p:blipFill>
+          <a:blip r:embed="rId2">
+            <a:extLst>
+              <a:ext uri="{28A0092B-C50C-407E-A947-70E740481C1C}">
+                <a14:useLocalDpi xmlns:a14="http://schemas.microsoft.com/office/drawing/2010/main" val="0"/>
+              </a:ext>
+            </a:extLst>
+          </a:blip>
+          <a:srcRect l="5318" r="5318"/>
+          <a:stretch>
+            <a:fillRect/>
+          </a:stretch>
+        </p:blipFill>
+        <p:spPr>
+          <a:xfrm>
+            <a:off x="6807200" y="762000"/>
+            <a:ext cx="5334000" cy="8229600"/>
+          </a:xfrm>
+        </p:spPr>
+      </p:pic>
+    </p:spTree>
+  </p:cSld>
+  <p:clrMapOvr>
+    <a:masterClrMapping/>
+  </p:clrMapOvr>
+  <p:transition spd="slow"/>
+</p:sld>
+</file>
+
+<file path=ppt/slides/slide5.xml><?xml version="1.0" encoding="utf-8"?>
+<p:sld xmlns:a="http://schemas.openxmlformats.org/drawingml/2006/main" xmlns:r="http://schemas.openxmlformats.org/officeDocument/2006/relationships" xmlns:p="http://schemas.openxmlformats.org/presentationml/2006/main">
+  <p:cSld>
+    <p:spTree>
+      <p:nvGrpSpPr>
+        <p:cNvPr id="1" name=""/>
+        <p:cNvGrpSpPr/>
+        <p:nvPr/>
+      </p:nvGrpSpPr>
+      <p:grpSpPr>
+        <a:xfrm>
+          <a:off x="0" y="0"/>
+          <a:ext cx="0" cy="0"/>
+          <a:chOff x="0" y="0"/>
+          <a:chExt cx="0" cy="0"/>
+        </a:xfrm>
+      </p:grpSpPr>
+      <p:sp>
+        <p:nvSpPr>
+          <p:cNvPr id="124" name="Shape 124"/>
+          <p:cNvSpPr>
+            <a:spLocks noGrp="1"/>
+          </p:cNvSpPr>
+          <p:nvPr>
+            <p:ph type="title"/>
+          </p:nvPr>
+        </p:nvSpPr>
+        <p:spPr>
+          <a:xfrm>
+            <a:off x="939800" y="1828800"/>
+            <a:ext cx="11353800" cy="5461000"/>
+          </a:xfrm>
+          <a:prstGeom prst="rect">
+            <a:avLst/>
+          </a:prstGeom>
+        </p:spPr>
+        <p:txBody>
+          <a:bodyPr>
+            <a:noAutofit/>
+          </a:bodyPr>
+          <a:lstStyle/>
+          <a:p>
+            <a:pPr algn="just"/>
+            <a:r>
+              <a:rPr lang="en-US" sz="2400" dirty="0" smtClean="0"/>
+              <a:t>Culture </a:t>
+            </a:r>
+            <a:r>
+              <a:rPr lang="en-US" sz="2400" dirty="0"/>
+              <a:t>is the integrated pattern of knowledge, belief, and behavior that depends upon the capacity for learning and transmitting knowledge to </a:t>
+            </a:r>
+            <a:r>
+              <a:rPr lang="en-US" sz="2400" dirty="0" smtClean="0"/>
+              <a:t>succeeding generations.</a:t>
+            </a:r>
+            <a:r>
+              <a:rPr lang="en-US" sz="2400" dirty="0"/>
+              <a:t/>
+            </a:r>
+            <a:br>
+              <a:rPr lang="en-US" sz="2400" dirty="0"/>
+            </a:br>
+            <a:r>
+              <a:rPr lang="en-US" sz="2400" dirty="0" smtClean="0"/>
+              <a:t/>
+            </a:r>
+            <a:br>
+              <a:rPr lang="en-US" sz="2400" dirty="0" smtClean="0"/>
+            </a:br>
+            <a:r>
+              <a:rPr lang="en-US" sz="2400" dirty="0"/>
+              <a:t/>
+            </a:r>
+            <a:br>
+              <a:rPr lang="en-US" sz="2400" dirty="0"/>
+            </a:br>
+            <a:r>
+              <a:rPr lang="en-US" sz="2400" dirty="0"/>
+              <a:t>Culture is the learned values and behaviors shared by a group of people and play a vital role in how a person performs his or her work based on individual patterns of thinking, feeling, and acting. </a:t>
+            </a:r>
+            <a:r>
+              <a:rPr lang="en-US" sz="2400" dirty="0" smtClean="0"/>
+              <a:t/>
+            </a:r>
+            <a:br>
+              <a:rPr lang="en-US" sz="2400" dirty="0" smtClean="0"/>
+            </a:br>
+            <a:r>
+              <a:rPr lang="en-US" sz="2400" dirty="0"/>
+              <a:t/>
+            </a:r>
+            <a:br>
+              <a:rPr lang="en-US" sz="2400" dirty="0"/>
+            </a:br>
+            <a:r>
+              <a:rPr lang="en-US" sz="2400" dirty="0"/>
+              <a:t/>
+            </a:r>
+            <a:br>
+              <a:rPr lang="en-US" sz="2400" dirty="0"/>
+            </a:br>
+            <a:r>
+              <a:rPr lang="en-US" sz="2400" dirty="0"/>
+              <a:t>Culture has visible attributes like dining, clothing, religious rituals, architectures, or sports while invisible attributes comprise of orientations to environment, time, communication, space, power, individualism, competitiveness, structure, and thinking. </a:t>
+            </a:r>
+            <a:endParaRPr sz="2100" dirty="0"/>
+          </a:p>
+        </p:txBody>
+      </p:sp>
+    </p:spTree>
+    <p:extLst>
+      <p:ext uri="{BB962C8B-B14F-4D97-AF65-F5344CB8AC3E}">
+        <p14:creationId xmlns:p14="http://schemas.microsoft.com/office/powerpoint/2010/main" val="1544498971"/>
+      </p:ext>
+    </p:extLst>
+  </p:cSld>
+  <p:clrMapOvr>
+    <a:masterClrMapping/>
+  </p:clrMapOvr>
+  <p:transition spd="slow"/>
+</p:sld>
+</file>
+
+<file path=ppt/slides/slide6.xml><?xml version="1.0" encoding="utf-8"?>
+<p:sld xmlns:a="http://schemas.openxmlformats.org/drawingml/2006/main" xmlns:r="http://schemas.openxmlformats.org/officeDocument/2006/relationships" xmlns:p="http://schemas.openxmlformats.org/presentationml/2006/main">
+  <p:cSld>
+    <p:spTree>
+      <p:nvGrpSpPr>
+        <p:cNvPr id="1" name=""/>
+        <p:cNvGrpSpPr/>
+        <p:nvPr/>
+      </p:nvGrpSpPr>
+      <p:grpSpPr>
+        <a:xfrm>
+          <a:off x="0" y="0"/>
+          <a:ext cx="0" cy="0"/>
+          <a:chOff x="0" y="0"/>
+          <a:chExt cx="0" cy="0"/>
+        </a:xfrm>
+      </p:grpSpPr>
+      <p:sp>
+        <p:nvSpPr>
+          <p:cNvPr id="124" name="Shape 124"/>
+          <p:cNvSpPr>
+            <a:spLocks noGrp="1"/>
+          </p:cNvSpPr>
+          <p:nvPr>
+            <p:ph type="title"/>
+          </p:nvPr>
+        </p:nvSpPr>
+        <p:spPr>
+          <a:xfrm>
+            <a:off x="952500" y="1143000"/>
+            <a:ext cx="9359900" cy="2108200"/>
+          </a:xfrm>
+          <a:prstGeom prst="rect">
+            <a:avLst/>
+          </a:prstGeom>
+        </p:spPr>
+        <p:txBody>
+          <a:bodyPr/>
+          <a:lstStyle/>
+          <a:p>
+            <a:r>
+              <a:rPr dirty="0"/>
+              <a:t>General </a:t>
+            </a:r>
+            <a:r>
+              <a:rPr dirty="0" smtClean="0"/>
+              <a:t>Challenges</a:t>
+            </a:r>
+            <a:r>
+              <a:rPr lang="en-US" dirty="0" smtClean="0"/>
+              <a:t> – key factors</a:t>
+            </a:r>
+            <a:endParaRPr dirty="0"/>
+          </a:p>
+        </p:txBody>
+      </p:sp>
+      <p:sp>
+        <p:nvSpPr>
+          <p:cNvPr id="125" name="Shape 125"/>
+          <p:cNvSpPr>
+            <a:spLocks noGrp="1"/>
+          </p:cNvSpPr>
+          <p:nvPr>
+            <p:ph type="body" sz="quarter" idx="1"/>
+          </p:nvPr>
+        </p:nvSpPr>
+        <p:spPr>
+          <a:xfrm>
+            <a:off x="1092200" y="3657600"/>
+            <a:ext cx="10744200" cy="5867400"/>
+          </a:xfrm>
+          <a:prstGeom prst="rect">
+            <a:avLst/>
+          </a:prstGeom>
+        </p:spPr>
+        <p:txBody>
+          <a:bodyPr>
+            <a:normAutofit/>
+          </a:bodyPr>
+          <a:lstStyle/>
+          <a:p>
+            <a:pPr algn="l"/>
+            <a:r>
+              <a:rPr lang="en-US" dirty="0"/>
+              <a:t>According to experts in the field </a:t>
+            </a:r>
+            <a:r>
+              <a:rPr lang="en-US" dirty="0" smtClean="0"/>
+              <a:t>some factors include</a:t>
+            </a:r>
+            <a:r>
+              <a:rPr lang="en-US" dirty="0"/>
+              <a:t>: </a:t>
+            </a:r>
+            <a:endParaRPr lang="en-US" dirty="0" smtClean="0"/>
+          </a:p>
+          <a:p>
+            <a:pPr algn="l"/>
+            <a:r>
+              <a:rPr lang="en-US" dirty="0" smtClean="0"/>
+              <a:t>– </a:t>
+            </a:r>
+            <a:r>
+              <a:rPr lang="en-US" dirty="0"/>
+              <a:t>The Cultural Identity </a:t>
+            </a:r>
+            <a:r>
+              <a:rPr lang="en-US" dirty="0" smtClean="0"/>
+              <a:t>Factor</a:t>
+            </a:r>
+          </a:p>
+          <a:p>
+            <a:pPr algn="l"/>
+            <a:r>
+              <a:rPr lang="en-US" dirty="0" smtClean="0"/>
+              <a:t>– </a:t>
+            </a:r>
+            <a:r>
+              <a:rPr lang="en-US" dirty="0"/>
+              <a:t>The Racial Identity </a:t>
+            </a:r>
+            <a:r>
+              <a:rPr lang="en-US" dirty="0" smtClean="0"/>
+              <a:t>Factor</a:t>
+            </a:r>
+          </a:p>
+          <a:p>
+            <a:pPr algn="l"/>
+            <a:r>
+              <a:rPr lang="en-US" dirty="0" smtClean="0"/>
+              <a:t>– </a:t>
+            </a:r>
+            <a:r>
+              <a:rPr lang="en-US" dirty="0"/>
+              <a:t>The Ethnic Identity </a:t>
+            </a:r>
+            <a:r>
+              <a:rPr lang="en-US" dirty="0" smtClean="0"/>
+              <a:t>Factor</a:t>
+            </a:r>
+          </a:p>
+          <a:p>
+            <a:pPr algn="l"/>
+            <a:r>
+              <a:rPr lang="en-US" dirty="0" smtClean="0"/>
+              <a:t>– </a:t>
+            </a:r>
+            <a:r>
+              <a:rPr lang="en-US" dirty="0"/>
+              <a:t>The Gender Role Identity </a:t>
+            </a:r>
+            <a:r>
+              <a:rPr lang="en-US" dirty="0" smtClean="0"/>
+              <a:t>Factor</a:t>
+            </a:r>
+          </a:p>
+          <a:p>
+            <a:pPr algn="l"/>
+            <a:r>
+              <a:rPr lang="en-US" dirty="0" smtClean="0"/>
+              <a:t>– </a:t>
+            </a:r>
+            <a:r>
+              <a:rPr lang="en-US" dirty="0"/>
+              <a:t>The Individual Identity </a:t>
+            </a:r>
+            <a:r>
+              <a:rPr lang="en-US" dirty="0" smtClean="0"/>
+              <a:t>Factor </a:t>
+            </a:r>
+          </a:p>
+          <a:p>
+            <a:pPr algn="l"/>
+            <a:r>
+              <a:rPr lang="en-US" dirty="0" smtClean="0"/>
+              <a:t>– </a:t>
+            </a:r>
+            <a:r>
+              <a:rPr lang="en-US" dirty="0"/>
+              <a:t>The Social Class Identity </a:t>
+            </a:r>
+            <a:r>
+              <a:rPr lang="en-US" dirty="0" smtClean="0"/>
+              <a:t>Factor </a:t>
+            </a:r>
+          </a:p>
+          <a:p>
+            <a:pPr algn="l"/>
+            <a:r>
+              <a:rPr lang="en-US" dirty="0" smtClean="0"/>
+              <a:t>– </a:t>
+            </a:r>
+            <a:r>
+              <a:rPr lang="en-US" dirty="0"/>
+              <a:t>The Age Identity </a:t>
+            </a:r>
+            <a:r>
+              <a:rPr lang="en-US" dirty="0" smtClean="0"/>
+              <a:t>Factor </a:t>
+            </a:r>
+          </a:p>
+          <a:p>
+            <a:pPr algn="l"/>
+            <a:r>
+              <a:rPr lang="en-US" dirty="0" smtClean="0"/>
+              <a:t>– </a:t>
+            </a:r>
+            <a:r>
+              <a:rPr lang="en-US" dirty="0"/>
+              <a:t>The Roles Identity </a:t>
+            </a:r>
+            <a:r>
+              <a:rPr lang="en-US" dirty="0" smtClean="0"/>
+              <a:t>Factor</a:t>
+            </a:r>
+            <a:endParaRPr lang="en-US" dirty="0"/>
+          </a:p>
+        </p:txBody>
+      </p:sp>
+    </p:spTree>
+    <p:extLst>
+      <p:ext uri="{BB962C8B-B14F-4D97-AF65-F5344CB8AC3E}">
+        <p14:creationId xmlns:p14="http://schemas.microsoft.com/office/powerpoint/2010/main" val="2824245201"/>
+      </p:ext>
+    </p:extLst>
+  </p:cSld>
+  <p:clrMapOvr>
+    <a:masterClrMapping/>
+  </p:clrMapOvr>
+  <p:transition spd="slow"/>
+</p:sld>
+</file>
+
+<file path=ppt/slides/slide7.xml><?xml version="1.0" encoding="utf-8"?>
+<p:sld xmlns:a="http://schemas.openxmlformats.org/drawingml/2006/main" xmlns:r="http://schemas.openxmlformats.org/officeDocument/2006/relationships" xmlns:p="http://schemas.openxmlformats.org/presentationml/2006/main">
+  <p:cSld>
+    <p:spTree>
+      <p:nvGrpSpPr>
+        <p:cNvPr id="1" name=""/>
+        <p:cNvGrpSpPr/>
+        <p:nvPr/>
+      </p:nvGrpSpPr>
+      <p:grpSpPr>
+        <a:xfrm>
+          <a:off x="0" y="0"/>
+          <a:ext cx="0" cy="0"/>
+          <a:chOff x="0" y="0"/>
+          <a:chExt cx="0" cy="0"/>
+        </a:xfrm>
+      </p:grpSpPr>
+      <p:pic>
+        <p:nvPicPr>
+          <p:cNvPr id="123" name="110809_familychineseoahu_en_00317_2040x1360.jpeg"/>
+          <p:cNvPicPr>
+            <a:picLocks noGrp="1" noChangeAspect="1"/>
+          </p:cNvPicPr>
+          <p:nvPr>
+            <p:ph type="pic" idx="13"/>
+          </p:nvPr>
+        </p:nvPicPr>
+        <p:blipFill>
+          <a:blip r:embed="rId2">
+            <a:extLst>
+              <a:ext uri="{28A0092B-C50C-407E-A947-70E740481C1C}">
+                <a14:useLocalDpi xmlns:a14="http://schemas.microsoft.com/office/drawing/2010/main" val="0"/>
+              </a:ext>
+            </a:extLst>
+          </a:blip>
+          <a:stretch>
+            <a:fillRect/>
+          </a:stretch>
+        </p:blipFill>
+        <p:spPr>
+          <a:xfrm>
+            <a:off x="6718300" y="1981200"/>
+            <a:ext cx="5334000" cy="6553200"/>
+          </a:xfrm>
+          <a:prstGeom prst="rect">
+            <a:avLst/>
+          </a:prstGeom>
+        </p:spPr>
+      </p:pic>
+      <p:sp>
+        <p:nvSpPr>
+          <p:cNvPr id="124" name="Shape 124"/>
+          <p:cNvSpPr>
+            <a:spLocks noGrp="1"/>
+          </p:cNvSpPr>
+          <p:nvPr>
+            <p:ph type="title"/>
+          </p:nvPr>
+        </p:nvSpPr>
+        <p:spPr>
+          <a:xfrm>
+            <a:off x="939800" y="1143000"/>
+            <a:ext cx="5334000" cy="2489200"/>
+          </a:xfrm>
+          <a:prstGeom prst="rect">
+            <a:avLst/>
+          </a:prstGeom>
+        </p:spPr>
+        <p:txBody>
+          <a:bodyPr/>
+          <a:lstStyle/>
+          <a:p>
+            <a:r>
+              <a:rPr dirty="0"/>
+              <a:t>General Challenges</a:t>
+            </a:r>
+          </a:p>
+        </p:txBody>
+      </p:sp>
+      <p:sp>
+        <p:nvSpPr>
+          <p:cNvPr id="125" name="Shape 125"/>
+          <p:cNvSpPr>
+            <a:spLocks noGrp="1"/>
+          </p:cNvSpPr>
+          <p:nvPr>
+            <p:ph type="body" sz="quarter" idx="1"/>
+          </p:nvPr>
+        </p:nvSpPr>
+        <p:spPr>
+          <a:xfrm>
+            <a:off x="952500" y="3810000"/>
+            <a:ext cx="5334000" cy="5054600"/>
+          </a:xfrm>
+          <a:prstGeom prst="rect">
+            <a:avLst/>
+          </a:prstGeom>
+        </p:spPr>
+        <p:txBody>
+          <a:bodyPr>
+            <a:normAutofit lnSpcReduction="10000"/>
+          </a:bodyPr>
+          <a:lstStyle/>
+          <a:p>
+            <a:pPr algn="just"/>
+            <a:r>
+              <a:rPr lang="en-US" dirty="0"/>
+              <a:t>Every country or even the states within the country have some different national culture and ways of business thinking</a:t>
+            </a:r>
+            <a:r>
+              <a:rPr lang="en-US" dirty="0" smtClean="0"/>
+              <a:t>.</a:t>
+            </a:r>
+          </a:p>
+          <a:p>
+            <a:pPr algn="just"/>
+            <a:endParaRPr lang="en-US" dirty="0" smtClean="0"/>
+          </a:p>
+          <a:p>
+            <a:pPr algn="just"/>
+            <a:r>
+              <a:rPr lang="en-US" dirty="0" smtClean="0"/>
+              <a:t>Not </a:t>
+            </a:r>
+            <a:r>
+              <a:rPr lang="en-US" dirty="0"/>
+              <a:t>understanding them might create issues </a:t>
+            </a:r>
+            <a:r>
+              <a:rPr lang="en-US" dirty="0" smtClean="0"/>
+              <a:t>during the </a:t>
+            </a:r>
+            <a:r>
+              <a:rPr lang="en-US" dirty="0"/>
+              <a:t>projects. PMs should be encouraged to realize and respect these issues.</a:t>
+            </a:r>
+          </a:p>
+          <a:p>
+            <a:pPr algn="l"/>
+            <a:endParaRPr dirty="0"/>
+          </a:p>
+        </p:txBody>
+      </p:sp>
+    </p:spTree>
+    <p:extLst>
+      <p:ext uri="{BB962C8B-B14F-4D97-AF65-F5344CB8AC3E}">
+        <p14:creationId xmlns:p14="http://schemas.microsoft.com/office/powerpoint/2010/main" val="1135872767"/>
+      </p:ext>
+    </p:extLst>
+  </p:cSld>
+  <p:clrMapOvr>
+    <a:masterClrMapping/>
+  </p:clrMapOvr>
+  <p:transition spd="slow"/>
+</p:sld>
+</file>
+
+<file path=ppt/slides/slide8.xml><?xml version="1.0" encoding="utf-8"?>
+<p:sld xmlns:a="http://schemas.openxmlformats.org/drawingml/2006/main" xmlns:r="http://schemas.openxmlformats.org/officeDocument/2006/relationships" xmlns:p="http://schemas.openxmlformats.org/presentationml/2006/main">
+  <p:cSld>
+    <p:spTree>
+      <p:nvGrpSpPr>
+        <p:cNvPr id="1" name=""/>
+        <p:cNvGrpSpPr/>
+        <p:nvPr/>
+      </p:nvGrpSpPr>
+      <p:grpSpPr>
+        <a:xfrm>
+          <a:off x="0" y="0"/>
+          <a:ext cx="0" cy="0"/>
+          <a:chOff x="0" y="0"/>
+          <a:chExt cx="0" cy="0"/>
+        </a:xfrm>
+      </p:grpSpPr>
+      <p:pic>
+        <p:nvPicPr>
+          <p:cNvPr id="123" name="110809_familychineseoahu_en_00317_2040x1360.jpeg"/>
+          <p:cNvPicPr>
+            <a:picLocks noGrp="1" noChangeAspect="1"/>
+          </p:cNvPicPr>
+          <p:nvPr>
+            <p:ph type="pic" idx="13"/>
+          </p:nvPr>
+        </p:nvPicPr>
+        <p:blipFill>
+          <a:blip r:embed="rId2">
+            <a:extLst>
+              <a:ext uri="{28A0092B-C50C-407E-A947-70E740481C1C}">
+                <a14:useLocalDpi xmlns:a14="http://schemas.microsoft.com/office/drawing/2010/main" val="0"/>
+              </a:ext>
+            </a:extLst>
+          </a:blip>
+          <a:stretch>
+            <a:fillRect/>
+          </a:stretch>
+        </p:blipFill>
+        <p:spPr>
+          <a:xfrm>
+            <a:off x="6578600" y="1828800"/>
+            <a:ext cx="5473700" cy="6553200"/>
+          </a:xfrm>
+          <a:prstGeom prst="rect">
+            <a:avLst/>
+          </a:prstGeom>
+        </p:spPr>
+      </p:pic>
+      <p:sp>
+        <p:nvSpPr>
+          <p:cNvPr id="124" name="Shape 124"/>
+          <p:cNvSpPr>
+            <a:spLocks noGrp="1"/>
+          </p:cNvSpPr>
+          <p:nvPr>
+            <p:ph type="title"/>
+          </p:nvPr>
+        </p:nvSpPr>
+        <p:spPr>
+          <a:xfrm>
+            <a:off x="1016000" y="1828800"/>
+            <a:ext cx="5334000" cy="1752600"/>
+          </a:xfrm>
+          <a:prstGeom prst="rect">
+            <a:avLst/>
+          </a:prstGeom>
+        </p:spPr>
+        <p:txBody>
+          <a:bodyPr>
+            <a:normAutofit fontScale="90000"/>
+          </a:bodyPr>
+          <a:lstStyle/>
+          <a:p>
+            <a:r>
+              <a:rPr dirty="0"/>
+              <a:t>General Challenges</a:t>
+            </a:r>
+          </a:p>
+        </p:txBody>
+      </p:sp>
+      <p:sp>
+        <p:nvSpPr>
+          <p:cNvPr id="125" name="Shape 125"/>
+          <p:cNvSpPr>
+            <a:spLocks noGrp="1"/>
+          </p:cNvSpPr>
+          <p:nvPr>
+            <p:ph type="body" sz="quarter" idx="1"/>
+          </p:nvPr>
+        </p:nvSpPr>
+        <p:spPr>
+          <a:xfrm>
+            <a:off x="863600" y="4267200"/>
+            <a:ext cx="5334000" cy="4102100"/>
+          </a:xfrm>
+          <a:prstGeom prst="rect">
+            <a:avLst/>
+          </a:prstGeom>
+        </p:spPr>
+        <p:txBody>
+          <a:bodyPr>
+            <a:normAutofit/>
+          </a:bodyPr>
+          <a:lstStyle/>
+          <a:p>
+            <a:pPr marL="514350" indent="-514350" algn="just">
+              <a:buFont typeface="Arial" pitchFamily="34" charset="0"/>
+              <a:buChar char="•"/>
+            </a:pPr>
+            <a:r>
+              <a:rPr lang="en-US" dirty="0"/>
+              <a:t>Not being careful with stereotypes, and peoples perspective. </a:t>
+            </a:r>
+            <a:endParaRPr lang="en-US" dirty="0" smtClean="0"/>
+          </a:p>
+          <a:p>
+            <a:pPr marL="514350" indent="-514350" algn="just">
+              <a:buFont typeface="Arial" pitchFamily="34" charset="0"/>
+              <a:buChar char="•"/>
+            </a:pPr>
+            <a:endParaRPr lang="en-US" dirty="0" smtClean="0"/>
+          </a:p>
+          <a:p>
+            <a:pPr marL="514350" indent="-514350" algn="just">
+              <a:buFont typeface="Arial" pitchFamily="34" charset="0"/>
+              <a:buChar char="•"/>
+            </a:pPr>
+            <a:r>
+              <a:rPr lang="en-US" dirty="0" smtClean="0"/>
+              <a:t>Every </a:t>
+            </a:r>
+            <a:r>
+              <a:rPr lang="en-US" dirty="0"/>
+              <a:t>individuals have different ideas and ways of looking at life.</a:t>
+            </a:r>
+          </a:p>
+          <a:p>
+            <a:pPr algn="l"/>
+            <a:endParaRPr dirty="0"/>
+          </a:p>
+        </p:txBody>
+      </p:sp>
+    </p:spTree>
+    <p:extLst>
+      <p:ext uri="{BB962C8B-B14F-4D97-AF65-F5344CB8AC3E}">
+        <p14:creationId xmlns:p14="http://schemas.microsoft.com/office/powerpoint/2010/main" val="1518596562"/>
+      </p:ext>
+    </p:extLst>
+  </p:cSld>
+  <p:clrMapOvr>
+    <a:masterClrMapping/>
+  </p:clrMapOvr>
+  <p:transition spd="slow"/>
+</p:sld>
+</file>
+
+<file path=ppt/slides/slide9.xml><?xml version="1.0" encoding="utf-8"?>
+<p:sld xmlns:a="http://schemas.openxmlformats.org/drawingml/2006/main" xmlns:r="http://schemas.openxmlformats.org/officeDocument/2006/relationships" xmlns:p="http://schemas.openxmlformats.org/presentationml/2006/main">
+  <p:cSld>
+    <p:spTree>
+      <p:nvGrpSpPr>
+        <p:cNvPr id="1" name=""/>
+        <p:cNvGrpSpPr/>
+        <p:nvPr/>
+      </p:nvGrpSpPr>
+      <p:grpSpPr>
+        <a:xfrm>
+          <a:off x="0" y="0"/>
+          <a:ext cx="0" cy="0"/>
+          <a:chOff x="0" y="0"/>
+          <a:chExt cx="0" cy="0"/>
+        </a:xfrm>
+      </p:grpSpPr>
+      <p:pic>
+        <p:nvPicPr>
+          <p:cNvPr id="123" name="110809_familychineseoahu_en_00317_2040x1360.jpeg"/>
+          <p:cNvPicPr>
+            <a:picLocks noGrp="1" noChangeAspect="1"/>
+          </p:cNvPicPr>
+          <p:nvPr>
+            <p:ph type="pic" idx="13"/>
+          </p:nvPr>
+        </p:nvPicPr>
+        <p:blipFill>
+          <a:blip r:embed="rId2">
+            <a:extLst>
+              <a:ext uri="{28A0092B-C50C-407E-A947-70E740481C1C}">
+                <a14:useLocalDpi xmlns:a14="http://schemas.microsoft.com/office/drawing/2010/main" val="0"/>
+              </a:ext>
+            </a:extLst>
+          </a:blip>
+          <a:stretch>
+            <a:fillRect/>
+          </a:stretch>
+        </p:blipFill>
+        <p:spPr>
+          <a:xfrm>
+            <a:off x="6718300" y="2749550"/>
+            <a:ext cx="5334000" cy="5861050"/>
+          </a:xfrm>
+          <a:prstGeom prst="rect">
+            <a:avLst/>
+          </a:prstGeom>
+        </p:spPr>
+      </p:pic>
+      <p:sp>
+        <p:nvSpPr>
+          <p:cNvPr id="124" name="Shape 124"/>
+          <p:cNvSpPr>
+            <a:spLocks noGrp="1"/>
+          </p:cNvSpPr>
+          <p:nvPr>
+            <p:ph type="title"/>
+          </p:nvPr>
+        </p:nvSpPr>
+        <p:spPr>
+          <a:prstGeom prst="rect">
+            <a:avLst/>
+          </a:prstGeom>
+        </p:spPr>
+        <p:txBody>
+          <a:bodyPr/>
+          <a:lstStyle/>
+          <a:p>
+            <a:r>
+              <a:rPr dirty="0"/>
+              <a:t>General Challenges</a:t>
+            </a:r>
+          </a:p>
+        </p:txBody>
+      </p:sp>
+      <p:sp>
+        <p:nvSpPr>
+          <p:cNvPr id="125" name="Shape 125"/>
+          <p:cNvSpPr>
+            <a:spLocks noGrp="1"/>
+          </p:cNvSpPr>
+          <p:nvPr>
+            <p:ph type="body" sz="quarter" idx="1"/>
+          </p:nvPr>
+        </p:nvSpPr>
+        <p:spPr>
+          <a:prstGeom prst="rect">
+            <a:avLst/>
+          </a:prstGeom>
+        </p:spPr>
+        <p:txBody>
+          <a:bodyPr>
+            <a:normAutofit fontScale="85000" lnSpcReduction="20000"/>
+          </a:bodyPr>
+          <a:lstStyle/>
+          <a:p>
+            <a:pPr algn="just"/>
+            <a:r>
+              <a:rPr lang="en-US" dirty="0"/>
+              <a:t>Language barrier. This is one of the primary reason behind miscommunication and misunderstanding in teams</a:t>
+            </a:r>
+            <a:r>
+              <a:rPr lang="en-US" dirty="0" smtClean="0"/>
+              <a:t>.</a:t>
+            </a:r>
+          </a:p>
+          <a:p>
+            <a:pPr algn="just"/>
+            <a:endParaRPr lang="en-US" dirty="0"/>
+          </a:p>
+          <a:p>
+            <a:pPr algn="just"/>
+            <a:r>
+              <a:rPr lang="en-US" dirty="0"/>
+              <a:t>Some languages might sound rude, some might sound polite while speaking. By looking at others' voice and tone people might get offended while the person speaking is not </a:t>
+            </a:r>
+            <a:r>
+              <a:rPr lang="en-US" dirty="0" smtClean="0"/>
+              <a:t>actually meaning </a:t>
+            </a:r>
+            <a:r>
+              <a:rPr lang="en-US" dirty="0"/>
+              <a:t>any offense.</a:t>
+            </a:r>
+          </a:p>
+          <a:p>
+            <a:pPr algn="l"/>
+            <a:endParaRPr dirty="0"/>
+          </a:p>
+        </p:txBody>
+      </p:sp>
+    </p:spTree>
+    <p:extLst>
+      <p:ext uri="{BB962C8B-B14F-4D97-AF65-F5344CB8AC3E}">
+        <p14:creationId xmlns:p14="http://schemas.microsoft.com/office/powerpoint/2010/main" val="1119995063"/>
+      </p:ext>
+    </p:extLst>
+  </p:cSld>
+  <p:clrMapOvr>
+    <a:masterClrMapping/>
+  </p:clrMapOvr>
+  <p:transition spd="slow"/>
+  <p:timing>
+    <p:tnLst>
+      <p:par>
+        <p:cTn id="1" dur="indefinite" restart="never" nodeType="tmRoot"/>
+      </p:par>
+    </p:tnLst>
+  </p:timing>
+</p:sld>
+</file>
+
 <file path=ppt/theme/theme1.xml><?xml version="1.0" encoding="utf-8"?>
 <a:theme xmlns:a="http://schemas.openxmlformats.org/drawingml/2006/main" name="White">
   <a:themeElements>
